--- a/pres.pptx
+++ b/pres.pptx
@@ -4,23 +4,25 @@
   <p:sldMasterIdLst>
     <p:sldMasterId id="2147483648" r:id="rId2"/>
     <p:sldMasterId id="2147483661" r:id="rId3"/>
-    <p:sldMasterId id="2147483674" r:id="rId4"/>
   </p:sldMasterIdLst>
   <p:sldIdLst>
-    <p:sldId id="256" r:id="rId5"/>
-    <p:sldId id="257" r:id="rId6"/>
-    <p:sldId id="258" r:id="rId7"/>
-    <p:sldId id="259" r:id="rId8"/>
-    <p:sldId id="260" r:id="rId9"/>
-    <p:sldId id="261" r:id="rId10"/>
-    <p:sldId id="262" r:id="rId11"/>
-    <p:sldId id="263" r:id="rId12"/>
-    <p:sldId id="264" r:id="rId13"/>
-    <p:sldId id="265" r:id="rId14"/>
-    <p:sldId id="266" r:id="rId15"/>
-    <p:sldId id="267" r:id="rId16"/>
-    <p:sldId id="268" r:id="rId17"/>
-    <p:sldId id="269" r:id="rId18"/>
+    <p:sldId id="256" r:id="rId4"/>
+    <p:sldId id="257" r:id="rId5"/>
+    <p:sldId id="258" r:id="rId6"/>
+    <p:sldId id="259" r:id="rId7"/>
+    <p:sldId id="260" r:id="rId8"/>
+    <p:sldId id="261" r:id="rId9"/>
+    <p:sldId id="262" r:id="rId10"/>
+    <p:sldId id="263" r:id="rId11"/>
+    <p:sldId id="264" r:id="rId12"/>
+    <p:sldId id="265" r:id="rId13"/>
+    <p:sldId id="266" r:id="rId14"/>
+    <p:sldId id="267" r:id="rId15"/>
+    <p:sldId id="268" r:id="rId16"/>
+    <p:sldId id="269" r:id="rId17"/>
+    <p:sldId id="270" r:id="rId18"/>
+    <p:sldId id="271" r:id="rId19"/>
+    <p:sldId id="272" r:id="rId20"/>
   </p:sldIdLst>
   <p:sldSz cx="10080625" cy="5670550"/>
   <p:notesSz cx="7559675" cy="10691812"/>
@@ -79,7 +81,7 @@
         <p:spPr>
           <a:xfrm>
             <a:off x="144000" y="72000"/>
-            <a:ext cx="9540000" cy="648000"/>
+            <a:ext cx="9539640" cy="647640"/>
           </a:xfrm>
           <a:prstGeom prst="rect">
             <a:avLst/>
@@ -90,6 +92,7 @@
             <a:noAutofit/>
           </a:bodyPr>
           <a:p>
+            <a:pPr algn="ctr"/>
             <a:endParaRPr b="0" lang="hu-HU" sz="4400" spc="-1" strike="noStrike">
               <a:latin typeface="Arial"/>
             </a:endParaRPr>
@@ -109,7 +112,7 @@
         <p:spPr>
           <a:xfrm>
             <a:off x="504000" y="1326600"/>
-            <a:ext cx="9071640" cy="1568160"/>
+            <a:ext cx="9071280" cy="1568160"/>
           </a:xfrm>
           <a:prstGeom prst="rect">
             <a:avLst/>
@@ -139,7 +142,7 @@
         <p:spPr>
           <a:xfrm>
             <a:off x="504000" y="3044160"/>
-            <a:ext cx="9071640" cy="1568160"/>
+            <a:ext cx="9071280" cy="1568160"/>
           </a:xfrm>
           <a:prstGeom prst="rect">
             <a:avLst/>
@@ -191,7 +194,7 @@
         <p:spPr>
           <a:xfrm>
             <a:off x="144000" y="72000"/>
-            <a:ext cx="9540000" cy="648000"/>
+            <a:ext cx="9539640" cy="647640"/>
           </a:xfrm>
           <a:prstGeom prst="rect">
             <a:avLst/>
@@ -202,6 +205,7 @@
             <a:noAutofit/>
           </a:bodyPr>
           <a:p>
+            <a:pPr algn="ctr"/>
             <a:endParaRPr b="0" lang="hu-HU" sz="4400" spc="-1" strike="noStrike">
               <a:latin typeface="Arial"/>
             </a:endParaRPr>
@@ -221,7 +225,7 @@
         <p:spPr>
           <a:xfrm>
             <a:off x="504000" y="1326600"/>
-            <a:ext cx="4426920" cy="1568160"/>
+            <a:ext cx="4426560" cy="1568160"/>
           </a:xfrm>
           <a:prstGeom prst="rect">
             <a:avLst/>
@@ -250,8 +254,8 @@
         </p:nvSpPr>
         <p:spPr>
           <a:xfrm>
-            <a:off x="5152680" y="1326600"/>
-            <a:ext cx="4426920" cy="1568160"/>
+            <a:off x="5152320" y="1326600"/>
+            <a:ext cx="4426560" cy="1568160"/>
           </a:xfrm>
           <a:prstGeom prst="rect">
             <a:avLst/>
@@ -281,7 +285,7 @@
         <p:spPr>
           <a:xfrm>
             <a:off x="504000" y="3044160"/>
-            <a:ext cx="4426920" cy="1568160"/>
+            <a:ext cx="4426560" cy="1568160"/>
           </a:xfrm>
           <a:prstGeom prst="rect">
             <a:avLst/>
@@ -310,8 +314,8 @@
         </p:nvSpPr>
         <p:spPr>
           <a:xfrm>
-            <a:off x="5152680" y="3044160"/>
-            <a:ext cx="4426920" cy="1568160"/>
+            <a:off x="5152320" y="3044160"/>
+            <a:ext cx="4426560" cy="1568160"/>
           </a:xfrm>
           <a:prstGeom prst="rect">
             <a:avLst/>
@@ -363,7 +367,7 @@
         <p:spPr>
           <a:xfrm>
             <a:off x="144000" y="72000"/>
-            <a:ext cx="9540000" cy="648000"/>
+            <a:ext cx="9539640" cy="647640"/>
           </a:xfrm>
           <a:prstGeom prst="rect">
             <a:avLst/>
@@ -374,6 +378,7 @@
             <a:noAutofit/>
           </a:bodyPr>
           <a:p>
+            <a:pPr algn="ctr"/>
             <a:endParaRPr b="0" lang="hu-HU" sz="4400" spc="-1" strike="noStrike">
               <a:latin typeface="Arial"/>
             </a:endParaRPr>
@@ -606,7 +611,7 @@
       </p:grpSpPr>
       <p:sp>
         <p:nvSpPr>
-          <p:cNvPr id="44" name="PlaceHolder 1"/>
+          <p:cNvPr id="41" name="PlaceHolder 1"/>
           <p:cNvSpPr>
             <a:spLocks noGrp="1"/>
           </p:cNvSpPr>
@@ -617,7 +622,7 @@
         <p:spPr>
           <a:xfrm>
             <a:off x="144000" y="72000"/>
-            <a:ext cx="9540000" cy="648000"/>
+            <a:ext cx="9539640" cy="647640"/>
           </a:xfrm>
           <a:prstGeom prst="rect">
             <a:avLst/>
@@ -628,6 +633,7 @@
             <a:noAutofit/>
           </a:bodyPr>
           <a:p>
+            <a:pPr algn="ctr"/>
             <a:endParaRPr b="0" lang="hu-HU" sz="4400" spc="-1" strike="noStrike">
               <a:latin typeface="Arial"/>
             </a:endParaRPr>
@@ -636,7 +642,7 @@
       </p:sp>
       <p:sp>
         <p:nvSpPr>
-          <p:cNvPr id="45" name="PlaceHolder 2"/>
+          <p:cNvPr id="42" name="PlaceHolder 2"/>
           <p:cNvSpPr>
             <a:spLocks noGrp="1"/>
           </p:cNvSpPr>
@@ -647,7 +653,7 @@
         <p:spPr>
           <a:xfrm>
             <a:off x="504000" y="1326600"/>
-            <a:ext cx="9071640" cy="3288240"/>
+            <a:ext cx="9071280" cy="3287880"/>
           </a:xfrm>
           <a:prstGeom prst="rect">
             <a:avLst/>
@@ -689,7 +695,7 @@
       </p:grpSpPr>
       <p:sp>
         <p:nvSpPr>
-          <p:cNvPr id="46" name="PlaceHolder 1"/>
+          <p:cNvPr id="43" name="PlaceHolder 1"/>
           <p:cNvSpPr>
             <a:spLocks noGrp="1"/>
           </p:cNvSpPr>
@@ -700,7 +706,7 @@
         <p:spPr>
           <a:xfrm>
             <a:off x="144000" y="72000"/>
-            <a:ext cx="9540000" cy="648000"/>
+            <a:ext cx="9539640" cy="647640"/>
           </a:xfrm>
           <a:prstGeom prst="rect">
             <a:avLst/>
@@ -711,6 +717,7 @@
             <a:noAutofit/>
           </a:bodyPr>
           <a:p>
+            <a:pPr algn="ctr"/>
             <a:endParaRPr b="0" lang="hu-HU" sz="4400" spc="-1" strike="noStrike">
               <a:latin typeface="Arial"/>
             </a:endParaRPr>
@@ -719,7 +726,7 @@
       </p:sp>
       <p:sp>
         <p:nvSpPr>
-          <p:cNvPr id="47" name="PlaceHolder 2"/>
+          <p:cNvPr id="44" name="PlaceHolder 2"/>
           <p:cNvSpPr>
             <a:spLocks noGrp="1"/>
           </p:cNvSpPr>
@@ -730,7 +737,7 @@
         <p:spPr>
           <a:xfrm>
             <a:off x="504000" y="1326600"/>
-            <a:ext cx="9071640" cy="3288240"/>
+            <a:ext cx="9071280" cy="3287880"/>
           </a:xfrm>
           <a:prstGeom prst="rect">
             <a:avLst/>
@@ -771,7 +778,7 @@
       </p:grpSpPr>
       <p:sp>
         <p:nvSpPr>
-          <p:cNvPr id="48" name="PlaceHolder 1"/>
+          <p:cNvPr id="45" name="PlaceHolder 1"/>
           <p:cNvSpPr>
             <a:spLocks noGrp="1"/>
           </p:cNvSpPr>
@@ -782,7 +789,7 @@
         <p:spPr>
           <a:xfrm>
             <a:off x="144000" y="72000"/>
-            <a:ext cx="9540000" cy="648000"/>
+            <a:ext cx="9539640" cy="647640"/>
           </a:xfrm>
           <a:prstGeom prst="rect">
             <a:avLst/>
@@ -793,6 +800,7 @@
             <a:noAutofit/>
           </a:bodyPr>
           <a:p>
+            <a:pPr algn="ctr"/>
             <a:endParaRPr b="0" lang="hu-HU" sz="4400" spc="-1" strike="noStrike">
               <a:latin typeface="Arial"/>
             </a:endParaRPr>
@@ -801,7 +809,7 @@
       </p:sp>
       <p:sp>
         <p:nvSpPr>
-          <p:cNvPr id="49" name="PlaceHolder 2"/>
+          <p:cNvPr id="46" name="PlaceHolder 2"/>
           <p:cNvSpPr>
             <a:spLocks noGrp="1"/>
           </p:cNvSpPr>
@@ -812,7 +820,7 @@
         <p:spPr>
           <a:xfrm>
             <a:off x="504000" y="1326600"/>
-            <a:ext cx="4426920" cy="3288240"/>
+            <a:ext cx="4426560" cy="3287880"/>
           </a:xfrm>
           <a:prstGeom prst="rect">
             <a:avLst/>
@@ -831,7 +839,7 @@
       </p:sp>
       <p:sp>
         <p:nvSpPr>
-          <p:cNvPr id="50" name="PlaceHolder 3"/>
+          <p:cNvPr id="47" name="PlaceHolder 3"/>
           <p:cNvSpPr>
             <a:spLocks noGrp="1"/>
           </p:cNvSpPr>
@@ -841,8 +849,8 @@
         </p:nvSpPr>
         <p:spPr>
           <a:xfrm>
-            <a:off x="5152680" y="1326600"/>
-            <a:ext cx="4426920" cy="3288240"/>
+            <a:off x="5152320" y="1326600"/>
+            <a:ext cx="4426560" cy="3287880"/>
           </a:xfrm>
           <a:prstGeom prst="rect">
             <a:avLst/>
@@ -883,7 +891,7 @@
       </p:grpSpPr>
       <p:sp>
         <p:nvSpPr>
-          <p:cNvPr id="51" name="PlaceHolder 1"/>
+          <p:cNvPr id="48" name="PlaceHolder 1"/>
           <p:cNvSpPr>
             <a:spLocks noGrp="1"/>
           </p:cNvSpPr>
@@ -894,7 +902,7 @@
         <p:spPr>
           <a:xfrm>
             <a:off x="144000" y="72000"/>
-            <a:ext cx="9540000" cy="648000"/>
+            <a:ext cx="9539640" cy="647640"/>
           </a:xfrm>
           <a:prstGeom prst="rect">
             <a:avLst/>
@@ -905,6 +913,7 @@
             <a:noAutofit/>
           </a:bodyPr>
           <a:p>
+            <a:pPr algn="ctr"/>
             <a:endParaRPr b="0" lang="hu-HU" sz="4400" spc="-1" strike="noStrike">
               <a:latin typeface="Arial"/>
             </a:endParaRPr>
@@ -935,7 +944,7 @@
       </p:grpSpPr>
       <p:sp>
         <p:nvSpPr>
-          <p:cNvPr id="52" name="PlaceHolder 1"/>
+          <p:cNvPr id="49" name="PlaceHolder 1"/>
           <p:cNvSpPr>
             <a:spLocks noGrp="1"/>
           </p:cNvSpPr>
@@ -946,7 +955,7 @@
         <p:spPr>
           <a:xfrm>
             <a:off x="144000" y="72000"/>
-            <a:ext cx="9540000" cy="3004920"/>
+            <a:ext cx="9539640" cy="3003480"/>
           </a:xfrm>
           <a:prstGeom prst="rect">
             <a:avLst/>
@@ -988,7 +997,7 @@
       </p:grpSpPr>
       <p:sp>
         <p:nvSpPr>
-          <p:cNvPr id="53" name="PlaceHolder 1"/>
+          <p:cNvPr id="50" name="PlaceHolder 1"/>
           <p:cNvSpPr>
             <a:spLocks noGrp="1"/>
           </p:cNvSpPr>
@@ -999,7 +1008,7 @@
         <p:spPr>
           <a:xfrm>
             <a:off x="144000" y="72000"/>
-            <a:ext cx="9540000" cy="648000"/>
+            <a:ext cx="9539640" cy="647640"/>
           </a:xfrm>
           <a:prstGeom prst="rect">
             <a:avLst/>
@@ -1010,6 +1019,7 @@
             <a:noAutofit/>
           </a:bodyPr>
           <a:p>
+            <a:pPr algn="ctr"/>
             <a:endParaRPr b="0" lang="hu-HU" sz="4400" spc="-1" strike="noStrike">
               <a:latin typeface="Arial"/>
             </a:endParaRPr>
@@ -1018,7 +1028,7 @@
       </p:sp>
       <p:sp>
         <p:nvSpPr>
-          <p:cNvPr id="54" name="PlaceHolder 2"/>
+          <p:cNvPr id="51" name="PlaceHolder 2"/>
           <p:cNvSpPr>
             <a:spLocks noGrp="1"/>
           </p:cNvSpPr>
@@ -1029,7 +1039,7 @@
         <p:spPr>
           <a:xfrm>
             <a:off x="504000" y="1326600"/>
-            <a:ext cx="4426920" cy="1568160"/>
+            <a:ext cx="4426560" cy="1568160"/>
           </a:xfrm>
           <a:prstGeom prst="rect">
             <a:avLst/>
@@ -1048,7 +1058,7 @@
       </p:sp>
       <p:sp>
         <p:nvSpPr>
-          <p:cNvPr id="55" name="PlaceHolder 3"/>
+          <p:cNvPr id="52" name="PlaceHolder 3"/>
           <p:cNvSpPr>
             <a:spLocks noGrp="1"/>
           </p:cNvSpPr>
@@ -1058,8 +1068,8 @@
         </p:nvSpPr>
         <p:spPr>
           <a:xfrm>
-            <a:off x="5152680" y="1326600"/>
-            <a:ext cx="4426920" cy="3288240"/>
+            <a:off x="5152320" y="1326600"/>
+            <a:ext cx="4426560" cy="3287880"/>
           </a:xfrm>
           <a:prstGeom prst="rect">
             <a:avLst/>
@@ -1078,7 +1088,7 @@
       </p:sp>
       <p:sp>
         <p:nvSpPr>
-          <p:cNvPr id="56" name="PlaceHolder 4"/>
+          <p:cNvPr id="53" name="PlaceHolder 4"/>
           <p:cNvSpPr>
             <a:spLocks noGrp="1"/>
           </p:cNvSpPr>
@@ -1089,7 +1099,7 @@
         <p:spPr>
           <a:xfrm>
             <a:off x="504000" y="3044160"/>
-            <a:ext cx="4426920" cy="1568160"/>
+            <a:ext cx="4426560" cy="1568160"/>
           </a:xfrm>
           <a:prstGeom prst="rect">
             <a:avLst/>
@@ -1141,7 +1151,7 @@
         <p:spPr>
           <a:xfrm>
             <a:off x="144000" y="72000"/>
-            <a:ext cx="9540000" cy="648000"/>
+            <a:ext cx="9539640" cy="647640"/>
           </a:xfrm>
           <a:prstGeom prst="rect">
             <a:avLst/>
@@ -1152,6 +1162,7 @@
             <a:noAutofit/>
           </a:bodyPr>
           <a:p>
+            <a:pPr algn="ctr"/>
             <a:endParaRPr b="0" lang="hu-HU" sz="4400" spc="-1" strike="noStrike">
               <a:latin typeface="Arial"/>
             </a:endParaRPr>
@@ -1171,7 +1182,7 @@
         <p:spPr>
           <a:xfrm>
             <a:off x="504000" y="1326600"/>
-            <a:ext cx="9071640" cy="3288240"/>
+            <a:ext cx="9071280" cy="3287880"/>
           </a:xfrm>
           <a:prstGeom prst="rect">
             <a:avLst/>
@@ -1213,7 +1224,7 @@
       </p:grpSpPr>
       <p:sp>
         <p:nvSpPr>
-          <p:cNvPr id="57" name="PlaceHolder 1"/>
+          <p:cNvPr id="54" name="PlaceHolder 1"/>
           <p:cNvSpPr>
             <a:spLocks noGrp="1"/>
           </p:cNvSpPr>
@@ -1224,7 +1235,7 @@
         <p:spPr>
           <a:xfrm>
             <a:off x="144000" y="72000"/>
-            <a:ext cx="9540000" cy="648000"/>
+            <a:ext cx="9539640" cy="647640"/>
           </a:xfrm>
           <a:prstGeom prst="rect">
             <a:avLst/>
@@ -1235,6 +1246,7 @@
             <a:noAutofit/>
           </a:bodyPr>
           <a:p>
+            <a:pPr algn="ctr"/>
             <a:endParaRPr b="0" lang="hu-HU" sz="4400" spc="-1" strike="noStrike">
               <a:latin typeface="Arial"/>
             </a:endParaRPr>
@@ -1243,7 +1255,7 @@
       </p:sp>
       <p:sp>
         <p:nvSpPr>
-          <p:cNvPr id="58" name="PlaceHolder 2"/>
+          <p:cNvPr id="55" name="PlaceHolder 2"/>
           <p:cNvSpPr>
             <a:spLocks noGrp="1"/>
           </p:cNvSpPr>
@@ -1254,7 +1266,7 @@
         <p:spPr>
           <a:xfrm>
             <a:off x="504000" y="1326600"/>
-            <a:ext cx="4426920" cy="3288240"/>
+            <a:ext cx="4426560" cy="3287880"/>
           </a:xfrm>
           <a:prstGeom prst="rect">
             <a:avLst/>
@@ -1273,7 +1285,7 @@
       </p:sp>
       <p:sp>
         <p:nvSpPr>
-          <p:cNvPr id="59" name="PlaceHolder 3"/>
+          <p:cNvPr id="56" name="PlaceHolder 3"/>
           <p:cNvSpPr>
             <a:spLocks noGrp="1"/>
           </p:cNvSpPr>
@@ -1283,8 +1295,8 @@
         </p:nvSpPr>
         <p:spPr>
           <a:xfrm>
-            <a:off x="5152680" y="1326600"/>
-            <a:ext cx="4426920" cy="1568160"/>
+            <a:off x="5152320" y="1326600"/>
+            <a:ext cx="4426560" cy="1568160"/>
           </a:xfrm>
           <a:prstGeom prst="rect">
             <a:avLst/>
@@ -1303,7 +1315,7 @@
       </p:sp>
       <p:sp>
         <p:nvSpPr>
-          <p:cNvPr id="60" name="PlaceHolder 4"/>
+          <p:cNvPr id="57" name="PlaceHolder 4"/>
           <p:cNvSpPr>
             <a:spLocks noGrp="1"/>
           </p:cNvSpPr>
@@ -1313,8 +1325,8 @@
         </p:nvSpPr>
         <p:spPr>
           <a:xfrm>
-            <a:off x="5152680" y="3044160"/>
-            <a:ext cx="4426920" cy="1568160"/>
+            <a:off x="5152320" y="3044160"/>
+            <a:ext cx="4426560" cy="1568160"/>
           </a:xfrm>
           <a:prstGeom prst="rect">
             <a:avLst/>
@@ -1355,7 +1367,7 @@
       </p:grpSpPr>
       <p:sp>
         <p:nvSpPr>
-          <p:cNvPr id="61" name="PlaceHolder 1"/>
+          <p:cNvPr id="58" name="PlaceHolder 1"/>
           <p:cNvSpPr>
             <a:spLocks noGrp="1"/>
           </p:cNvSpPr>
@@ -1366,7 +1378,7 @@
         <p:spPr>
           <a:xfrm>
             <a:off x="144000" y="72000"/>
-            <a:ext cx="9540000" cy="648000"/>
+            <a:ext cx="9539640" cy="647640"/>
           </a:xfrm>
           <a:prstGeom prst="rect">
             <a:avLst/>
@@ -1377,6 +1389,7 @@
             <a:noAutofit/>
           </a:bodyPr>
           <a:p>
+            <a:pPr algn="ctr"/>
             <a:endParaRPr b="0" lang="hu-HU" sz="4400" spc="-1" strike="noStrike">
               <a:latin typeface="Arial"/>
             </a:endParaRPr>
@@ -1385,7 +1398,7 @@
       </p:sp>
       <p:sp>
         <p:nvSpPr>
-          <p:cNvPr id="62" name="PlaceHolder 2"/>
+          <p:cNvPr id="59" name="PlaceHolder 2"/>
           <p:cNvSpPr>
             <a:spLocks noGrp="1"/>
           </p:cNvSpPr>
@@ -1396,7 +1409,7 @@
         <p:spPr>
           <a:xfrm>
             <a:off x="504000" y="1326600"/>
-            <a:ext cx="4426920" cy="1568160"/>
+            <a:ext cx="4426560" cy="1568160"/>
           </a:xfrm>
           <a:prstGeom prst="rect">
             <a:avLst/>
@@ -1415,7 +1428,7 @@
       </p:sp>
       <p:sp>
         <p:nvSpPr>
-          <p:cNvPr id="63" name="PlaceHolder 3"/>
+          <p:cNvPr id="60" name="PlaceHolder 3"/>
           <p:cNvSpPr>
             <a:spLocks noGrp="1"/>
           </p:cNvSpPr>
@@ -1425,8 +1438,8 @@
         </p:nvSpPr>
         <p:spPr>
           <a:xfrm>
-            <a:off x="5152680" y="1326600"/>
-            <a:ext cx="4426920" cy="1568160"/>
+            <a:off x="5152320" y="1326600"/>
+            <a:ext cx="4426560" cy="1568160"/>
           </a:xfrm>
           <a:prstGeom prst="rect">
             <a:avLst/>
@@ -1445,7 +1458,7 @@
       </p:sp>
       <p:sp>
         <p:nvSpPr>
-          <p:cNvPr id="64" name="PlaceHolder 4"/>
+          <p:cNvPr id="61" name="PlaceHolder 4"/>
           <p:cNvSpPr>
             <a:spLocks noGrp="1"/>
           </p:cNvSpPr>
@@ -1456,7 +1469,7 @@
         <p:spPr>
           <a:xfrm>
             <a:off x="504000" y="3044160"/>
-            <a:ext cx="9071640" cy="1568160"/>
+            <a:ext cx="9071280" cy="1568160"/>
           </a:xfrm>
           <a:prstGeom prst="rect">
             <a:avLst/>
@@ -1497,7 +1510,7 @@
       </p:grpSpPr>
       <p:sp>
         <p:nvSpPr>
-          <p:cNvPr id="65" name="PlaceHolder 1"/>
+          <p:cNvPr id="62" name="PlaceHolder 1"/>
           <p:cNvSpPr>
             <a:spLocks noGrp="1"/>
           </p:cNvSpPr>
@@ -1508,7 +1521,7 @@
         <p:spPr>
           <a:xfrm>
             <a:off x="144000" y="72000"/>
-            <a:ext cx="9540000" cy="648000"/>
+            <a:ext cx="9539640" cy="647640"/>
           </a:xfrm>
           <a:prstGeom prst="rect">
             <a:avLst/>
@@ -1519,6 +1532,7 @@
             <a:noAutofit/>
           </a:bodyPr>
           <a:p>
+            <a:pPr algn="ctr"/>
             <a:endParaRPr b="0" lang="hu-HU" sz="4400" spc="-1" strike="noStrike">
               <a:latin typeface="Arial"/>
             </a:endParaRPr>
@@ -1527,7 +1541,7 @@
       </p:sp>
       <p:sp>
         <p:nvSpPr>
-          <p:cNvPr id="66" name="PlaceHolder 2"/>
+          <p:cNvPr id="63" name="PlaceHolder 2"/>
           <p:cNvSpPr>
             <a:spLocks noGrp="1"/>
           </p:cNvSpPr>
@@ -1538,7 +1552,7 @@
         <p:spPr>
           <a:xfrm>
             <a:off x="504000" y="1326600"/>
-            <a:ext cx="9071640" cy="1568160"/>
+            <a:ext cx="9071280" cy="1568160"/>
           </a:xfrm>
           <a:prstGeom prst="rect">
             <a:avLst/>
@@ -1557,7 +1571,7 @@
       </p:sp>
       <p:sp>
         <p:nvSpPr>
-          <p:cNvPr id="67" name="PlaceHolder 3"/>
+          <p:cNvPr id="64" name="PlaceHolder 3"/>
           <p:cNvSpPr>
             <a:spLocks noGrp="1"/>
           </p:cNvSpPr>
@@ -1568,7 +1582,7 @@
         <p:spPr>
           <a:xfrm>
             <a:off x="504000" y="3044160"/>
-            <a:ext cx="9071640" cy="1568160"/>
+            <a:ext cx="9071280" cy="1568160"/>
           </a:xfrm>
           <a:prstGeom prst="rect">
             <a:avLst/>
@@ -1609,7 +1623,7 @@
       </p:grpSpPr>
       <p:sp>
         <p:nvSpPr>
-          <p:cNvPr id="68" name="PlaceHolder 1"/>
+          <p:cNvPr id="65" name="PlaceHolder 1"/>
           <p:cNvSpPr>
             <a:spLocks noGrp="1"/>
           </p:cNvSpPr>
@@ -1620,7 +1634,7 @@
         <p:spPr>
           <a:xfrm>
             <a:off x="144000" y="72000"/>
-            <a:ext cx="9540000" cy="648000"/>
+            <a:ext cx="9539640" cy="647640"/>
           </a:xfrm>
           <a:prstGeom prst="rect">
             <a:avLst/>
@@ -1631,6 +1645,7 @@
             <a:noAutofit/>
           </a:bodyPr>
           <a:p>
+            <a:pPr algn="ctr"/>
             <a:endParaRPr b="0" lang="hu-HU" sz="4400" spc="-1" strike="noStrike">
               <a:latin typeface="Arial"/>
             </a:endParaRPr>
@@ -1639,7 +1654,7 @@
       </p:sp>
       <p:sp>
         <p:nvSpPr>
-          <p:cNvPr id="69" name="PlaceHolder 2"/>
+          <p:cNvPr id="66" name="PlaceHolder 2"/>
           <p:cNvSpPr>
             <a:spLocks noGrp="1"/>
           </p:cNvSpPr>
@@ -1650,7 +1665,7 @@
         <p:spPr>
           <a:xfrm>
             <a:off x="504000" y="1326600"/>
-            <a:ext cx="4426920" cy="1568160"/>
+            <a:ext cx="4426560" cy="1568160"/>
           </a:xfrm>
           <a:prstGeom prst="rect">
             <a:avLst/>
@@ -1669,7 +1684,7 @@
       </p:sp>
       <p:sp>
         <p:nvSpPr>
-          <p:cNvPr id="70" name="PlaceHolder 3"/>
+          <p:cNvPr id="67" name="PlaceHolder 3"/>
           <p:cNvSpPr>
             <a:spLocks noGrp="1"/>
           </p:cNvSpPr>
@@ -1679,8 +1694,8 @@
         </p:nvSpPr>
         <p:spPr>
           <a:xfrm>
-            <a:off x="5152680" y="1326600"/>
-            <a:ext cx="4426920" cy="1568160"/>
+            <a:off x="5152320" y="1326600"/>
+            <a:ext cx="4426560" cy="1568160"/>
           </a:xfrm>
           <a:prstGeom prst="rect">
             <a:avLst/>
@@ -1699,7 +1714,7 @@
       </p:sp>
       <p:sp>
         <p:nvSpPr>
-          <p:cNvPr id="71" name="PlaceHolder 4"/>
+          <p:cNvPr id="68" name="PlaceHolder 4"/>
           <p:cNvSpPr>
             <a:spLocks noGrp="1"/>
           </p:cNvSpPr>
@@ -1710,7 +1725,7 @@
         <p:spPr>
           <a:xfrm>
             <a:off x="504000" y="3044160"/>
-            <a:ext cx="4426920" cy="1568160"/>
+            <a:ext cx="4426560" cy="1568160"/>
           </a:xfrm>
           <a:prstGeom prst="rect">
             <a:avLst/>
@@ -1729,7 +1744,7 @@
       </p:sp>
       <p:sp>
         <p:nvSpPr>
-          <p:cNvPr id="72" name="PlaceHolder 5"/>
+          <p:cNvPr id="69" name="PlaceHolder 5"/>
           <p:cNvSpPr>
             <a:spLocks noGrp="1"/>
           </p:cNvSpPr>
@@ -1739,8 +1754,8 @@
         </p:nvSpPr>
         <p:spPr>
           <a:xfrm>
-            <a:off x="5152680" y="3044160"/>
-            <a:ext cx="4426920" cy="1568160"/>
+            <a:off x="5152320" y="3044160"/>
+            <a:ext cx="4426560" cy="1568160"/>
           </a:xfrm>
           <a:prstGeom prst="rect">
             <a:avLst/>
@@ -1781,7 +1796,7 @@
       </p:grpSpPr>
       <p:sp>
         <p:nvSpPr>
-          <p:cNvPr id="73" name="PlaceHolder 1"/>
+          <p:cNvPr id="70" name="PlaceHolder 1"/>
           <p:cNvSpPr>
             <a:spLocks noGrp="1"/>
           </p:cNvSpPr>
@@ -1792,7 +1807,7 @@
         <p:spPr>
           <a:xfrm>
             <a:off x="144000" y="72000"/>
-            <a:ext cx="9540000" cy="648000"/>
+            <a:ext cx="9539640" cy="647640"/>
           </a:xfrm>
           <a:prstGeom prst="rect">
             <a:avLst/>
@@ -1803,6 +1818,7 @@
             <a:noAutofit/>
           </a:bodyPr>
           <a:p>
+            <a:pPr algn="ctr"/>
             <a:endParaRPr b="0" lang="hu-HU" sz="4400" spc="-1" strike="noStrike">
               <a:latin typeface="Arial"/>
             </a:endParaRPr>
@@ -1811,7 +1827,7 @@
       </p:sp>
       <p:sp>
         <p:nvSpPr>
-          <p:cNvPr id="74" name="PlaceHolder 2"/>
+          <p:cNvPr id="71" name="PlaceHolder 2"/>
           <p:cNvSpPr>
             <a:spLocks noGrp="1"/>
           </p:cNvSpPr>
@@ -1841,7 +1857,7 @@
       </p:sp>
       <p:sp>
         <p:nvSpPr>
-          <p:cNvPr id="75" name="PlaceHolder 3"/>
+          <p:cNvPr id="72" name="PlaceHolder 3"/>
           <p:cNvSpPr>
             <a:spLocks noGrp="1"/>
           </p:cNvSpPr>
@@ -1871,7 +1887,7 @@
       </p:sp>
       <p:sp>
         <p:nvSpPr>
-          <p:cNvPr id="76" name="PlaceHolder 4"/>
+          <p:cNvPr id="73" name="PlaceHolder 4"/>
           <p:cNvSpPr>
             <a:spLocks noGrp="1"/>
           </p:cNvSpPr>
@@ -1901,7 +1917,7 @@
       </p:sp>
       <p:sp>
         <p:nvSpPr>
-          <p:cNvPr id="77" name="PlaceHolder 5"/>
+          <p:cNvPr id="74" name="PlaceHolder 5"/>
           <p:cNvSpPr>
             <a:spLocks noGrp="1"/>
           </p:cNvSpPr>
@@ -1931,7 +1947,7 @@
       </p:sp>
       <p:sp>
         <p:nvSpPr>
-          <p:cNvPr id="78" name="PlaceHolder 6"/>
+          <p:cNvPr id="75" name="PlaceHolder 6"/>
           <p:cNvSpPr>
             <a:spLocks noGrp="1"/>
           </p:cNvSpPr>
@@ -1961,7 +1977,7 @@
       </p:sp>
       <p:sp>
         <p:nvSpPr>
-          <p:cNvPr id="79" name="PlaceHolder 7"/>
+          <p:cNvPr id="76" name="PlaceHolder 7"/>
           <p:cNvSpPr>
             <a:spLocks noGrp="1"/>
           </p:cNvSpPr>
@@ -1984,357 +2000,6 @@
           </a:bodyPr>
           <a:p>
             <a:endParaRPr b="0" lang="hu-HU" sz="3200" spc="-1" strike="noStrike">
-              <a:latin typeface="Arial"/>
-            </a:endParaRPr>
-          </a:p>
-        </p:txBody>
-      </p:sp>
-    </p:spTree>
-  </p:cSld>
-</p:sldLayout>
-</file>
-
-<file path=ppt/slideLayouts/slideLayout25.xml><?xml version="1.0" encoding="utf-8"?>
-<p:sldLayout xmlns:a="http://schemas.openxmlformats.org/drawingml/2006/main" xmlns:p="http://schemas.openxmlformats.org/presentationml/2006/main" xmlns:r="http://schemas.openxmlformats.org/officeDocument/2006/relationships" xmlns:p14="http://schemas.microsoft.com/office/powerpoint/2010/main" xmlns:p15="http://schemas.microsoft.com/office/powerpoint/2012/main" xmlns:mc="http://schemas.openxmlformats.org/markup-compatibility/2006" type="blank" preserve="1">
-  <p:cSld name="Blank Slide">
-    <p:spTree>
-      <p:nvGrpSpPr>
-        <p:cNvPr id="1" name=""/>
-        <p:cNvGrpSpPr/>
-        <p:nvPr/>
-      </p:nvGrpSpPr>
-      <p:grpSpPr>
-        <a:xfrm>
-          <a:off x="0" y="0"/>
-          <a:ext cx="0" cy="0"/>
-          <a:chOff x="0" y="0"/>
-          <a:chExt cx="0" cy="0"/>
-        </a:xfrm>
-      </p:grpSpPr>
-    </p:spTree>
-  </p:cSld>
-</p:sldLayout>
-</file>
-
-<file path=ppt/slideLayouts/slideLayout26.xml><?xml version="1.0" encoding="utf-8"?>
-<p:sldLayout xmlns:a="http://schemas.openxmlformats.org/drawingml/2006/main" xmlns:p="http://schemas.openxmlformats.org/presentationml/2006/main" xmlns:r="http://schemas.openxmlformats.org/officeDocument/2006/relationships" xmlns:p14="http://schemas.microsoft.com/office/powerpoint/2010/main" xmlns:p15="http://schemas.microsoft.com/office/powerpoint/2012/main" xmlns:mc="http://schemas.openxmlformats.org/markup-compatibility/2006" type="tx" preserve="1">
-  <p:cSld name="Title Slide">
-    <p:spTree>
-      <p:nvGrpSpPr>
-        <p:cNvPr id="1" name=""/>
-        <p:cNvGrpSpPr/>
-        <p:nvPr/>
-      </p:nvGrpSpPr>
-      <p:grpSpPr>
-        <a:xfrm>
-          <a:off x="0" y="0"/>
-          <a:ext cx="0" cy="0"/>
-          <a:chOff x="0" y="0"/>
-          <a:chExt cx="0" cy="0"/>
-        </a:xfrm>
-      </p:grpSpPr>
-      <p:sp>
-        <p:nvSpPr>
-          <p:cNvPr id="85" name="PlaceHolder 1"/>
-          <p:cNvSpPr>
-            <a:spLocks noGrp="1"/>
-          </p:cNvSpPr>
-          <p:nvPr>
-            <p:ph type="title"/>
-          </p:nvPr>
-        </p:nvSpPr>
-        <p:spPr>
-          <a:xfrm>
-            <a:off x="144000" y="72000"/>
-            <a:ext cx="9540000" cy="648000"/>
-          </a:xfrm>
-          <a:prstGeom prst="rect">
-            <a:avLst/>
-          </a:prstGeom>
-        </p:spPr>
-        <p:txBody>
-          <a:bodyPr lIns="0" rIns="0" tIns="0" bIns="0" anchor="ctr">
-            <a:noAutofit/>
-          </a:bodyPr>
-          <a:p>
-            <a:endParaRPr b="0" lang="hu-HU" sz="4400" spc="-1" strike="noStrike">
-              <a:latin typeface="Arial"/>
-            </a:endParaRPr>
-          </a:p>
-        </p:txBody>
-      </p:sp>
-      <p:sp>
-        <p:nvSpPr>
-          <p:cNvPr id="86" name="PlaceHolder 2"/>
-          <p:cNvSpPr>
-            <a:spLocks noGrp="1"/>
-          </p:cNvSpPr>
-          <p:nvPr>
-            <p:ph type="subTitle"/>
-          </p:nvPr>
-        </p:nvSpPr>
-        <p:spPr>
-          <a:xfrm>
-            <a:off x="504000" y="1326600"/>
-            <a:ext cx="9071640" cy="3288240"/>
-          </a:xfrm>
-          <a:prstGeom prst="rect">
-            <a:avLst/>
-          </a:prstGeom>
-        </p:spPr>
-        <p:txBody>
-          <a:bodyPr lIns="0" rIns="0" tIns="0" bIns="0" anchor="ctr">
-            <a:noAutofit/>
-          </a:bodyPr>
-          <a:p>
-            <a:pPr algn="ctr"/>
-            <a:endParaRPr b="0" lang="hu-HU" sz="3200" spc="-1" strike="noStrike">
-              <a:latin typeface="Arial"/>
-            </a:endParaRPr>
-          </a:p>
-        </p:txBody>
-      </p:sp>
-    </p:spTree>
-  </p:cSld>
-</p:sldLayout>
-</file>
-
-<file path=ppt/slideLayouts/slideLayout27.xml><?xml version="1.0" encoding="utf-8"?>
-<p:sldLayout xmlns:a="http://schemas.openxmlformats.org/drawingml/2006/main" xmlns:p="http://schemas.openxmlformats.org/presentationml/2006/main" xmlns:r="http://schemas.openxmlformats.org/officeDocument/2006/relationships" xmlns:p14="http://schemas.microsoft.com/office/powerpoint/2010/main" xmlns:p15="http://schemas.microsoft.com/office/powerpoint/2012/main" xmlns:mc="http://schemas.openxmlformats.org/markup-compatibility/2006" type="obj" preserve="1">
-  <p:cSld name="Title, Content">
-    <p:spTree>
-      <p:nvGrpSpPr>
-        <p:cNvPr id="1" name=""/>
-        <p:cNvGrpSpPr/>
-        <p:nvPr/>
-      </p:nvGrpSpPr>
-      <p:grpSpPr>
-        <a:xfrm>
-          <a:off x="0" y="0"/>
-          <a:ext cx="0" cy="0"/>
-          <a:chOff x="0" y="0"/>
-          <a:chExt cx="0" cy="0"/>
-        </a:xfrm>
-      </p:grpSpPr>
-      <p:sp>
-        <p:nvSpPr>
-          <p:cNvPr id="87" name="PlaceHolder 1"/>
-          <p:cNvSpPr>
-            <a:spLocks noGrp="1"/>
-          </p:cNvSpPr>
-          <p:nvPr>
-            <p:ph type="title"/>
-          </p:nvPr>
-        </p:nvSpPr>
-        <p:spPr>
-          <a:xfrm>
-            <a:off x="144000" y="72000"/>
-            <a:ext cx="9540000" cy="648000"/>
-          </a:xfrm>
-          <a:prstGeom prst="rect">
-            <a:avLst/>
-          </a:prstGeom>
-        </p:spPr>
-        <p:txBody>
-          <a:bodyPr lIns="0" rIns="0" tIns="0" bIns="0" anchor="ctr">
-            <a:noAutofit/>
-          </a:bodyPr>
-          <a:p>
-            <a:endParaRPr b="0" lang="hu-HU" sz="4400" spc="-1" strike="noStrike">
-              <a:latin typeface="Arial"/>
-            </a:endParaRPr>
-          </a:p>
-        </p:txBody>
-      </p:sp>
-      <p:sp>
-        <p:nvSpPr>
-          <p:cNvPr id="88" name="PlaceHolder 2"/>
-          <p:cNvSpPr>
-            <a:spLocks noGrp="1"/>
-          </p:cNvSpPr>
-          <p:nvPr>
-            <p:ph type="body"/>
-          </p:nvPr>
-        </p:nvSpPr>
-        <p:spPr>
-          <a:xfrm>
-            <a:off x="504000" y="1326600"/>
-            <a:ext cx="9071640" cy="3288240"/>
-          </a:xfrm>
-          <a:prstGeom prst="rect">
-            <a:avLst/>
-          </a:prstGeom>
-        </p:spPr>
-        <p:txBody>
-          <a:bodyPr lIns="0" rIns="0" tIns="0" bIns="0">
-            <a:normAutofit/>
-          </a:bodyPr>
-          <a:p>
-            <a:endParaRPr b="0" lang="hu-HU" sz="3200" spc="-1" strike="noStrike">
-              <a:latin typeface="Arial"/>
-            </a:endParaRPr>
-          </a:p>
-        </p:txBody>
-      </p:sp>
-    </p:spTree>
-  </p:cSld>
-</p:sldLayout>
-</file>
-
-<file path=ppt/slideLayouts/slideLayout28.xml><?xml version="1.0" encoding="utf-8"?>
-<p:sldLayout xmlns:a="http://schemas.openxmlformats.org/drawingml/2006/main" xmlns:p="http://schemas.openxmlformats.org/presentationml/2006/main" xmlns:r="http://schemas.openxmlformats.org/officeDocument/2006/relationships" xmlns:p14="http://schemas.microsoft.com/office/powerpoint/2010/main" xmlns:p15="http://schemas.microsoft.com/office/powerpoint/2012/main" xmlns:mc="http://schemas.openxmlformats.org/markup-compatibility/2006" type="twoObj" preserve="1">
-  <p:cSld name="Title, 2 Content">
-    <p:spTree>
-      <p:nvGrpSpPr>
-        <p:cNvPr id="1" name=""/>
-        <p:cNvGrpSpPr/>
-        <p:nvPr/>
-      </p:nvGrpSpPr>
-      <p:grpSpPr>
-        <a:xfrm>
-          <a:off x="0" y="0"/>
-          <a:ext cx="0" cy="0"/>
-          <a:chOff x="0" y="0"/>
-          <a:chExt cx="0" cy="0"/>
-        </a:xfrm>
-      </p:grpSpPr>
-      <p:sp>
-        <p:nvSpPr>
-          <p:cNvPr id="89" name="PlaceHolder 1"/>
-          <p:cNvSpPr>
-            <a:spLocks noGrp="1"/>
-          </p:cNvSpPr>
-          <p:nvPr>
-            <p:ph type="title"/>
-          </p:nvPr>
-        </p:nvSpPr>
-        <p:spPr>
-          <a:xfrm>
-            <a:off x="144000" y="72000"/>
-            <a:ext cx="9540000" cy="648000"/>
-          </a:xfrm>
-          <a:prstGeom prst="rect">
-            <a:avLst/>
-          </a:prstGeom>
-        </p:spPr>
-        <p:txBody>
-          <a:bodyPr lIns="0" rIns="0" tIns="0" bIns="0" anchor="ctr">
-            <a:noAutofit/>
-          </a:bodyPr>
-          <a:p>
-            <a:endParaRPr b="0" lang="hu-HU" sz="4400" spc="-1" strike="noStrike">
-              <a:latin typeface="Arial"/>
-            </a:endParaRPr>
-          </a:p>
-        </p:txBody>
-      </p:sp>
-      <p:sp>
-        <p:nvSpPr>
-          <p:cNvPr id="90" name="PlaceHolder 2"/>
-          <p:cNvSpPr>
-            <a:spLocks noGrp="1"/>
-          </p:cNvSpPr>
-          <p:nvPr>
-            <p:ph type="body"/>
-          </p:nvPr>
-        </p:nvSpPr>
-        <p:spPr>
-          <a:xfrm>
-            <a:off x="504000" y="1326600"/>
-            <a:ext cx="4426920" cy="3288240"/>
-          </a:xfrm>
-          <a:prstGeom prst="rect">
-            <a:avLst/>
-          </a:prstGeom>
-        </p:spPr>
-        <p:txBody>
-          <a:bodyPr lIns="0" rIns="0" tIns="0" bIns="0">
-            <a:normAutofit/>
-          </a:bodyPr>
-          <a:p>
-            <a:endParaRPr b="0" lang="hu-HU" sz="3200" spc="-1" strike="noStrike">
-              <a:latin typeface="Arial"/>
-            </a:endParaRPr>
-          </a:p>
-        </p:txBody>
-      </p:sp>
-      <p:sp>
-        <p:nvSpPr>
-          <p:cNvPr id="91" name="PlaceHolder 3"/>
-          <p:cNvSpPr>
-            <a:spLocks noGrp="1"/>
-          </p:cNvSpPr>
-          <p:nvPr>
-            <p:ph type="body"/>
-          </p:nvPr>
-        </p:nvSpPr>
-        <p:spPr>
-          <a:xfrm>
-            <a:off x="5152680" y="1326600"/>
-            <a:ext cx="4426920" cy="3288240"/>
-          </a:xfrm>
-          <a:prstGeom prst="rect">
-            <a:avLst/>
-          </a:prstGeom>
-        </p:spPr>
-        <p:txBody>
-          <a:bodyPr lIns="0" rIns="0" tIns="0" bIns="0">
-            <a:normAutofit/>
-          </a:bodyPr>
-          <a:p>
-            <a:endParaRPr b="0" lang="hu-HU" sz="3200" spc="-1" strike="noStrike">
-              <a:latin typeface="Arial"/>
-            </a:endParaRPr>
-          </a:p>
-        </p:txBody>
-      </p:sp>
-    </p:spTree>
-  </p:cSld>
-</p:sldLayout>
-</file>
-
-<file path=ppt/slideLayouts/slideLayout29.xml><?xml version="1.0" encoding="utf-8"?>
-<p:sldLayout xmlns:a="http://schemas.openxmlformats.org/drawingml/2006/main" xmlns:p="http://schemas.openxmlformats.org/presentationml/2006/main" xmlns:r="http://schemas.openxmlformats.org/officeDocument/2006/relationships" xmlns:p14="http://schemas.microsoft.com/office/powerpoint/2010/main" xmlns:p15="http://schemas.microsoft.com/office/powerpoint/2012/main" xmlns:mc="http://schemas.openxmlformats.org/markup-compatibility/2006" type="titleOnly" preserve="1">
-  <p:cSld name="Title Only">
-    <p:spTree>
-      <p:nvGrpSpPr>
-        <p:cNvPr id="1" name=""/>
-        <p:cNvGrpSpPr/>
-        <p:nvPr/>
-      </p:nvGrpSpPr>
-      <p:grpSpPr>
-        <a:xfrm>
-          <a:off x="0" y="0"/>
-          <a:ext cx="0" cy="0"/>
-          <a:chOff x="0" y="0"/>
-          <a:chExt cx="0" cy="0"/>
-        </a:xfrm>
-      </p:grpSpPr>
-      <p:sp>
-        <p:nvSpPr>
-          <p:cNvPr id="92" name="PlaceHolder 1"/>
-          <p:cNvSpPr>
-            <a:spLocks noGrp="1"/>
-          </p:cNvSpPr>
-          <p:nvPr>
-            <p:ph type="title"/>
-          </p:nvPr>
-        </p:nvSpPr>
-        <p:spPr>
-          <a:xfrm>
-            <a:off x="144000" y="72000"/>
-            <a:ext cx="9540000" cy="648000"/>
-          </a:xfrm>
-          <a:prstGeom prst="rect">
-            <a:avLst/>
-          </a:prstGeom>
-        </p:spPr>
-        <p:txBody>
-          <a:bodyPr lIns="0" rIns="0" tIns="0" bIns="0" anchor="ctr">
-            <a:noAutofit/>
-          </a:bodyPr>
-          <a:p>
-            <a:endParaRPr b="0" lang="hu-HU" sz="4400" spc="-1" strike="noStrike">
               <a:latin typeface="Arial"/>
             </a:endParaRPr>
           </a:p>
@@ -2375,7 +2040,7 @@
         <p:spPr>
           <a:xfrm>
             <a:off x="144000" y="72000"/>
-            <a:ext cx="9540000" cy="648000"/>
+            <a:ext cx="9539640" cy="647640"/>
           </a:xfrm>
           <a:prstGeom prst="rect">
             <a:avLst/>
@@ -2386,6 +2051,7 @@
             <a:noAutofit/>
           </a:bodyPr>
           <a:p>
+            <a:pPr algn="ctr"/>
             <a:endParaRPr b="0" lang="hu-HU" sz="4400" spc="-1" strike="noStrike">
               <a:latin typeface="Arial"/>
             </a:endParaRPr>
@@ -2405,1002 +2071,7 @@
         <p:spPr>
           <a:xfrm>
             <a:off x="504000" y="1326600"/>
-            <a:ext cx="9071640" cy="3288240"/>
-          </a:xfrm>
-          <a:prstGeom prst="rect">
-            <a:avLst/>
-          </a:prstGeom>
-        </p:spPr>
-        <p:txBody>
-          <a:bodyPr lIns="0" rIns="0" tIns="0" bIns="0">
-            <a:normAutofit/>
-          </a:bodyPr>
-          <a:p>
-            <a:endParaRPr b="0" lang="hu-HU" sz="3200" spc="-1" strike="noStrike">
-              <a:latin typeface="Arial"/>
-            </a:endParaRPr>
-          </a:p>
-        </p:txBody>
-      </p:sp>
-    </p:spTree>
-  </p:cSld>
-</p:sldLayout>
-</file>
-
-<file path=ppt/slideLayouts/slideLayout30.xml><?xml version="1.0" encoding="utf-8"?>
-<p:sldLayout xmlns:a="http://schemas.openxmlformats.org/drawingml/2006/main" xmlns:p="http://schemas.openxmlformats.org/presentationml/2006/main" xmlns:r="http://schemas.openxmlformats.org/officeDocument/2006/relationships" xmlns:p14="http://schemas.microsoft.com/office/powerpoint/2010/main" xmlns:p15="http://schemas.microsoft.com/office/powerpoint/2012/main" xmlns:mc="http://schemas.openxmlformats.org/markup-compatibility/2006" type="objOnly" preserve="1">
-  <p:cSld name="Centered Text">
-    <p:spTree>
-      <p:nvGrpSpPr>
-        <p:cNvPr id="1" name=""/>
-        <p:cNvGrpSpPr/>
-        <p:nvPr/>
-      </p:nvGrpSpPr>
-      <p:grpSpPr>
-        <a:xfrm>
-          <a:off x="0" y="0"/>
-          <a:ext cx="0" cy="0"/>
-          <a:chOff x="0" y="0"/>
-          <a:chExt cx="0" cy="0"/>
-        </a:xfrm>
-      </p:grpSpPr>
-      <p:sp>
-        <p:nvSpPr>
-          <p:cNvPr id="93" name="PlaceHolder 1"/>
-          <p:cNvSpPr>
-            <a:spLocks noGrp="1"/>
-          </p:cNvSpPr>
-          <p:nvPr>
-            <p:ph type="subTitle"/>
-          </p:nvPr>
-        </p:nvSpPr>
-        <p:spPr>
-          <a:xfrm>
-            <a:off x="144000" y="72000"/>
-            <a:ext cx="9540000" cy="3004920"/>
-          </a:xfrm>
-          <a:prstGeom prst="rect">
-            <a:avLst/>
-          </a:prstGeom>
-        </p:spPr>
-        <p:txBody>
-          <a:bodyPr lIns="0" rIns="0" tIns="0" bIns="0" anchor="ctr">
-            <a:noAutofit/>
-          </a:bodyPr>
-          <a:p>
-            <a:pPr algn="ctr"/>
-            <a:endParaRPr b="0" lang="hu-HU" sz="3200" spc="-1" strike="noStrike">
-              <a:latin typeface="Arial"/>
-            </a:endParaRPr>
-          </a:p>
-        </p:txBody>
-      </p:sp>
-    </p:spTree>
-  </p:cSld>
-</p:sldLayout>
-</file>
-
-<file path=ppt/slideLayouts/slideLayout31.xml><?xml version="1.0" encoding="utf-8"?>
-<p:sldLayout xmlns:a="http://schemas.openxmlformats.org/drawingml/2006/main" xmlns:p="http://schemas.openxmlformats.org/presentationml/2006/main" xmlns:r="http://schemas.openxmlformats.org/officeDocument/2006/relationships" xmlns:p14="http://schemas.microsoft.com/office/powerpoint/2010/main" xmlns:p15="http://schemas.microsoft.com/office/powerpoint/2012/main" xmlns:mc="http://schemas.openxmlformats.org/markup-compatibility/2006" type="twoObjAndObj" preserve="1">
-  <p:cSld name="Title, 2 Content and Content">
-    <p:spTree>
-      <p:nvGrpSpPr>
-        <p:cNvPr id="1" name=""/>
-        <p:cNvGrpSpPr/>
-        <p:nvPr/>
-      </p:nvGrpSpPr>
-      <p:grpSpPr>
-        <a:xfrm>
-          <a:off x="0" y="0"/>
-          <a:ext cx="0" cy="0"/>
-          <a:chOff x="0" y="0"/>
-          <a:chExt cx="0" cy="0"/>
-        </a:xfrm>
-      </p:grpSpPr>
-      <p:sp>
-        <p:nvSpPr>
-          <p:cNvPr id="94" name="PlaceHolder 1"/>
-          <p:cNvSpPr>
-            <a:spLocks noGrp="1"/>
-          </p:cNvSpPr>
-          <p:nvPr>
-            <p:ph type="title"/>
-          </p:nvPr>
-        </p:nvSpPr>
-        <p:spPr>
-          <a:xfrm>
-            <a:off x="144000" y="72000"/>
-            <a:ext cx="9540000" cy="648000"/>
-          </a:xfrm>
-          <a:prstGeom prst="rect">
-            <a:avLst/>
-          </a:prstGeom>
-        </p:spPr>
-        <p:txBody>
-          <a:bodyPr lIns="0" rIns="0" tIns="0" bIns="0" anchor="ctr">
-            <a:noAutofit/>
-          </a:bodyPr>
-          <a:p>
-            <a:endParaRPr b="0" lang="hu-HU" sz="4400" spc="-1" strike="noStrike">
-              <a:latin typeface="Arial"/>
-            </a:endParaRPr>
-          </a:p>
-        </p:txBody>
-      </p:sp>
-      <p:sp>
-        <p:nvSpPr>
-          <p:cNvPr id="95" name="PlaceHolder 2"/>
-          <p:cNvSpPr>
-            <a:spLocks noGrp="1"/>
-          </p:cNvSpPr>
-          <p:nvPr>
-            <p:ph type="body"/>
-          </p:nvPr>
-        </p:nvSpPr>
-        <p:spPr>
-          <a:xfrm>
-            <a:off x="504000" y="1326600"/>
-            <a:ext cx="4426920" cy="1568160"/>
-          </a:xfrm>
-          <a:prstGeom prst="rect">
-            <a:avLst/>
-          </a:prstGeom>
-        </p:spPr>
-        <p:txBody>
-          <a:bodyPr lIns="0" rIns="0" tIns="0" bIns="0">
-            <a:normAutofit/>
-          </a:bodyPr>
-          <a:p>
-            <a:endParaRPr b="0" lang="hu-HU" sz="3200" spc="-1" strike="noStrike">
-              <a:latin typeface="Arial"/>
-            </a:endParaRPr>
-          </a:p>
-        </p:txBody>
-      </p:sp>
-      <p:sp>
-        <p:nvSpPr>
-          <p:cNvPr id="96" name="PlaceHolder 3"/>
-          <p:cNvSpPr>
-            <a:spLocks noGrp="1"/>
-          </p:cNvSpPr>
-          <p:nvPr>
-            <p:ph type="body"/>
-          </p:nvPr>
-        </p:nvSpPr>
-        <p:spPr>
-          <a:xfrm>
-            <a:off x="5152680" y="1326600"/>
-            <a:ext cx="4426920" cy="3288240"/>
-          </a:xfrm>
-          <a:prstGeom prst="rect">
-            <a:avLst/>
-          </a:prstGeom>
-        </p:spPr>
-        <p:txBody>
-          <a:bodyPr lIns="0" rIns="0" tIns="0" bIns="0">
-            <a:normAutofit/>
-          </a:bodyPr>
-          <a:p>
-            <a:endParaRPr b="0" lang="hu-HU" sz="3200" spc="-1" strike="noStrike">
-              <a:latin typeface="Arial"/>
-            </a:endParaRPr>
-          </a:p>
-        </p:txBody>
-      </p:sp>
-      <p:sp>
-        <p:nvSpPr>
-          <p:cNvPr id="97" name="PlaceHolder 4"/>
-          <p:cNvSpPr>
-            <a:spLocks noGrp="1"/>
-          </p:cNvSpPr>
-          <p:nvPr>
-            <p:ph type="body"/>
-          </p:nvPr>
-        </p:nvSpPr>
-        <p:spPr>
-          <a:xfrm>
-            <a:off x="504000" y="3044160"/>
-            <a:ext cx="4426920" cy="1568160"/>
-          </a:xfrm>
-          <a:prstGeom prst="rect">
-            <a:avLst/>
-          </a:prstGeom>
-        </p:spPr>
-        <p:txBody>
-          <a:bodyPr lIns="0" rIns="0" tIns="0" bIns="0">
-            <a:normAutofit/>
-          </a:bodyPr>
-          <a:p>
-            <a:endParaRPr b="0" lang="hu-HU" sz="3200" spc="-1" strike="noStrike">
-              <a:latin typeface="Arial"/>
-            </a:endParaRPr>
-          </a:p>
-        </p:txBody>
-      </p:sp>
-    </p:spTree>
-  </p:cSld>
-</p:sldLayout>
-</file>
-
-<file path=ppt/slideLayouts/slideLayout32.xml><?xml version="1.0" encoding="utf-8"?>
-<p:sldLayout xmlns:a="http://schemas.openxmlformats.org/drawingml/2006/main" xmlns:p="http://schemas.openxmlformats.org/presentationml/2006/main" xmlns:r="http://schemas.openxmlformats.org/officeDocument/2006/relationships" xmlns:p14="http://schemas.microsoft.com/office/powerpoint/2010/main" xmlns:p15="http://schemas.microsoft.com/office/powerpoint/2012/main" xmlns:mc="http://schemas.openxmlformats.org/markup-compatibility/2006" type="objAndTwoObj" preserve="1">
-  <p:cSld name="Title Content and 2 Content">
-    <p:spTree>
-      <p:nvGrpSpPr>
-        <p:cNvPr id="1" name=""/>
-        <p:cNvGrpSpPr/>
-        <p:nvPr/>
-      </p:nvGrpSpPr>
-      <p:grpSpPr>
-        <a:xfrm>
-          <a:off x="0" y="0"/>
-          <a:ext cx="0" cy="0"/>
-          <a:chOff x="0" y="0"/>
-          <a:chExt cx="0" cy="0"/>
-        </a:xfrm>
-      </p:grpSpPr>
-      <p:sp>
-        <p:nvSpPr>
-          <p:cNvPr id="98" name="PlaceHolder 1"/>
-          <p:cNvSpPr>
-            <a:spLocks noGrp="1"/>
-          </p:cNvSpPr>
-          <p:nvPr>
-            <p:ph type="title"/>
-          </p:nvPr>
-        </p:nvSpPr>
-        <p:spPr>
-          <a:xfrm>
-            <a:off x="144000" y="72000"/>
-            <a:ext cx="9540000" cy="648000"/>
-          </a:xfrm>
-          <a:prstGeom prst="rect">
-            <a:avLst/>
-          </a:prstGeom>
-        </p:spPr>
-        <p:txBody>
-          <a:bodyPr lIns="0" rIns="0" tIns="0" bIns="0" anchor="ctr">
-            <a:noAutofit/>
-          </a:bodyPr>
-          <a:p>
-            <a:endParaRPr b="0" lang="hu-HU" sz="4400" spc="-1" strike="noStrike">
-              <a:latin typeface="Arial"/>
-            </a:endParaRPr>
-          </a:p>
-        </p:txBody>
-      </p:sp>
-      <p:sp>
-        <p:nvSpPr>
-          <p:cNvPr id="99" name="PlaceHolder 2"/>
-          <p:cNvSpPr>
-            <a:spLocks noGrp="1"/>
-          </p:cNvSpPr>
-          <p:nvPr>
-            <p:ph type="body"/>
-          </p:nvPr>
-        </p:nvSpPr>
-        <p:spPr>
-          <a:xfrm>
-            <a:off x="504000" y="1326600"/>
-            <a:ext cx="4426920" cy="3288240"/>
-          </a:xfrm>
-          <a:prstGeom prst="rect">
-            <a:avLst/>
-          </a:prstGeom>
-        </p:spPr>
-        <p:txBody>
-          <a:bodyPr lIns="0" rIns="0" tIns="0" bIns="0">
-            <a:normAutofit/>
-          </a:bodyPr>
-          <a:p>
-            <a:endParaRPr b="0" lang="hu-HU" sz="3200" spc="-1" strike="noStrike">
-              <a:latin typeface="Arial"/>
-            </a:endParaRPr>
-          </a:p>
-        </p:txBody>
-      </p:sp>
-      <p:sp>
-        <p:nvSpPr>
-          <p:cNvPr id="100" name="PlaceHolder 3"/>
-          <p:cNvSpPr>
-            <a:spLocks noGrp="1"/>
-          </p:cNvSpPr>
-          <p:nvPr>
-            <p:ph type="body"/>
-          </p:nvPr>
-        </p:nvSpPr>
-        <p:spPr>
-          <a:xfrm>
-            <a:off x="5152680" y="1326600"/>
-            <a:ext cx="4426920" cy="1568160"/>
-          </a:xfrm>
-          <a:prstGeom prst="rect">
-            <a:avLst/>
-          </a:prstGeom>
-        </p:spPr>
-        <p:txBody>
-          <a:bodyPr lIns="0" rIns="0" tIns="0" bIns="0">
-            <a:normAutofit/>
-          </a:bodyPr>
-          <a:p>
-            <a:endParaRPr b="0" lang="hu-HU" sz="3200" spc="-1" strike="noStrike">
-              <a:latin typeface="Arial"/>
-            </a:endParaRPr>
-          </a:p>
-        </p:txBody>
-      </p:sp>
-      <p:sp>
-        <p:nvSpPr>
-          <p:cNvPr id="101" name="PlaceHolder 4"/>
-          <p:cNvSpPr>
-            <a:spLocks noGrp="1"/>
-          </p:cNvSpPr>
-          <p:nvPr>
-            <p:ph type="body"/>
-          </p:nvPr>
-        </p:nvSpPr>
-        <p:spPr>
-          <a:xfrm>
-            <a:off x="5152680" y="3044160"/>
-            <a:ext cx="4426920" cy="1568160"/>
-          </a:xfrm>
-          <a:prstGeom prst="rect">
-            <a:avLst/>
-          </a:prstGeom>
-        </p:spPr>
-        <p:txBody>
-          <a:bodyPr lIns="0" rIns="0" tIns="0" bIns="0">
-            <a:normAutofit/>
-          </a:bodyPr>
-          <a:p>
-            <a:endParaRPr b="0" lang="hu-HU" sz="3200" spc="-1" strike="noStrike">
-              <a:latin typeface="Arial"/>
-            </a:endParaRPr>
-          </a:p>
-        </p:txBody>
-      </p:sp>
-    </p:spTree>
-  </p:cSld>
-</p:sldLayout>
-</file>
-
-<file path=ppt/slideLayouts/slideLayout33.xml><?xml version="1.0" encoding="utf-8"?>
-<p:sldLayout xmlns:a="http://schemas.openxmlformats.org/drawingml/2006/main" xmlns:p="http://schemas.openxmlformats.org/presentationml/2006/main" xmlns:r="http://schemas.openxmlformats.org/officeDocument/2006/relationships" xmlns:p14="http://schemas.microsoft.com/office/powerpoint/2010/main" xmlns:p15="http://schemas.microsoft.com/office/powerpoint/2012/main" xmlns:mc="http://schemas.openxmlformats.org/markup-compatibility/2006" type="twoObjOverTx" preserve="1">
-  <p:cSld name="Title, 2 Content over Content">
-    <p:spTree>
-      <p:nvGrpSpPr>
-        <p:cNvPr id="1" name=""/>
-        <p:cNvGrpSpPr/>
-        <p:nvPr/>
-      </p:nvGrpSpPr>
-      <p:grpSpPr>
-        <a:xfrm>
-          <a:off x="0" y="0"/>
-          <a:ext cx="0" cy="0"/>
-          <a:chOff x="0" y="0"/>
-          <a:chExt cx="0" cy="0"/>
-        </a:xfrm>
-      </p:grpSpPr>
-      <p:sp>
-        <p:nvSpPr>
-          <p:cNvPr id="102" name="PlaceHolder 1"/>
-          <p:cNvSpPr>
-            <a:spLocks noGrp="1"/>
-          </p:cNvSpPr>
-          <p:nvPr>
-            <p:ph type="title"/>
-          </p:nvPr>
-        </p:nvSpPr>
-        <p:spPr>
-          <a:xfrm>
-            <a:off x="144000" y="72000"/>
-            <a:ext cx="9540000" cy="648000"/>
-          </a:xfrm>
-          <a:prstGeom prst="rect">
-            <a:avLst/>
-          </a:prstGeom>
-        </p:spPr>
-        <p:txBody>
-          <a:bodyPr lIns="0" rIns="0" tIns="0" bIns="0" anchor="ctr">
-            <a:noAutofit/>
-          </a:bodyPr>
-          <a:p>
-            <a:endParaRPr b="0" lang="hu-HU" sz="4400" spc="-1" strike="noStrike">
-              <a:latin typeface="Arial"/>
-            </a:endParaRPr>
-          </a:p>
-        </p:txBody>
-      </p:sp>
-      <p:sp>
-        <p:nvSpPr>
-          <p:cNvPr id="103" name="PlaceHolder 2"/>
-          <p:cNvSpPr>
-            <a:spLocks noGrp="1"/>
-          </p:cNvSpPr>
-          <p:nvPr>
-            <p:ph type="body"/>
-          </p:nvPr>
-        </p:nvSpPr>
-        <p:spPr>
-          <a:xfrm>
-            <a:off x="504000" y="1326600"/>
-            <a:ext cx="4426920" cy="1568160"/>
-          </a:xfrm>
-          <a:prstGeom prst="rect">
-            <a:avLst/>
-          </a:prstGeom>
-        </p:spPr>
-        <p:txBody>
-          <a:bodyPr lIns="0" rIns="0" tIns="0" bIns="0">
-            <a:normAutofit/>
-          </a:bodyPr>
-          <a:p>
-            <a:endParaRPr b="0" lang="hu-HU" sz="3200" spc="-1" strike="noStrike">
-              <a:latin typeface="Arial"/>
-            </a:endParaRPr>
-          </a:p>
-        </p:txBody>
-      </p:sp>
-      <p:sp>
-        <p:nvSpPr>
-          <p:cNvPr id="104" name="PlaceHolder 3"/>
-          <p:cNvSpPr>
-            <a:spLocks noGrp="1"/>
-          </p:cNvSpPr>
-          <p:nvPr>
-            <p:ph type="body"/>
-          </p:nvPr>
-        </p:nvSpPr>
-        <p:spPr>
-          <a:xfrm>
-            <a:off x="5152680" y="1326600"/>
-            <a:ext cx="4426920" cy="1568160"/>
-          </a:xfrm>
-          <a:prstGeom prst="rect">
-            <a:avLst/>
-          </a:prstGeom>
-        </p:spPr>
-        <p:txBody>
-          <a:bodyPr lIns="0" rIns="0" tIns="0" bIns="0">
-            <a:normAutofit/>
-          </a:bodyPr>
-          <a:p>
-            <a:endParaRPr b="0" lang="hu-HU" sz="3200" spc="-1" strike="noStrike">
-              <a:latin typeface="Arial"/>
-            </a:endParaRPr>
-          </a:p>
-        </p:txBody>
-      </p:sp>
-      <p:sp>
-        <p:nvSpPr>
-          <p:cNvPr id="105" name="PlaceHolder 4"/>
-          <p:cNvSpPr>
-            <a:spLocks noGrp="1"/>
-          </p:cNvSpPr>
-          <p:nvPr>
-            <p:ph type="body"/>
-          </p:nvPr>
-        </p:nvSpPr>
-        <p:spPr>
-          <a:xfrm>
-            <a:off x="504000" y="3044160"/>
-            <a:ext cx="9071640" cy="1568160"/>
-          </a:xfrm>
-          <a:prstGeom prst="rect">
-            <a:avLst/>
-          </a:prstGeom>
-        </p:spPr>
-        <p:txBody>
-          <a:bodyPr lIns="0" rIns="0" tIns="0" bIns="0">
-            <a:normAutofit/>
-          </a:bodyPr>
-          <a:p>
-            <a:endParaRPr b="0" lang="hu-HU" sz="3200" spc="-1" strike="noStrike">
-              <a:latin typeface="Arial"/>
-            </a:endParaRPr>
-          </a:p>
-        </p:txBody>
-      </p:sp>
-    </p:spTree>
-  </p:cSld>
-</p:sldLayout>
-</file>
-
-<file path=ppt/slideLayouts/slideLayout34.xml><?xml version="1.0" encoding="utf-8"?>
-<p:sldLayout xmlns:a="http://schemas.openxmlformats.org/drawingml/2006/main" xmlns:p="http://schemas.openxmlformats.org/presentationml/2006/main" xmlns:r="http://schemas.openxmlformats.org/officeDocument/2006/relationships" xmlns:p14="http://schemas.microsoft.com/office/powerpoint/2010/main" xmlns:p15="http://schemas.microsoft.com/office/powerpoint/2012/main" xmlns:mc="http://schemas.openxmlformats.org/markup-compatibility/2006" type="objOverTx" preserve="1">
-  <p:cSld name="Title, Content over Content">
-    <p:spTree>
-      <p:nvGrpSpPr>
-        <p:cNvPr id="1" name=""/>
-        <p:cNvGrpSpPr/>
-        <p:nvPr/>
-      </p:nvGrpSpPr>
-      <p:grpSpPr>
-        <a:xfrm>
-          <a:off x="0" y="0"/>
-          <a:ext cx="0" cy="0"/>
-          <a:chOff x="0" y="0"/>
-          <a:chExt cx="0" cy="0"/>
-        </a:xfrm>
-      </p:grpSpPr>
-      <p:sp>
-        <p:nvSpPr>
-          <p:cNvPr id="106" name="PlaceHolder 1"/>
-          <p:cNvSpPr>
-            <a:spLocks noGrp="1"/>
-          </p:cNvSpPr>
-          <p:nvPr>
-            <p:ph type="title"/>
-          </p:nvPr>
-        </p:nvSpPr>
-        <p:spPr>
-          <a:xfrm>
-            <a:off x="144000" y="72000"/>
-            <a:ext cx="9540000" cy="648000"/>
-          </a:xfrm>
-          <a:prstGeom prst="rect">
-            <a:avLst/>
-          </a:prstGeom>
-        </p:spPr>
-        <p:txBody>
-          <a:bodyPr lIns="0" rIns="0" tIns="0" bIns="0" anchor="ctr">
-            <a:noAutofit/>
-          </a:bodyPr>
-          <a:p>
-            <a:endParaRPr b="0" lang="hu-HU" sz="4400" spc="-1" strike="noStrike">
-              <a:latin typeface="Arial"/>
-            </a:endParaRPr>
-          </a:p>
-        </p:txBody>
-      </p:sp>
-      <p:sp>
-        <p:nvSpPr>
-          <p:cNvPr id="107" name="PlaceHolder 2"/>
-          <p:cNvSpPr>
-            <a:spLocks noGrp="1"/>
-          </p:cNvSpPr>
-          <p:nvPr>
-            <p:ph type="body"/>
-          </p:nvPr>
-        </p:nvSpPr>
-        <p:spPr>
-          <a:xfrm>
-            <a:off x="504000" y="1326600"/>
-            <a:ext cx="9071640" cy="1568160"/>
-          </a:xfrm>
-          <a:prstGeom prst="rect">
-            <a:avLst/>
-          </a:prstGeom>
-        </p:spPr>
-        <p:txBody>
-          <a:bodyPr lIns="0" rIns="0" tIns="0" bIns="0">
-            <a:normAutofit/>
-          </a:bodyPr>
-          <a:p>
-            <a:endParaRPr b="0" lang="hu-HU" sz="3200" spc="-1" strike="noStrike">
-              <a:latin typeface="Arial"/>
-            </a:endParaRPr>
-          </a:p>
-        </p:txBody>
-      </p:sp>
-      <p:sp>
-        <p:nvSpPr>
-          <p:cNvPr id="108" name="PlaceHolder 3"/>
-          <p:cNvSpPr>
-            <a:spLocks noGrp="1"/>
-          </p:cNvSpPr>
-          <p:nvPr>
-            <p:ph type="body"/>
-          </p:nvPr>
-        </p:nvSpPr>
-        <p:spPr>
-          <a:xfrm>
-            <a:off x="504000" y="3044160"/>
-            <a:ext cx="9071640" cy="1568160"/>
-          </a:xfrm>
-          <a:prstGeom prst="rect">
-            <a:avLst/>
-          </a:prstGeom>
-        </p:spPr>
-        <p:txBody>
-          <a:bodyPr lIns="0" rIns="0" tIns="0" bIns="0">
-            <a:normAutofit/>
-          </a:bodyPr>
-          <a:p>
-            <a:endParaRPr b="0" lang="hu-HU" sz="3200" spc="-1" strike="noStrike">
-              <a:latin typeface="Arial"/>
-            </a:endParaRPr>
-          </a:p>
-        </p:txBody>
-      </p:sp>
-    </p:spTree>
-  </p:cSld>
-</p:sldLayout>
-</file>
-
-<file path=ppt/slideLayouts/slideLayout35.xml><?xml version="1.0" encoding="utf-8"?>
-<p:sldLayout xmlns:a="http://schemas.openxmlformats.org/drawingml/2006/main" xmlns:p="http://schemas.openxmlformats.org/presentationml/2006/main" xmlns:r="http://schemas.openxmlformats.org/officeDocument/2006/relationships" xmlns:p14="http://schemas.microsoft.com/office/powerpoint/2010/main" xmlns:p15="http://schemas.microsoft.com/office/powerpoint/2012/main" xmlns:mc="http://schemas.openxmlformats.org/markup-compatibility/2006" type="fourObj" preserve="1">
-  <p:cSld name="Title, 4 Content">
-    <p:spTree>
-      <p:nvGrpSpPr>
-        <p:cNvPr id="1" name=""/>
-        <p:cNvGrpSpPr/>
-        <p:nvPr/>
-      </p:nvGrpSpPr>
-      <p:grpSpPr>
-        <a:xfrm>
-          <a:off x="0" y="0"/>
-          <a:ext cx="0" cy="0"/>
-          <a:chOff x="0" y="0"/>
-          <a:chExt cx="0" cy="0"/>
-        </a:xfrm>
-      </p:grpSpPr>
-      <p:sp>
-        <p:nvSpPr>
-          <p:cNvPr id="109" name="PlaceHolder 1"/>
-          <p:cNvSpPr>
-            <a:spLocks noGrp="1"/>
-          </p:cNvSpPr>
-          <p:nvPr>
-            <p:ph type="title"/>
-          </p:nvPr>
-        </p:nvSpPr>
-        <p:spPr>
-          <a:xfrm>
-            <a:off x="144000" y="72000"/>
-            <a:ext cx="9540000" cy="648000"/>
-          </a:xfrm>
-          <a:prstGeom prst="rect">
-            <a:avLst/>
-          </a:prstGeom>
-        </p:spPr>
-        <p:txBody>
-          <a:bodyPr lIns="0" rIns="0" tIns="0" bIns="0" anchor="ctr">
-            <a:noAutofit/>
-          </a:bodyPr>
-          <a:p>
-            <a:endParaRPr b="0" lang="hu-HU" sz="4400" spc="-1" strike="noStrike">
-              <a:latin typeface="Arial"/>
-            </a:endParaRPr>
-          </a:p>
-        </p:txBody>
-      </p:sp>
-      <p:sp>
-        <p:nvSpPr>
-          <p:cNvPr id="110" name="PlaceHolder 2"/>
-          <p:cNvSpPr>
-            <a:spLocks noGrp="1"/>
-          </p:cNvSpPr>
-          <p:nvPr>
-            <p:ph type="body"/>
-          </p:nvPr>
-        </p:nvSpPr>
-        <p:spPr>
-          <a:xfrm>
-            <a:off x="504000" y="1326600"/>
-            <a:ext cx="4426920" cy="1568160"/>
-          </a:xfrm>
-          <a:prstGeom prst="rect">
-            <a:avLst/>
-          </a:prstGeom>
-        </p:spPr>
-        <p:txBody>
-          <a:bodyPr lIns="0" rIns="0" tIns="0" bIns="0">
-            <a:normAutofit/>
-          </a:bodyPr>
-          <a:p>
-            <a:endParaRPr b="0" lang="hu-HU" sz="3200" spc="-1" strike="noStrike">
-              <a:latin typeface="Arial"/>
-            </a:endParaRPr>
-          </a:p>
-        </p:txBody>
-      </p:sp>
-      <p:sp>
-        <p:nvSpPr>
-          <p:cNvPr id="111" name="PlaceHolder 3"/>
-          <p:cNvSpPr>
-            <a:spLocks noGrp="1"/>
-          </p:cNvSpPr>
-          <p:nvPr>
-            <p:ph type="body"/>
-          </p:nvPr>
-        </p:nvSpPr>
-        <p:spPr>
-          <a:xfrm>
-            <a:off x="5152680" y="1326600"/>
-            <a:ext cx="4426920" cy="1568160"/>
-          </a:xfrm>
-          <a:prstGeom prst="rect">
-            <a:avLst/>
-          </a:prstGeom>
-        </p:spPr>
-        <p:txBody>
-          <a:bodyPr lIns="0" rIns="0" tIns="0" bIns="0">
-            <a:normAutofit/>
-          </a:bodyPr>
-          <a:p>
-            <a:endParaRPr b="0" lang="hu-HU" sz="3200" spc="-1" strike="noStrike">
-              <a:latin typeface="Arial"/>
-            </a:endParaRPr>
-          </a:p>
-        </p:txBody>
-      </p:sp>
-      <p:sp>
-        <p:nvSpPr>
-          <p:cNvPr id="112" name="PlaceHolder 4"/>
-          <p:cNvSpPr>
-            <a:spLocks noGrp="1"/>
-          </p:cNvSpPr>
-          <p:nvPr>
-            <p:ph type="body"/>
-          </p:nvPr>
-        </p:nvSpPr>
-        <p:spPr>
-          <a:xfrm>
-            <a:off x="504000" y="3044160"/>
-            <a:ext cx="4426920" cy="1568160"/>
-          </a:xfrm>
-          <a:prstGeom prst="rect">
-            <a:avLst/>
-          </a:prstGeom>
-        </p:spPr>
-        <p:txBody>
-          <a:bodyPr lIns="0" rIns="0" tIns="0" bIns="0">
-            <a:normAutofit/>
-          </a:bodyPr>
-          <a:p>
-            <a:endParaRPr b="0" lang="hu-HU" sz="3200" spc="-1" strike="noStrike">
-              <a:latin typeface="Arial"/>
-            </a:endParaRPr>
-          </a:p>
-        </p:txBody>
-      </p:sp>
-      <p:sp>
-        <p:nvSpPr>
-          <p:cNvPr id="113" name="PlaceHolder 5"/>
-          <p:cNvSpPr>
-            <a:spLocks noGrp="1"/>
-          </p:cNvSpPr>
-          <p:nvPr>
-            <p:ph type="body"/>
-          </p:nvPr>
-        </p:nvSpPr>
-        <p:spPr>
-          <a:xfrm>
-            <a:off x="5152680" y="3044160"/>
-            <a:ext cx="4426920" cy="1568160"/>
-          </a:xfrm>
-          <a:prstGeom prst="rect">
-            <a:avLst/>
-          </a:prstGeom>
-        </p:spPr>
-        <p:txBody>
-          <a:bodyPr lIns="0" rIns="0" tIns="0" bIns="0">
-            <a:normAutofit/>
-          </a:bodyPr>
-          <a:p>
-            <a:endParaRPr b="0" lang="hu-HU" sz="3200" spc="-1" strike="noStrike">
-              <a:latin typeface="Arial"/>
-            </a:endParaRPr>
-          </a:p>
-        </p:txBody>
-      </p:sp>
-    </p:spTree>
-  </p:cSld>
-</p:sldLayout>
-</file>
-
-<file path=ppt/slideLayouts/slideLayout36.xml><?xml version="1.0" encoding="utf-8"?>
-<p:sldLayout xmlns:a="http://schemas.openxmlformats.org/drawingml/2006/main" xmlns:p="http://schemas.openxmlformats.org/presentationml/2006/main" xmlns:r="http://schemas.openxmlformats.org/officeDocument/2006/relationships" xmlns:p14="http://schemas.microsoft.com/office/powerpoint/2010/main" xmlns:p15="http://schemas.microsoft.com/office/powerpoint/2012/main" xmlns:mc="http://schemas.openxmlformats.org/markup-compatibility/2006" type="blank" preserve="1">
-  <p:cSld name="Title, 6 Content">
-    <p:spTree>
-      <p:nvGrpSpPr>
-        <p:cNvPr id="1" name=""/>
-        <p:cNvGrpSpPr/>
-        <p:nvPr/>
-      </p:nvGrpSpPr>
-      <p:grpSpPr>
-        <a:xfrm>
-          <a:off x="0" y="0"/>
-          <a:ext cx="0" cy="0"/>
-          <a:chOff x="0" y="0"/>
-          <a:chExt cx="0" cy="0"/>
-        </a:xfrm>
-      </p:grpSpPr>
-      <p:sp>
-        <p:nvSpPr>
-          <p:cNvPr id="114" name="PlaceHolder 1"/>
-          <p:cNvSpPr>
-            <a:spLocks noGrp="1"/>
-          </p:cNvSpPr>
-          <p:nvPr>
-            <p:ph type="title"/>
-          </p:nvPr>
-        </p:nvSpPr>
-        <p:spPr>
-          <a:xfrm>
-            <a:off x="144000" y="72000"/>
-            <a:ext cx="9540000" cy="648000"/>
-          </a:xfrm>
-          <a:prstGeom prst="rect">
-            <a:avLst/>
-          </a:prstGeom>
-        </p:spPr>
-        <p:txBody>
-          <a:bodyPr lIns="0" rIns="0" tIns="0" bIns="0" anchor="ctr">
-            <a:noAutofit/>
-          </a:bodyPr>
-          <a:p>
-            <a:endParaRPr b="0" lang="hu-HU" sz="4400" spc="-1" strike="noStrike">
-              <a:latin typeface="Arial"/>
-            </a:endParaRPr>
-          </a:p>
-        </p:txBody>
-      </p:sp>
-      <p:sp>
-        <p:nvSpPr>
-          <p:cNvPr id="115" name="PlaceHolder 2"/>
-          <p:cNvSpPr>
-            <a:spLocks noGrp="1"/>
-          </p:cNvSpPr>
-          <p:nvPr>
-            <p:ph type="body"/>
-          </p:nvPr>
-        </p:nvSpPr>
-        <p:spPr>
-          <a:xfrm>
-            <a:off x="504000" y="1326600"/>
-            <a:ext cx="2920680" cy="1568160"/>
-          </a:xfrm>
-          <a:prstGeom prst="rect">
-            <a:avLst/>
-          </a:prstGeom>
-        </p:spPr>
-        <p:txBody>
-          <a:bodyPr lIns="0" rIns="0" tIns="0" bIns="0">
-            <a:normAutofit/>
-          </a:bodyPr>
-          <a:p>
-            <a:endParaRPr b="0" lang="hu-HU" sz="3200" spc="-1" strike="noStrike">
-              <a:latin typeface="Arial"/>
-            </a:endParaRPr>
-          </a:p>
-        </p:txBody>
-      </p:sp>
-      <p:sp>
-        <p:nvSpPr>
-          <p:cNvPr id="116" name="PlaceHolder 3"/>
-          <p:cNvSpPr>
-            <a:spLocks noGrp="1"/>
-          </p:cNvSpPr>
-          <p:nvPr>
-            <p:ph type="body"/>
-          </p:nvPr>
-        </p:nvSpPr>
-        <p:spPr>
-          <a:xfrm>
-            <a:off x="3571200" y="1326600"/>
-            <a:ext cx="2920680" cy="1568160"/>
-          </a:xfrm>
-          <a:prstGeom prst="rect">
-            <a:avLst/>
-          </a:prstGeom>
-        </p:spPr>
-        <p:txBody>
-          <a:bodyPr lIns="0" rIns="0" tIns="0" bIns="0">
-            <a:normAutofit/>
-          </a:bodyPr>
-          <a:p>
-            <a:endParaRPr b="0" lang="hu-HU" sz="3200" spc="-1" strike="noStrike">
-              <a:latin typeface="Arial"/>
-            </a:endParaRPr>
-          </a:p>
-        </p:txBody>
-      </p:sp>
-      <p:sp>
-        <p:nvSpPr>
-          <p:cNvPr id="117" name="PlaceHolder 4"/>
-          <p:cNvSpPr>
-            <a:spLocks noGrp="1"/>
-          </p:cNvSpPr>
-          <p:nvPr>
-            <p:ph type="body"/>
-          </p:nvPr>
-        </p:nvSpPr>
-        <p:spPr>
-          <a:xfrm>
-            <a:off x="6638040" y="1326600"/>
-            <a:ext cx="2920680" cy="1568160"/>
-          </a:xfrm>
-          <a:prstGeom prst="rect">
-            <a:avLst/>
-          </a:prstGeom>
-        </p:spPr>
-        <p:txBody>
-          <a:bodyPr lIns="0" rIns="0" tIns="0" bIns="0">
-            <a:normAutofit/>
-          </a:bodyPr>
-          <a:p>
-            <a:endParaRPr b="0" lang="hu-HU" sz="3200" spc="-1" strike="noStrike">
-              <a:latin typeface="Arial"/>
-            </a:endParaRPr>
-          </a:p>
-        </p:txBody>
-      </p:sp>
-      <p:sp>
-        <p:nvSpPr>
-          <p:cNvPr id="118" name="PlaceHolder 5"/>
-          <p:cNvSpPr>
-            <a:spLocks noGrp="1"/>
-          </p:cNvSpPr>
-          <p:nvPr>
-            <p:ph type="body"/>
-          </p:nvPr>
-        </p:nvSpPr>
-        <p:spPr>
-          <a:xfrm>
-            <a:off x="504000" y="3044160"/>
-            <a:ext cx="2920680" cy="1568160"/>
-          </a:xfrm>
-          <a:prstGeom prst="rect">
-            <a:avLst/>
-          </a:prstGeom>
-        </p:spPr>
-        <p:txBody>
-          <a:bodyPr lIns="0" rIns="0" tIns="0" bIns="0">
-            <a:normAutofit/>
-          </a:bodyPr>
-          <a:p>
-            <a:endParaRPr b="0" lang="hu-HU" sz="3200" spc="-1" strike="noStrike">
-              <a:latin typeface="Arial"/>
-            </a:endParaRPr>
-          </a:p>
-        </p:txBody>
-      </p:sp>
-      <p:sp>
-        <p:nvSpPr>
-          <p:cNvPr id="119" name="PlaceHolder 6"/>
-          <p:cNvSpPr>
-            <a:spLocks noGrp="1"/>
-          </p:cNvSpPr>
-          <p:nvPr>
-            <p:ph type="body"/>
-          </p:nvPr>
-        </p:nvSpPr>
-        <p:spPr>
-          <a:xfrm>
-            <a:off x="3571200" y="3044160"/>
-            <a:ext cx="2920680" cy="1568160"/>
-          </a:xfrm>
-          <a:prstGeom prst="rect">
-            <a:avLst/>
-          </a:prstGeom>
-        </p:spPr>
-        <p:txBody>
-          <a:bodyPr lIns="0" rIns="0" tIns="0" bIns="0">
-            <a:normAutofit/>
-          </a:bodyPr>
-          <a:p>
-            <a:endParaRPr b="0" lang="hu-HU" sz="3200" spc="-1" strike="noStrike">
-              <a:latin typeface="Arial"/>
-            </a:endParaRPr>
-          </a:p>
-        </p:txBody>
-      </p:sp>
-      <p:sp>
-        <p:nvSpPr>
-          <p:cNvPr id="120" name="PlaceHolder 7"/>
-          <p:cNvSpPr>
-            <a:spLocks noGrp="1"/>
-          </p:cNvSpPr>
-          <p:nvPr>
-            <p:ph type="body"/>
-          </p:nvPr>
-        </p:nvSpPr>
-        <p:spPr>
-          <a:xfrm>
-            <a:off x="6638040" y="3044160"/>
-            <a:ext cx="2920680" cy="1568160"/>
+            <a:ext cx="9071280" cy="3287880"/>
           </a:xfrm>
           <a:prstGeom prst="rect">
             <a:avLst/>
@@ -3452,7 +2123,7 @@
         <p:spPr>
           <a:xfrm>
             <a:off x="144000" y="72000"/>
-            <a:ext cx="9540000" cy="648000"/>
+            <a:ext cx="9539640" cy="647640"/>
           </a:xfrm>
           <a:prstGeom prst="rect">
             <a:avLst/>
@@ -3463,6 +2134,7 @@
             <a:noAutofit/>
           </a:bodyPr>
           <a:p>
+            <a:pPr algn="ctr"/>
             <a:endParaRPr b="0" lang="hu-HU" sz="4400" spc="-1" strike="noStrike">
               <a:latin typeface="Arial"/>
             </a:endParaRPr>
@@ -3482,7 +2154,7 @@
         <p:spPr>
           <a:xfrm>
             <a:off x="504000" y="1326600"/>
-            <a:ext cx="4426920" cy="3288240"/>
+            <a:ext cx="4426560" cy="3287880"/>
           </a:xfrm>
           <a:prstGeom prst="rect">
             <a:avLst/>
@@ -3511,8 +2183,8 @@
         </p:nvSpPr>
         <p:spPr>
           <a:xfrm>
-            <a:off x="5152680" y="1326600"/>
-            <a:ext cx="4426920" cy="3288240"/>
+            <a:off x="5152320" y="1326600"/>
+            <a:ext cx="4426560" cy="3287880"/>
           </a:xfrm>
           <a:prstGeom prst="rect">
             <a:avLst/>
@@ -3564,7 +2236,7 @@
         <p:spPr>
           <a:xfrm>
             <a:off x="144000" y="72000"/>
-            <a:ext cx="9540000" cy="648000"/>
+            <a:ext cx="9539640" cy="647640"/>
           </a:xfrm>
           <a:prstGeom prst="rect">
             <a:avLst/>
@@ -3575,6 +2247,7 @@
             <a:noAutofit/>
           </a:bodyPr>
           <a:p>
+            <a:pPr algn="ctr"/>
             <a:endParaRPr b="0" lang="hu-HU" sz="4400" spc="-1" strike="noStrike">
               <a:latin typeface="Arial"/>
             </a:endParaRPr>
@@ -3616,7 +2289,7 @@
         <p:spPr>
           <a:xfrm>
             <a:off x="144000" y="72000"/>
-            <a:ext cx="9540000" cy="3004920"/>
+            <a:ext cx="9539640" cy="3003480"/>
           </a:xfrm>
           <a:prstGeom prst="rect">
             <a:avLst/>
@@ -3669,7 +2342,7 @@
         <p:spPr>
           <a:xfrm>
             <a:off x="144000" y="72000"/>
-            <a:ext cx="9540000" cy="648000"/>
+            <a:ext cx="9539640" cy="647640"/>
           </a:xfrm>
           <a:prstGeom prst="rect">
             <a:avLst/>
@@ -3680,6 +2353,7 @@
             <a:noAutofit/>
           </a:bodyPr>
           <a:p>
+            <a:pPr algn="ctr"/>
             <a:endParaRPr b="0" lang="hu-HU" sz="4400" spc="-1" strike="noStrike">
               <a:latin typeface="Arial"/>
             </a:endParaRPr>
@@ -3699,7 +2373,7 @@
         <p:spPr>
           <a:xfrm>
             <a:off x="504000" y="1326600"/>
-            <a:ext cx="4426920" cy="1568160"/>
+            <a:ext cx="4426560" cy="1568160"/>
           </a:xfrm>
           <a:prstGeom prst="rect">
             <a:avLst/>
@@ -3728,8 +2402,8 @@
         </p:nvSpPr>
         <p:spPr>
           <a:xfrm>
-            <a:off x="5152680" y="1326600"/>
-            <a:ext cx="4426920" cy="3288240"/>
+            <a:off x="5152320" y="1326600"/>
+            <a:ext cx="4426560" cy="3287880"/>
           </a:xfrm>
           <a:prstGeom prst="rect">
             <a:avLst/>
@@ -3759,7 +2433,7 @@
         <p:spPr>
           <a:xfrm>
             <a:off x="504000" y="3044160"/>
-            <a:ext cx="4426920" cy="1568160"/>
+            <a:ext cx="4426560" cy="1568160"/>
           </a:xfrm>
           <a:prstGeom prst="rect">
             <a:avLst/>
@@ -3811,7 +2485,7 @@
         <p:spPr>
           <a:xfrm>
             <a:off x="144000" y="72000"/>
-            <a:ext cx="9540000" cy="648000"/>
+            <a:ext cx="9539640" cy="647640"/>
           </a:xfrm>
           <a:prstGeom prst="rect">
             <a:avLst/>
@@ -3822,6 +2496,7 @@
             <a:noAutofit/>
           </a:bodyPr>
           <a:p>
+            <a:pPr algn="ctr"/>
             <a:endParaRPr b="0" lang="hu-HU" sz="4400" spc="-1" strike="noStrike">
               <a:latin typeface="Arial"/>
             </a:endParaRPr>
@@ -3841,7 +2516,7 @@
         <p:spPr>
           <a:xfrm>
             <a:off x="504000" y="1326600"/>
-            <a:ext cx="4426920" cy="3288240"/>
+            <a:ext cx="4426560" cy="3287880"/>
           </a:xfrm>
           <a:prstGeom prst="rect">
             <a:avLst/>
@@ -3870,8 +2545,8 @@
         </p:nvSpPr>
         <p:spPr>
           <a:xfrm>
-            <a:off x="5152680" y="1326600"/>
-            <a:ext cx="4426920" cy="1568160"/>
+            <a:off x="5152320" y="1326600"/>
+            <a:ext cx="4426560" cy="1568160"/>
           </a:xfrm>
           <a:prstGeom prst="rect">
             <a:avLst/>
@@ -3900,8 +2575,8 @@
         </p:nvSpPr>
         <p:spPr>
           <a:xfrm>
-            <a:off x="5152680" y="3044160"/>
-            <a:ext cx="4426920" cy="1568160"/>
+            <a:off x="5152320" y="3044160"/>
+            <a:ext cx="4426560" cy="1568160"/>
           </a:xfrm>
           <a:prstGeom prst="rect">
             <a:avLst/>
@@ -3953,7 +2628,7 @@
         <p:spPr>
           <a:xfrm>
             <a:off x="144000" y="72000"/>
-            <a:ext cx="9540000" cy="648000"/>
+            <a:ext cx="9539640" cy="647640"/>
           </a:xfrm>
           <a:prstGeom prst="rect">
             <a:avLst/>
@@ -3964,6 +2639,7 @@
             <a:noAutofit/>
           </a:bodyPr>
           <a:p>
+            <a:pPr algn="ctr"/>
             <a:endParaRPr b="0" lang="hu-HU" sz="4400" spc="-1" strike="noStrike">
               <a:latin typeface="Arial"/>
             </a:endParaRPr>
@@ -3983,7 +2659,7 @@
         <p:spPr>
           <a:xfrm>
             <a:off x="504000" y="1326600"/>
-            <a:ext cx="4426920" cy="1568160"/>
+            <a:ext cx="4426560" cy="1568160"/>
           </a:xfrm>
           <a:prstGeom prst="rect">
             <a:avLst/>
@@ -4012,8 +2688,8 @@
         </p:nvSpPr>
         <p:spPr>
           <a:xfrm>
-            <a:off x="5152680" y="1326600"/>
-            <a:ext cx="4426920" cy="1568160"/>
+            <a:off x="5152320" y="1326600"/>
+            <a:ext cx="4426560" cy="1568160"/>
           </a:xfrm>
           <a:prstGeom prst="rect">
             <a:avLst/>
@@ -4043,7 +2719,7 @@
         <p:spPr>
           <a:xfrm>
             <a:off x="504000" y="3044160"/>
-            <a:ext cx="9071640" cy="1568160"/>
+            <a:ext cx="9071280" cy="1568160"/>
           </a:xfrm>
           <a:prstGeom prst="rect">
             <a:avLst/>
@@ -4094,7 +2770,54 @@
       </p:grpSpPr>
       <p:sp>
         <p:nvSpPr>
-          <p:cNvPr id="0" name="PlaceHolder 1"/>
+          <p:cNvPr id="0" name="CustomShape 1"/>
+          <p:cNvSpPr/>
+          <p:nvPr/>
+        </p:nvSpPr>
+        <p:spPr>
+          <a:xfrm>
+            <a:off x="4104000" y="4896000"/>
+            <a:ext cx="4391640" cy="345960"/>
+          </a:xfrm>
+          <a:prstGeom prst="rect">
+            <a:avLst/>
+          </a:prstGeom>
+          <a:noFill/>
+          <a:ln>
+            <a:noFill/>
+          </a:ln>
+        </p:spPr>
+        <p:style>
+          <a:lnRef idx="0"/>
+          <a:fillRef idx="0"/>
+          <a:effectRef idx="0"/>
+          <a:fontRef idx="minor"/>
+        </p:style>
+        <p:txBody>
+          <a:bodyPr lIns="90000" rIns="90000" tIns="45000" bIns="45000">
+            <a:noAutofit/>
+          </a:bodyPr>
+          <a:p>
+            <a:pPr>
+              <a:lnSpc>
+                <a:spcPct val="100000"/>
+              </a:lnSpc>
+            </a:pPr>
+            <a:fld id="{45A2587B-94A3-47C0-908D-2EA88376268B}" type="author">
+              <a:rPr b="0" lang="hu-HU" sz="1800" spc="-1" strike="noStrike">
+                <a:latin typeface="Arial"/>
+              </a:rPr>
+              <a:t> </a:t>
+            </a:fld>
+            <a:endParaRPr b="0" lang="hu-HU" sz="1800" spc="-1" strike="noStrike">
+              <a:latin typeface="Arial"/>
+            </a:endParaRPr>
+          </a:p>
+        </p:txBody>
+      </p:sp>
+      <p:sp>
+        <p:nvSpPr>
+          <p:cNvPr id="1" name="PlaceHolder 2"/>
           <p:cNvSpPr>
             <a:spLocks noGrp="1"/>
           </p:cNvSpPr>
@@ -4104,8 +2827,8 @@
         </p:nvSpPr>
         <p:spPr>
           <a:xfrm>
-            <a:off x="144000" y="3888000"/>
-            <a:ext cx="9000000" cy="658440"/>
+            <a:off x="144000" y="72000"/>
+            <a:ext cx="9539640" cy="647640"/>
           </a:xfrm>
           <a:prstGeom prst="rect">
             <a:avLst/>
@@ -4116,22 +2839,21 @@
             <a:noAutofit/>
           </a:bodyPr>
           <a:p>
-            <a:pPr algn="ctr"/>
             <a:r>
-              <a:rPr b="0" lang="hu-HU" sz="4400" spc="-1" strike="noStrike">
+              <a:rPr b="0" lang="hu-HU" sz="1800" spc="-1" strike="noStrike">
                 <a:latin typeface="Arial"/>
               </a:rPr>
               <a:t>Címszöveg formátumának szerkesztése</a:t>
             </a:r>
-            <a:endParaRPr b="0" lang="hu-HU" sz="4400" spc="-1" strike="noStrike">
-              <a:latin typeface="Arial"/>
-            </a:endParaRPr>
-          </a:p>
-        </p:txBody>
-      </p:sp>
-      <p:sp>
-        <p:nvSpPr>
-          <p:cNvPr id="1" name="PlaceHolder 2"/>
+            <a:endParaRPr b="0" lang="hu-HU" sz="1800" spc="-1" strike="noStrike">
+              <a:latin typeface="Arial"/>
+            </a:endParaRPr>
+          </a:p>
+        </p:txBody>
+      </p:sp>
+      <p:sp>
+        <p:nvSpPr>
+          <p:cNvPr id="2" name="PlaceHolder 3"/>
           <p:cNvSpPr>
             <a:spLocks noGrp="1"/>
           </p:cNvSpPr>
@@ -4141,8 +2863,8 @@
         </p:nvSpPr>
         <p:spPr>
           <a:xfrm>
-            <a:off x="1584000" y="648000"/>
-            <a:ext cx="6479640" cy="2598840"/>
+            <a:off x="504000" y="1326600"/>
+            <a:ext cx="9072000" cy="3288600"/>
           </a:xfrm>
           <a:prstGeom prst="rect">
             <a:avLst/>
@@ -4150,13 +2872,19 @@
         </p:spPr>
         <p:txBody>
           <a:bodyPr lIns="0" rIns="0" tIns="0" bIns="0">
-            <a:normAutofit fontScale="71000"/>
-          </a:bodyPr>
-          <a:p>
-            <a:pPr>
+            <a:normAutofit/>
+          </a:bodyPr>
+          <a:p>
+            <a:pPr marL="432000" indent="-324000">
               <a:spcBef>
                 <a:spcPts val="1417"/>
               </a:spcBef>
+              <a:buClr>
+                <a:srgbClr val="ffffff"/>
+              </a:buClr>
+              <a:buSzPct val="45000"/>
+              <a:buFont typeface="Wingdings" charset="2"/>
+              <a:buChar char=""/>
             </a:pPr>
             <a:r>
               <a:rPr b="0" lang="hu-HU" sz="3200" spc="-1" strike="noStrike">
@@ -4169,10 +2897,16 @@
             </a:endParaRPr>
           </a:p>
           <a:p>
-            <a:pPr lvl="1">
+            <a:pPr lvl="1" marL="864000" indent="-324000">
               <a:spcBef>
                 <a:spcPts val="1134"/>
               </a:spcBef>
+              <a:buClr>
+                <a:srgbClr val="ffffff"/>
+              </a:buClr>
+              <a:buSzPct val="75000"/>
+              <a:buFont typeface="Symbol" charset="2"/>
+              <a:buChar char=""/>
             </a:pPr>
             <a:r>
               <a:rPr b="0" lang="hu-HU" sz="2800" spc="-1" strike="noStrike">
@@ -4185,10 +2919,16 @@
             </a:endParaRPr>
           </a:p>
           <a:p>
-            <a:pPr lvl="2">
+            <a:pPr lvl="2" marL="1296000" indent="-288000">
               <a:spcBef>
                 <a:spcPts val="850"/>
               </a:spcBef>
+              <a:buClr>
+                <a:srgbClr val="ffffff"/>
+              </a:buClr>
+              <a:buSzPct val="45000"/>
+              <a:buFont typeface="Wingdings" charset="2"/>
+              <a:buChar char=""/>
             </a:pPr>
             <a:r>
               <a:rPr b="0" lang="hu-HU" sz="2400" spc="-1" strike="noStrike">
@@ -4201,10 +2941,16 @@
             </a:endParaRPr>
           </a:p>
           <a:p>
-            <a:pPr lvl="3">
+            <a:pPr lvl="3" marL="1728000" indent="-216000">
               <a:spcBef>
                 <a:spcPts val="567"/>
               </a:spcBef>
+              <a:buClr>
+                <a:srgbClr val="ffffff"/>
+              </a:buClr>
+              <a:buSzPct val="75000"/>
+              <a:buFont typeface="Symbol" charset="2"/>
+              <a:buChar char=""/>
             </a:pPr>
             <a:r>
               <a:rPr b="0" lang="hu-HU" sz="2000" spc="-1" strike="noStrike">
@@ -4217,10 +2963,16 @@
             </a:endParaRPr>
           </a:p>
           <a:p>
-            <a:pPr lvl="4">
+            <a:pPr lvl="4" marL="2160000" indent="-216000">
               <a:spcBef>
                 <a:spcPts val="283"/>
               </a:spcBef>
+              <a:buClr>
+                <a:srgbClr val="ffffff"/>
+              </a:buClr>
+              <a:buSzPct val="45000"/>
+              <a:buFont typeface="Wingdings" charset="2"/>
+              <a:buChar char=""/>
             </a:pPr>
             <a:r>
               <a:rPr b="0" lang="hu-HU" sz="2000" spc="-1" strike="noStrike">
@@ -4233,10 +2985,16 @@
             </a:endParaRPr>
           </a:p>
           <a:p>
-            <a:pPr lvl="5">
+            <a:pPr lvl="5" marL="2592000" indent="-216000">
               <a:spcBef>
                 <a:spcPts val="283"/>
               </a:spcBef>
+              <a:buClr>
+                <a:srgbClr val="ffffff"/>
+              </a:buClr>
+              <a:buSzPct val="45000"/>
+              <a:buFont typeface="Wingdings" charset="2"/>
+              <a:buChar char=""/>
             </a:pPr>
             <a:r>
               <a:rPr b="0" lang="hu-HU" sz="2000" spc="-1" strike="noStrike">
@@ -4249,10 +3007,16 @@
             </a:endParaRPr>
           </a:p>
           <a:p>
-            <a:pPr lvl="6">
+            <a:pPr lvl="6" marL="3024000" indent="-216000">
               <a:spcBef>
                 <a:spcPts val="283"/>
               </a:spcBef>
+              <a:buClr>
+                <a:srgbClr val="ffffff"/>
+              </a:buClr>
+              <a:buSzPct val="45000"/>
+              <a:buFont typeface="Wingdings" charset="2"/>
+              <a:buChar char=""/>
             </a:pPr>
             <a:r>
               <a:rPr b="0" lang="hu-HU" sz="2000" spc="-1" strike="noStrike">
@@ -4261,42 +3025,6 @@
               <a:t>Hetedik vázlatszint</a:t>
             </a:r>
             <a:endParaRPr b="0" lang="hu-HU" sz="2000" spc="-1" strike="noStrike">
-              <a:latin typeface="Arial"/>
-            </a:endParaRPr>
-          </a:p>
-        </p:txBody>
-      </p:sp>
-      <p:sp>
-        <p:nvSpPr>
-          <p:cNvPr id="2" name="TextShape 3"/>
-          <p:cNvSpPr txBox="1"/>
-          <p:nvPr/>
-        </p:nvSpPr>
-        <p:spPr>
-          <a:xfrm>
-            <a:off x="4104000" y="4896000"/>
-            <a:ext cx="4392000" cy="346320"/>
-          </a:xfrm>
-          <a:prstGeom prst="rect">
-            <a:avLst/>
-          </a:prstGeom>
-          <a:noFill/>
-          <a:ln>
-            <a:noFill/>
-          </a:ln>
-        </p:spPr>
-        <p:txBody>
-          <a:bodyPr lIns="90000" rIns="90000" tIns="45000" bIns="45000">
-            <a:noAutofit/>
-          </a:bodyPr>
-          <a:p>
-            <a:fld id="{CDF0B3D3-731B-4B22-B7F7-425D3927A78F}" type="author">
-              <a:rPr b="0" lang="hu-HU" sz="1800" spc="-1" strike="noStrike">
-                <a:latin typeface="Arial"/>
-              </a:rPr>
-              <a:t> </a:t>
-            </a:fld>
-            <a:endParaRPr b="0" lang="hu-HU" sz="1800" spc="-1" strike="noStrike">
               <a:latin typeface="Arial"/>
             </a:endParaRPr>
           </a:p>
@@ -4362,7 +3090,7 @@
         <p:spPr>
           <a:xfrm>
             <a:off x="144000" y="72000"/>
-            <a:ext cx="9540000" cy="648000"/>
+            <a:ext cx="9539640" cy="647640"/>
           </a:xfrm>
           <a:prstGeom prst="rect">
             <a:avLst/>
@@ -4374,12 +3102,12 @@
           </a:bodyPr>
           <a:p>
             <a:r>
-              <a:rPr b="0" lang="hu-HU" sz="4400" spc="-1" strike="noStrike">
+              <a:rPr b="0" lang="hu-HU" sz="1800" spc="-1" strike="noStrike">
                 <a:latin typeface="Arial"/>
               </a:rPr>
               <a:t>Címszöveg formátumának szerkesztése</a:t>
             </a:r>
-            <a:endParaRPr b="0" lang="hu-HU" sz="4400" spc="-1" strike="noStrike">
+            <a:endParaRPr b="0" lang="hu-HU" sz="1800" spc="-1" strike="noStrike">
               <a:latin typeface="Arial"/>
             </a:endParaRPr>
           </a:p>
@@ -4398,7 +3126,7 @@
         <p:spPr>
           <a:xfrm>
             <a:off x="504000" y="1326600"/>
-            <a:ext cx="9071640" cy="3288240"/>
+            <a:ext cx="9071280" cy="3287880"/>
           </a:xfrm>
           <a:prstGeom prst="rect">
             <a:avLst/>
@@ -4421,12 +3149,12 @@
               <a:buChar char=""/>
             </a:pPr>
             <a:r>
-              <a:rPr b="0" lang="hu-HU" sz="3200" spc="-1" strike="noStrike">
+              <a:rPr b="0" lang="hu-HU" sz="1800" spc="-1" strike="noStrike">
                 <a:latin typeface="Arial"/>
               </a:rPr>
               <a:t>Vázlatszöveg formátumának szerkesztése</a:t>
             </a:r>
-            <a:endParaRPr b="0" lang="hu-HU" sz="3200" spc="-1" strike="noStrike">
+            <a:endParaRPr b="0" lang="hu-HU" sz="1800" spc="-1" strike="noStrike">
               <a:latin typeface="Arial"/>
             </a:endParaRPr>
           </a:p>
@@ -4443,12 +3171,12 @@
               <a:buChar char=""/>
             </a:pPr>
             <a:r>
-              <a:rPr b="0" lang="hu-HU" sz="2800" spc="-1" strike="noStrike">
+              <a:rPr b="0" lang="hu-HU" sz="1800" spc="-1" strike="noStrike">
                 <a:latin typeface="Arial"/>
               </a:rPr>
               <a:t>Második vázlatszint</a:t>
             </a:r>
-            <a:endParaRPr b="0" lang="hu-HU" sz="2800" spc="-1" strike="noStrike">
+            <a:endParaRPr b="0" lang="hu-HU" sz="1800" spc="-1" strike="noStrike">
               <a:latin typeface="Arial"/>
             </a:endParaRPr>
           </a:p>
@@ -4465,12 +3193,12 @@
               <a:buChar char=""/>
             </a:pPr>
             <a:r>
-              <a:rPr b="0" lang="hu-HU" sz="2400" spc="-1" strike="noStrike">
+              <a:rPr b="0" lang="hu-HU" sz="1800" spc="-1" strike="noStrike">
                 <a:latin typeface="Arial"/>
               </a:rPr>
               <a:t>Harmadik vázlatszint</a:t>
             </a:r>
-            <a:endParaRPr b="0" lang="hu-HU" sz="2400" spc="-1" strike="noStrike">
+            <a:endParaRPr b="0" lang="hu-HU" sz="1800" spc="-1" strike="noStrike">
               <a:latin typeface="Arial"/>
             </a:endParaRPr>
           </a:p>
@@ -4487,12 +3215,12 @@
               <a:buChar char=""/>
             </a:pPr>
             <a:r>
-              <a:rPr b="0" lang="hu-HU" sz="2000" spc="-1" strike="noStrike">
+              <a:rPr b="0" lang="hu-HU" sz="1800" spc="-1" strike="noStrike">
                 <a:latin typeface="Arial"/>
               </a:rPr>
               <a:t>Negyedik vázlatszint</a:t>
             </a:r>
-            <a:endParaRPr b="0" lang="hu-HU" sz="2000" spc="-1" strike="noStrike">
+            <a:endParaRPr b="0" lang="hu-HU" sz="1800" spc="-1" strike="noStrike">
               <a:latin typeface="Arial"/>
             </a:endParaRPr>
           </a:p>
@@ -4509,12 +3237,12 @@
               <a:buChar char=""/>
             </a:pPr>
             <a:r>
-              <a:rPr b="0" lang="hu-HU" sz="2000" spc="-1" strike="noStrike">
+              <a:rPr b="0" lang="hu-HU" sz="1800" spc="-1" strike="noStrike">
                 <a:latin typeface="Arial"/>
               </a:rPr>
               <a:t>Ötödik vázlatszint</a:t>
             </a:r>
-            <a:endParaRPr b="0" lang="hu-HU" sz="2000" spc="-1" strike="noStrike">
+            <a:endParaRPr b="0" lang="hu-HU" sz="1800" spc="-1" strike="noStrike">
               <a:latin typeface="Arial"/>
             </a:endParaRPr>
           </a:p>
@@ -4531,12 +3259,12 @@
               <a:buChar char=""/>
             </a:pPr>
             <a:r>
-              <a:rPr b="0" lang="hu-HU" sz="2000" spc="-1" strike="noStrike">
+              <a:rPr b="0" lang="hu-HU" sz="1800" spc="-1" strike="noStrike">
                 <a:latin typeface="Arial"/>
               </a:rPr>
               <a:t>Hatodik vázlatszint</a:t>
             </a:r>
-            <a:endParaRPr b="0" lang="hu-HU" sz="2000" spc="-1" strike="noStrike">
+            <a:endParaRPr b="0" lang="hu-HU" sz="1800" spc="-1" strike="noStrike">
               <a:latin typeface="Arial"/>
             </a:endParaRPr>
           </a:p>
@@ -4553,122 +3281,12 @@
               <a:buChar char=""/>
             </a:pPr>
             <a:r>
-              <a:rPr b="0" lang="hu-HU" sz="2000" spc="-1" strike="noStrike">
+              <a:rPr b="0" lang="hu-HU" sz="1800" spc="-1" strike="noStrike">
                 <a:latin typeface="Arial"/>
               </a:rPr>
               <a:t>Hetedik vázlatszint</a:t>
             </a:r>
-            <a:endParaRPr b="0" lang="hu-HU" sz="2000" spc="-1" strike="noStrike">
-              <a:latin typeface="Arial"/>
-            </a:endParaRPr>
-          </a:p>
-        </p:txBody>
-      </p:sp>
-      <p:sp>
-        <p:nvSpPr>
-          <p:cNvPr id="41" name="PlaceHolder 3"/>
-          <p:cNvSpPr>
-            <a:spLocks noGrp="1"/>
-          </p:cNvSpPr>
-          <p:nvPr>
-            <p:ph type="dt"/>
-          </p:nvPr>
-        </p:nvSpPr>
-        <p:spPr>
-          <a:xfrm>
-            <a:off x="504000" y="5256000"/>
-            <a:ext cx="1656000" cy="410400"/>
-          </a:xfrm>
-          <a:prstGeom prst="rect">
-            <a:avLst/>
-          </a:prstGeom>
-        </p:spPr>
-        <p:txBody>
-          <a:bodyPr lIns="0" rIns="0" tIns="0" bIns="0">
-            <a:noAutofit/>
-          </a:bodyPr>
-          <a:p>
-            <a:r>
-              <a:rPr b="0" lang="hu-HU" sz="1400" spc="-1" strike="noStrike">
-                <a:latin typeface="Arial"/>
-              </a:rPr>
-              <a:t>&lt;dátum/idő&gt;</a:t>
-            </a:r>
-            <a:endParaRPr b="0" lang="hu-HU" sz="1400" spc="-1" strike="noStrike">
-              <a:latin typeface="Arial"/>
-            </a:endParaRPr>
-          </a:p>
-        </p:txBody>
-      </p:sp>
-      <p:sp>
-        <p:nvSpPr>
-          <p:cNvPr id="42" name="PlaceHolder 4"/>
-          <p:cNvSpPr>
-            <a:spLocks noGrp="1"/>
-          </p:cNvSpPr>
-          <p:nvPr>
-            <p:ph type="ftr"/>
-          </p:nvPr>
-        </p:nvSpPr>
-        <p:spPr>
-          <a:xfrm>
-            <a:off x="2520000" y="5256000"/>
-            <a:ext cx="4680000" cy="410400"/>
-          </a:xfrm>
-          <a:prstGeom prst="rect">
-            <a:avLst/>
-          </a:prstGeom>
-        </p:spPr>
-        <p:txBody>
-          <a:bodyPr lIns="0" rIns="0" tIns="0" bIns="0">
-            <a:noAutofit/>
-          </a:bodyPr>
-          <a:p>
-            <a:pPr algn="ctr"/>
-            <a:r>
-              <a:rPr b="0" lang="hu-HU" sz="1400" spc="-1" strike="noStrike">
-                <a:latin typeface="Arial"/>
-              </a:rPr>
-              <a:t>&lt;élőláb&gt;</a:t>
-            </a:r>
-            <a:endParaRPr b="0" lang="hu-HU" sz="1400" spc="-1" strike="noStrike">
-              <a:latin typeface="Arial"/>
-            </a:endParaRPr>
-          </a:p>
-        </p:txBody>
-      </p:sp>
-      <p:sp>
-        <p:nvSpPr>
-          <p:cNvPr id="43" name="PlaceHolder 5"/>
-          <p:cNvSpPr>
-            <a:spLocks noGrp="1"/>
-          </p:cNvSpPr>
-          <p:nvPr>
-            <p:ph type="sldNum"/>
-          </p:nvPr>
-        </p:nvSpPr>
-        <p:spPr>
-          <a:xfrm>
-            <a:off x="7560000" y="5256000"/>
-            <a:ext cx="1656000" cy="410400"/>
-          </a:xfrm>
-          <a:prstGeom prst="rect">
-            <a:avLst/>
-          </a:prstGeom>
-        </p:spPr>
-        <p:txBody>
-          <a:bodyPr lIns="0" rIns="0" tIns="0" bIns="0">
-            <a:noAutofit/>
-          </a:bodyPr>
-          <a:p>
-            <a:pPr algn="r"/>
-            <a:fld id="{40DFB8CF-9C1E-4533-AB90-8C261262EEEA}" type="slidenum">
-              <a:rPr b="0" lang="hu-HU" sz="1400" spc="-1" strike="noStrike">
-                <a:latin typeface="Arial"/>
-              </a:rPr>
-              <a:t>&lt;szám&gt;</a:t>
-            </a:fld>
-            <a:endParaRPr b="0" lang="hu-HU" sz="1400" spc="-1" strike="noStrike">
+            <a:endParaRPr b="0" lang="hu-HU" sz="1800" spc="-1" strike="noStrike">
               <a:latin typeface="Arial"/>
             </a:endParaRPr>
           </a:p>
@@ -4690,378 +3308,6 @@
     <p:sldLayoutId id="2147483671" r:id="rId12"/>
     <p:sldLayoutId id="2147483672" r:id="rId13"/>
     <p:sldLayoutId id="2147483673" r:id="rId14"/>
-  </p:sldLayoutIdLst>
-</p:sldMaster>
-</file>
-
-<file path=ppt/slideMasters/slideMaster3.xml><?xml version="1.0" encoding="utf-8"?>
-<p:sldMaster xmlns:a="http://schemas.openxmlformats.org/drawingml/2006/main" xmlns:p="http://schemas.openxmlformats.org/presentationml/2006/main" xmlns:r="http://schemas.openxmlformats.org/officeDocument/2006/relationships" xmlns:p14="http://schemas.microsoft.com/office/powerpoint/2010/main" xmlns:p15="http://schemas.microsoft.com/office/powerpoint/2012/main" xmlns:mc="http://schemas.openxmlformats.org/markup-compatibility/2006">
-  <p:cSld>
-    <p:bg>
-      <p:bgPr>
-        <a:blipFill rotWithShape="0">
-          <a:blip r:embed="rId2"/>
-          <a:stretch>
-            <a:fillRect/>
-          </a:stretch>
-        </a:blipFill>
-      </p:bgPr>
-    </p:bg>
-    <p:spTree>
-      <p:nvGrpSpPr>
-        <p:cNvPr id="1" name=""/>
-        <p:cNvGrpSpPr/>
-        <p:nvPr/>
-      </p:nvGrpSpPr>
-      <p:grpSpPr>
-        <a:xfrm>
-          <a:off x="0" y="0"/>
-          <a:ext cx="0" cy="0"/>
-          <a:chOff x="0" y="0"/>
-          <a:chExt cx="0" cy="0"/>
-        </a:xfrm>
-      </p:grpSpPr>
-      <p:sp>
-        <p:nvSpPr>
-          <p:cNvPr id="80" name="PlaceHolder 1"/>
-          <p:cNvSpPr>
-            <a:spLocks noGrp="1"/>
-          </p:cNvSpPr>
-          <p:nvPr>
-            <p:ph type="title"/>
-          </p:nvPr>
-        </p:nvSpPr>
-        <p:spPr>
-          <a:xfrm>
-            <a:off x="144000" y="72000"/>
-            <a:ext cx="9540000" cy="648000"/>
-          </a:xfrm>
-          <a:prstGeom prst="rect">
-            <a:avLst/>
-          </a:prstGeom>
-        </p:spPr>
-        <p:txBody>
-          <a:bodyPr lIns="0" rIns="0" tIns="0" bIns="0" anchor="ctr">
-            <a:noAutofit/>
-          </a:bodyPr>
-          <a:p>
-            <a:r>
-              <a:rPr b="0" lang="hu-HU" sz="4400" spc="-1" strike="noStrike">
-                <a:latin typeface="Arial"/>
-              </a:rPr>
-              <a:t>Címszöveg formátumának szerkesztése</a:t>
-            </a:r>
-            <a:endParaRPr b="0" lang="hu-HU" sz="4400" spc="-1" strike="noStrike">
-              <a:latin typeface="Arial"/>
-            </a:endParaRPr>
-          </a:p>
-        </p:txBody>
-      </p:sp>
-      <p:sp>
-        <p:nvSpPr>
-          <p:cNvPr id="81" name="PlaceHolder 2"/>
-          <p:cNvSpPr>
-            <a:spLocks noGrp="1"/>
-          </p:cNvSpPr>
-          <p:nvPr>
-            <p:ph type="body"/>
-          </p:nvPr>
-        </p:nvSpPr>
-        <p:spPr>
-          <a:xfrm>
-            <a:off x="504000" y="1326600"/>
-            <a:ext cx="9072000" cy="3288240"/>
-          </a:xfrm>
-          <a:prstGeom prst="rect">
-            <a:avLst/>
-          </a:prstGeom>
-        </p:spPr>
-        <p:txBody>
-          <a:bodyPr lIns="0" rIns="0" tIns="0" bIns="0">
-            <a:normAutofit/>
-          </a:bodyPr>
-          <a:p>
-            <a:pPr marL="432000" indent="-324000">
-              <a:spcBef>
-                <a:spcPts val="1417"/>
-              </a:spcBef>
-              <a:buClr>
-                <a:srgbClr val="ffffff"/>
-              </a:buClr>
-              <a:buSzPct val="45000"/>
-              <a:buFont typeface="Wingdings" charset="2"/>
-              <a:buChar char=""/>
-            </a:pPr>
-            <a:r>
-              <a:rPr b="0" lang="hu-HU" sz="3200" spc="-1" strike="noStrike">
-                <a:latin typeface="Arial"/>
-              </a:rPr>
-              <a:t>Vázlatszöveg formátumának szerkesztése</a:t>
-            </a:r>
-            <a:endParaRPr b="0" lang="hu-HU" sz="3200" spc="-1" strike="noStrike">
-              <a:latin typeface="Arial"/>
-            </a:endParaRPr>
-          </a:p>
-          <a:p>
-            <a:pPr lvl="1" marL="864000" indent="-324000">
-              <a:spcBef>
-                <a:spcPts val="1134"/>
-              </a:spcBef>
-              <a:buClr>
-                <a:srgbClr val="ffffff"/>
-              </a:buClr>
-              <a:buSzPct val="75000"/>
-              <a:buFont typeface="Symbol" charset="2"/>
-              <a:buChar char=""/>
-            </a:pPr>
-            <a:r>
-              <a:rPr b="0" lang="hu-HU" sz="2800" spc="-1" strike="noStrike">
-                <a:latin typeface="Arial"/>
-              </a:rPr>
-              <a:t>Második vázlatszint</a:t>
-            </a:r>
-            <a:endParaRPr b="0" lang="hu-HU" sz="2800" spc="-1" strike="noStrike">
-              <a:latin typeface="Arial"/>
-            </a:endParaRPr>
-          </a:p>
-          <a:p>
-            <a:pPr lvl="2" marL="1296000" indent="-288000">
-              <a:spcBef>
-                <a:spcPts val="850"/>
-              </a:spcBef>
-              <a:buClr>
-                <a:srgbClr val="ffffff"/>
-              </a:buClr>
-              <a:buSzPct val="45000"/>
-              <a:buFont typeface="Wingdings" charset="2"/>
-              <a:buChar char=""/>
-            </a:pPr>
-            <a:r>
-              <a:rPr b="0" lang="hu-HU" sz="2400" spc="-1" strike="noStrike">
-                <a:latin typeface="Arial"/>
-              </a:rPr>
-              <a:t>Harmadik vázlatszint</a:t>
-            </a:r>
-            <a:endParaRPr b="0" lang="hu-HU" sz="2400" spc="-1" strike="noStrike">
-              <a:latin typeface="Arial"/>
-            </a:endParaRPr>
-          </a:p>
-          <a:p>
-            <a:pPr lvl="3" marL="1728000" indent="-216000">
-              <a:spcBef>
-                <a:spcPts val="567"/>
-              </a:spcBef>
-              <a:buClr>
-                <a:srgbClr val="ffffff"/>
-              </a:buClr>
-              <a:buSzPct val="75000"/>
-              <a:buFont typeface="Symbol" charset="2"/>
-              <a:buChar char=""/>
-            </a:pPr>
-            <a:r>
-              <a:rPr b="0" lang="hu-HU" sz="2000" spc="-1" strike="noStrike">
-                <a:latin typeface="Arial"/>
-              </a:rPr>
-              <a:t>Negyedik vázlatszint</a:t>
-            </a:r>
-            <a:endParaRPr b="0" lang="hu-HU" sz="2000" spc="-1" strike="noStrike">
-              <a:latin typeface="Arial"/>
-            </a:endParaRPr>
-          </a:p>
-          <a:p>
-            <a:pPr lvl="4" marL="2160000" indent="-216000">
-              <a:spcBef>
-                <a:spcPts val="283"/>
-              </a:spcBef>
-              <a:buClr>
-                <a:srgbClr val="ffffff"/>
-              </a:buClr>
-              <a:buSzPct val="45000"/>
-              <a:buFont typeface="Wingdings" charset="2"/>
-              <a:buChar char=""/>
-            </a:pPr>
-            <a:r>
-              <a:rPr b="0" lang="hu-HU" sz="2000" spc="-1" strike="noStrike">
-                <a:latin typeface="Arial"/>
-              </a:rPr>
-              <a:t>Ötödik vázlatszint</a:t>
-            </a:r>
-            <a:endParaRPr b="0" lang="hu-HU" sz="2000" spc="-1" strike="noStrike">
-              <a:latin typeface="Arial"/>
-            </a:endParaRPr>
-          </a:p>
-          <a:p>
-            <a:pPr lvl="5" marL="2592000" indent="-216000">
-              <a:spcBef>
-                <a:spcPts val="283"/>
-              </a:spcBef>
-              <a:buClr>
-                <a:srgbClr val="ffffff"/>
-              </a:buClr>
-              <a:buSzPct val="45000"/>
-              <a:buFont typeface="Wingdings" charset="2"/>
-              <a:buChar char=""/>
-            </a:pPr>
-            <a:r>
-              <a:rPr b="0" lang="hu-HU" sz="2000" spc="-1" strike="noStrike">
-                <a:latin typeface="Arial"/>
-              </a:rPr>
-              <a:t>Hatodik vázlatszint</a:t>
-            </a:r>
-            <a:endParaRPr b="0" lang="hu-HU" sz="2000" spc="-1" strike="noStrike">
-              <a:latin typeface="Arial"/>
-            </a:endParaRPr>
-          </a:p>
-          <a:p>
-            <a:pPr lvl="6" marL="3024000" indent="-216000">
-              <a:spcBef>
-                <a:spcPts val="283"/>
-              </a:spcBef>
-              <a:buClr>
-                <a:srgbClr val="ffffff"/>
-              </a:buClr>
-              <a:buSzPct val="45000"/>
-              <a:buFont typeface="Wingdings" charset="2"/>
-              <a:buChar char=""/>
-            </a:pPr>
-            <a:r>
-              <a:rPr b="0" lang="hu-HU" sz="2000" spc="-1" strike="noStrike">
-                <a:latin typeface="Arial"/>
-              </a:rPr>
-              <a:t>Hetedik vázlatszint</a:t>
-            </a:r>
-            <a:endParaRPr b="0" lang="hu-HU" sz="2000" spc="-1" strike="noStrike">
-              <a:latin typeface="Arial"/>
-            </a:endParaRPr>
-          </a:p>
-        </p:txBody>
-      </p:sp>
-      <p:sp>
-        <p:nvSpPr>
-          <p:cNvPr id="82" name="PlaceHolder 3"/>
-          <p:cNvSpPr>
-            <a:spLocks noGrp="1"/>
-          </p:cNvSpPr>
-          <p:nvPr>
-            <p:ph type="dt"/>
-          </p:nvPr>
-        </p:nvSpPr>
-        <p:spPr>
-          <a:xfrm>
-            <a:off x="504000" y="5256000"/>
-            <a:ext cx="1656000" cy="410400"/>
-          </a:xfrm>
-          <a:prstGeom prst="rect">
-            <a:avLst/>
-          </a:prstGeom>
-        </p:spPr>
-        <p:txBody>
-          <a:bodyPr lIns="0" rIns="0" tIns="0" bIns="0">
-            <a:noAutofit/>
-          </a:bodyPr>
-          <a:p>
-            <a:r>
-              <a:rPr b="0" lang="hu-HU" sz="1400" spc="-1" strike="noStrike">
-                <a:latin typeface="Arial"/>
-              </a:rPr>
-              <a:t>&lt;dátum/idő&gt;</a:t>
-            </a:r>
-            <a:endParaRPr b="0" lang="hu-HU" sz="1400" spc="-1" strike="noStrike">
-              <a:latin typeface="Arial"/>
-            </a:endParaRPr>
-          </a:p>
-        </p:txBody>
-      </p:sp>
-      <p:sp>
-        <p:nvSpPr>
-          <p:cNvPr id="83" name="PlaceHolder 4"/>
-          <p:cNvSpPr>
-            <a:spLocks noGrp="1"/>
-          </p:cNvSpPr>
-          <p:nvPr>
-            <p:ph type="ftr"/>
-          </p:nvPr>
-        </p:nvSpPr>
-        <p:spPr>
-          <a:xfrm>
-            <a:off x="2520000" y="5256000"/>
-            <a:ext cx="4680000" cy="410400"/>
-          </a:xfrm>
-          <a:prstGeom prst="rect">
-            <a:avLst/>
-          </a:prstGeom>
-        </p:spPr>
-        <p:txBody>
-          <a:bodyPr lIns="0" rIns="0" tIns="0" bIns="0">
-            <a:noAutofit/>
-          </a:bodyPr>
-          <a:p>
-            <a:pPr algn="ctr"/>
-            <a:r>
-              <a:rPr b="0" lang="hu-HU" sz="1400" spc="-1" strike="noStrike">
-                <a:latin typeface="Arial"/>
-              </a:rPr>
-              <a:t>&lt;élőláb&gt;</a:t>
-            </a:r>
-            <a:endParaRPr b="0" lang="hu-HU" sz="1400" spc="-1" strike="noStrike">
-              <a:latin typeface="Arial"/>
-            </a:endParaRPr>
-          </a:p>
-        </p:txBody>
-      </p:sp>
-      <p:sp>
-        <p:nvSpPr>
-          <p:cNvPr id="84" name="PlaceHolder 5"/>
-          <p:cNvSpPr>
-            <a:spLocks noGrp="1"/>
-          </p:cNvSpPr>
-          <p:nvPr>
-            <p:ph type="sldNum"/>
-          </p:nvPr>
-        </p:nvSpPr>
-        <p:spPr>
-          <a:xfrm>
-            <a:off x="7560000" y="5256000"/>
-            <a:ext cx="1656000" cy="410400"/>
-          </a:xfrm>
-          <a:prstGeom prst="rect">
-            <a:avLst/>
-          </a:prstGeom>
-        </p:spPr>
-        <p:txBody>
-          <a:bodyPr lIns="0" rIns="0" tIns="0" bIns="0">
-            <a:noAutofit/>
-          </a:bodyPr>
-          <a:p>
-            <a:pPr algn="r"/>
-            <a:fld id="{DE46B708-1E30-4BE9-AC0A-CE6B3511197C}" type="slidenum">
-              <a:rPr b="0" lang="hu-HU" sz="1400" spc="-1" strike="noStrike">
-                <a:latin typeface="Arial"/>
-              </a:rPr>
-              <a:t>&lt;szám&gt;</a:t>
-            </a:fld>
-            <a:endParaRPr b="0" lang="hu-HU" sz="1400" spc="-1" strike="noStrike">
-              <a:latin typeface="Arial"/>
-            </a:endParaRPr>
-          </a:p>
-        </p:txBody>
-      </p:sp>
-    </p:spTree>
-  </p:cSld>
-  <p:clrMap bg1="lt1" bg2="lt2" tx1="dk1" tx2="dk2" accent1="accent1" accent2="accent2" accent3="accent3" accent4="accent4" accent5="accent5" accent6="accent6" hlink="hlink" folHlink="folHlink"/>
-  <p:sldLayoutIdLst>
-    <p:sldLayoutId id="2147483675" r:id="rId3"/>
-    <p:sldLayoutId id="2147483676" r:id="rId4"/>
-    <p:sldLayoutId id="2147483677" r:id="rId5"/>
-    <p:sldLayoutId id="2147483678" r:id="rId6"/>
-    <p:sldLayoutId id="2147483679" r:id="rId7"/>
-    <p:sldLayoutId id="2147483680" r:id="rId8"/>
-    <p:sldLayoutId id="2147483681" r:id="rId9"/>
-    <p:sldLayoutId id="2147483682" r:id="rId10"/>
-    <p:sldLayoutId id="2147483683" r:id="rId11"/>
-    <p:sldLayoutId id="2147483684" r:id="rId12"/>
-    <p:sldLayoutId id="2147483685" r:id="rId13"/>
-    <p:sldLayoutId id="2147483686" r:id="rId14"/>
   </p:sldLayoutIdLst>
 </p:sldMaster>
 </file>
@@ -5085,14 +3331,14 @@
       </p:grpSpPr>
       <p:sp>
         <p:nvSpPr>
-          <p:cNvPr id="121" name="TextShape 1"/>
-          <p:cNvSpPr txBox="1"/>
+          <p:cNvPr id="77" name="CustomShape 1"/>
+          <p:cNvSpPr/>
           <p:nvPr/>
         </p:nvSpPr>
         <p:spPr>
           <a:xfrm>
             <a:off x="504000" y="1152000"/>
-            <a:ext cx="9000000" cy="1250280"/>
+            <a:ext cx="8999640" cy="1249920"/>
           </a:xfrm>
           <a:prstGeom prst="rect">
             <a:avLst/>
@@ -5102,12 +3348,22 @@
             <a:noFill/>
           </a:ln>
         </p:spPr>
+        <p:style>
+          <a:lnRef idx="0"/>
+          <a:fillRef idx="0"/>
+          <a:effectRef idx="0"/>
+          <a:fontRef idx="minor"/>
+        </p:style>
         <p:txBody>
           <a:bodyPr lIns="0" rIns="0" tIns="0" bIns="0" anchor="ctr">
             <a:noAutofit/>
           </a:bodyPr>
           <a:p>
-            <a:pPr algn="ctr"/>
+            <a:pPr algn="ctr">
+              <a:lnSpc>
+                <a:spcPct val="100000"/>
+              </a:lnSpc>
+            </a:pPr>
             <a:r>
               <a:rPr b="0" lang="hu-HU" sz="4400" spc="-1" strike="noStrike">
                 <a:latin typeface="Arial"/>
@@ -5122,14 +3378,14 @@
       </p:sp>
       <p:sp>
         <p:nvSpPr>
-          <p:cNvPr id="122" name="TextShape 2"/>
-          <p:cNvSpPr txBox="1"/>
+          <p:cNvPr id="78" name="CustomShape 2"/>
+          <p:cNvSpPr/>
           <p:nvPr/>
         </p:nvSpPr>
         <p:spPr>
           <a:xfrm>
             <a:off x="72000" y="4824000"/>
-            <a:ext cx="3816000" cy="602280"/>
+            <a:ext cx="3815640" cy="601920"/>
           </a:xfrm>
           <a:prstGeom prst="rect">
             <a:avLst/>
@@ -5139,6 +3395,12 @@
             <a:noFill/>
           </a:ln>
         </p:spPr>
+        <p:style>
+          <a:lnRef idx="0"/>
+          <a:fillRef idx="0"/>
+          <a:effectRef idx="0"/>
+          <a:fontRef idx="minor"/>
+        </p:style>
         <p:txBody>
           <a:bodyPr lIns="90000" rIns="90000" tIns="45000" bIns="45000">
             <a:noAutofit/>
@@ -5163,14 +3425,14 @@
       </p:sp>
       <p:sp>
         <p:nvSpPr>
-          <p:cNvPr id="123" name="TextShape 3"/>
-          <p:cNvSpPr txBox="1"/>
+          <p:cNvPr id="79" name="CustomShape 3"/>
+          <p:cNvSpPr/>
           <p:nvPr/>
         </p:nvSpPr>
         <p:spPr>
           <a:xfrm>
             <a:off x="8208000" y="4896000"/>
-            <a:ext cx="1872000" cy="858240"/>
+            <a:ext cx="1871640" cy="857880"/>
           </a:xfrm>
           <a:prstGeom prst="rect">
             <a:avLst/>
@@ -5180,11 +3442,22 @@
             <a:noFill/>
           </a:ln>
         </p:spPr>
+        <p:style>
+          <a:lnRef idx="0"/>
+          <a:fillRef idx="0"/>
+          <a:effectRef idx="0"/>
+          <a:fontRef idx="minor"/>
+        </p:style>
         <p:txBody>
           <a:bodyPr lIns="90000" rIns="90000" tIns="45000" bIns="45000">
             <a:noAutofit/>
           </a:bodyPr>
           <a:p>
+            <a:pPr>
+              <a:lnSpc>
+                <a:spcPct val="100000"/>
+              </a:lnSpc>
+            </a:pPr>
             <a:r>
               <a:rPr b="0" lang="hu-HU" sz="1800" spc="-1" strike="noStrike">
                 <a:latin typeface="Arial"/>
@@ -5259,14 +3532,14 @@
       </p:grpSpPr>
       <p:sp>
         <p:nvSpPr>
-          <p:cNvPr id="147" name="TextShape 1"/>
-          <p:cNvSpPr txBox="1"/>
+          <p:cNvPr id="103" name="CustomShape 1"/>
+          <p:cNvSpPr/>
           <p:nvPr/>
         </p:nvSpPr>
         <p:spPr>
           <a:xfrm>
             <a:off x="144000" y="72000"/>
-            <a:ext cx="9540000" cy="648000"/>
+            <a:ext cx="9539640" cy="647640"/>
           </a:xfrm>
           <a:prstGeom prst="rect">
             <a:avLst/>
@@ -5276,11 +3549,22 @@
             <a:noFill/>
           </a:ln>
         </p:spPr>
+        <p:style>
+          <a:lnRef idx="0"/>
+          <a:fillRef idx="0"/>
+          <a:effectRef idx="0"/>
+          <a:fontRef idx="minor"/>
+        </p:style>
         <p:txBody>
           <a:bodyPr lIns="0" rIns="0" tIns="0" bIns="0" anchor="ctr">
             <a:noAutofit/>
           </a:bodyPr>
           <a:p>
+            <a:pPr>
+              <a:lnSpc>
+                <a:spcPct val="100000"/>
+              </a:lnSpc>
+            </a:pPr>
             <a:r>
               <a:rPr b="0" lang="hu-HU" sz="4400" spc="-1" strike="noStrike">
                 <a:latin typeface="Arial"/>
@@ -5295,14 +3579,14 @@
       </p:sp>
       <p:sp>
         <p:nvSpPr>
-          <p:cNvPr id="148" name="TextShape 2"/>
-          <p:cNvSpPr txBox="1"/>
+          <p:cNvPr id="104" name="CustomShape 2"/>
+          <p:cNvSpPr/>
           <p:nvPr/>
         </p:nvSpPr>
         <p:spPr>
           <a:xfrm>
             <a:off x="504000" y="1326600"/>
-            <a:ext cx="9071640" cy="3288240"/>
+            <a:ext cx="9071280" cy="3287880"/>
           </a:xfrm>
           <a:prstGeom prst="rect">
             <a:avLst/>
@@ -5312,12 +3596,21 @@
             <a:noFill/>
           </a:ln>
         </p:spPr>
+        <p:style>
+          <a:lnRef idx="0"/>
+          <a:fillRef idx="0"/>
+          <a:effectRef idx="0"/>
+          <a:fontRef idx="minor"/>
+        </p:style>
         <p:txBody>
           <a:bodyPr lIns="0" rIns="0" tIns="0" bIns="0">
             <a:normAutofit/>
           </a:bodyPr>
           <a:p>
-            <a:pPr marL="432000" indent="-324000">
+            <a:pPr marL="432000" indent="-323640">
+              <a:lnSpc>
+                <a:spcPct val="100000"/>
+              </a:lnSpc>
               <a:spcBef>
                 <a:spcPts val="1417"/>
               </a:spcBef>
@@ -5339,7 +3632,10 @@
             </a:endParaRPr>
           </a:p>
           <a:p>
-            <a:pPr marL="432000" indent="-324000">
+            <a:pPr marL="432000" indent="-323640">
+              <a:lnSpc>
+                <a:spcPct val="100000"/>
+              </a:lnSpc>
               <a:spcBef>
                 <a:spcPts val="1417"/>
               </a:spcBef>
@@ -5364,7 +3660,7 @@
       </p:sp>
       <p:pic>
         <p:nvPicPr>
-          <p:cNvPr id="149" name="" descr=""/>
+          <p:cNvPr id="105" name="" descr=""/>
           <p:cNvPicPr/>
           <p:nvPr/>
         </p:nvPicPr>
@@ -5375,7 +3671,7 @@
         <p:spPr>
           <a:xfrm>
             <a:off x="2345400" y="3024000"/>
-            <a:ext cx="4494600" cy="1256760"/>
+            <a:ext cx="4494240" cy="1256400"/>
           </a:xfrm>
           <a:prstGeom prst="rect">
             <a:avLst/>
@@ -5417,14 +3713,14 @@
       </p:grpSpPr>
       <p:sp>
         <p:nvSpPr>
-          <p:cNvPr id="150" name="TextShape 1"/>
-          <p:cNvSpPr txBox="1"/>
+          <p:cNvPr id="106" name="CustomShape 1"/>
+          <p:cNvSpPr/>
           <p:nvPr/>
         </p:nvSpPr>
         <p:spPr>
           <a:xfrm>
             <a:off x="144000" y="72000"/>
-            <a:ext cx="9540000" cy="648000"/>
+            <a:ext cx="9539640" cy="647640"/>
           </a:xfrm>
           <a:prstGeom prst="rect">
             <a:avLst/>
@@ -5434,11 +3730,22 @@
             <a:noFill/>
           </a:ln>
         </p:spPr>
+        <p:style>
+          <a:lnRef idx="0"/>
+          <a:fillRef idx="0"/>
+          <a:effectRef idx="0"/>
+          <a:fontRef idx="minor"/>
+        </p:style>
         <p:txBody>
           <a:bodyPr lIns="0" rIns="0" tIns="0" bIns="0" anchor="ctr">
             <a:noAutofit/>
           </a:bodyPr>
           <a:p>
+            <a:pPr>
+              <a:lnSpc>
+                <a:spcPct val="100000"/>
+              </a:lnSpc>
+            </a:pPr>
             <a:r>
               <a:rPr b="0" lang="hu-HU" sz="4400" spc="-1" strike="noStrike">
                 <a:latin typeface="Arial"/>
@@ -5453,14 +3760,14 @@
       </p:sp>
       <p:sp>
         <p:nvSpPr>
-          <p:cNvPr id="151" name="TextShape 2"/>
-          <p:cNvSpPr txBox="1"/>
+          <p:cNvPr id="107" name="CustomShape 2"/>
+          <p:cNvSpPr/>
           <p:nvPr/>
         </p:nvSpPr>
         <p:spPr>
           <a:xfrm>
             <a:off x="504000" y="1326600"/>
-            <a:ext cx="9071640" cy="3288240"/>
+            <a:ext cx="9071280" cy="3287880"/>
           </a:xfrm>
           <a:prstGeom prst="rect">
             <a:avLst/>
@@ -5470,39 +3777,39 @@
             <a:noFill/>
           </a:ln>
         </p:spPr>
+        <p:style>
+          <a:lnRef idx="0"/>
+          <a:fillRef idx="0"/>
+          <a:effectRef idx="0"/>
+          <a:fontRef idx="minor"/>
+        </p:style>
         <p:txBody>
           <a:bodyPr lIns="0" rIns="0" tIns="0" bIns="0">
             <a:normAutofit/>
           </a:bodyPr>
           <a:p>
-            <a:pPr marL="432000" indent="-324000">
+            <a:pPr>
+              <a:lnSpc>
+                <a:spcPct val="100000"/>
+              </a:lnSpc>
               <a:spcBef>
                 <a:spcPts val="1417"/>
               </a:spcBef>
-              <a:buClr>
-                <a:srgbClr val="ffffff"/>
-              </a:buClr>
-              <a:buSzPct val="45000"/>
-              <a:buFont typeface="Wingdings" charset="2"/>
-              <a:buChar char=""/>
             </a:pPr>
-            <a:endParaRPr b="0" lang="hu-HU" sz="3200" spc="-1" strike="noStrike">
-              <a:latin typeface="Arial"/>
-            </a:endParaRPr>
-          </a:p>
-          <a:p>
-            <a:pPr marL="432000" indent="-324000">
+            <a:endParaRPr b="0" lang="hu-HU" sz="1800" spc="-1" strike="noStrike">
+              <a:latin typeface="Arial"/>
+            </a:endParaRPr>
+          </a:p>
+          <a:p>
+            <a:pPr>
+              <a:lnSpc>
+                <a:spcPct val="100000"/>
+              </a:lnSpc>
               <a:spcBef>
                 <a:spcPts val="1417"/>
               </a:spcBef>
-              <a:buClr>
-                <a:srgbClr val="ffffff"/>
-              </a:buClr>
-              <a:buSzPct val="45000"/>
-              <a:buFont typeface="Wingdings" charset="2"/>
-              <a:buChar char=""/>
             </a:pPr>
-            <a:endParaRPr b="0" lang="hu-HU" sz="3200" spc="-1" strike="noStrike">
+            <a:endParaRPr b="0" lang="hu-HU" sz="1800" spc="-1" strike="noStrike">
               <a:latin typeface="Arial"/>
             </a:endParaRPr>
           </a:p>
@@ -5510,7 +3817,7 @@
       </p:sp>
       <p:pic>
         <p:nvPicPr>
-          <p:cNvPr id="152" name="" descr=""/>
+          <p:cNvPr id="108" name="" descr=""/>
           <p:cNvPicPr/>
           <p:nvPr/>
         </p:nvPicPr>
@@ -5521,7 +3828,7 @@
         <p:spPr>
           <a:xfrm>
             <a:off x="1008000" y="864000"/>
-            <a:ext cx="4496760" cy="4392000"/>
+            <a:ext cx="4496400" cy="4391640"/>
           </a:xfrm>
           <a:prstGeom prst="rect">
             <a:avLst/>
@@ -5563,14 +3870,14 @@
       </p:grpSpPr>
       <p:sp>
         <p:nvSpPr>
-          <p:cNvPr id="153" name="TextShape 1"/>
-          <p:cNvSpPr txBox="1"/>
+          <p:cNvPr id="109" name="CustomShape 1"/>
+          <p:cNvSpPr/>
           <p:nvPr/>
         </p:nvSpPr>
         <p:spPr>
           <a:xfrm>
             <a:off x="144000" y="72000"/>
-            <a:ext cx="9540000" cy="648000"/>
+            <a:ext cx="9539640" cy="647640"/>
           </a:xfrm>
           <a:prstGeom prst="rect">
             <a:avLst/>
@@ -5580,11 +3887,22 @@
             <a:noFill/>
           </a:ln>
         </p:spPr>
+        <p:style>
+          <a:lnRef idx="0"/>
+          <a:fillRef idx="0"/>
+          <a:effectRef idx="0"/>
+          <a:fontRef idx="minor"/>
+        </p:style>
         <p:txBody>
           <a:bodyPr lIns="0" rIns="0" tIns="0" bIns="0" anchor="ctr">
             <a:noAutofit/>
           </a:bodyPr>
           <a:p>
+            <a:pPr>
+              <a:lnSpc>
+                <a:spcPct val="100000"/>
+              </a:lnSpc>
+            </a:pPr>
             <a:r>
               <a:rPr b="0" lang="hu-HU" sz="4400" spc="-1" strike="noStrike">
                 <a:latin typeface="Arial"/>
@@ -5599,14 +3917,14 @@
       </p:sp>
       <p:sp>
         <p:nvSpPr>
-          <p:cNvPr id="154" name="TextShape 2"/>
-          <p:cNvSpPr txBox="1"/>
+          <p:cNvPr id="110" name="CustomShape 2"/>
+          <p:cNvSpPr/>
           <p:nvPr/>
         </p:nvSpPr>
         <p:spPr>
           <a:xfrm>
-            <a:off x="504000" y="1326600"/>
-            <a:ext cx="9071640" cy="3288240"/>
+            <a:off x="432000" y="960120"/>
+            <a:ext cx="9071280" cy="3287880"/>
           </a:xfrm>
           <a:prstGeom prst="rect">
             <a:avLst/>
@@ -5616,28 +3934,34 @@
             <a:noFill/>
           </a:ln>
         </p:spPr>
+        <p:style>
+          <a:lnRef idx="0"/>
+          <a:fillRef idx="0"/>
+          <a:effectRef idx="0"/>
+          <a:fontRef idx="minor"/>
+        </p:style>
         <p:txBody>
           <a:bodyPr lIns="0" rIns="0" tIns="0" bIns="0">
             <a:normAutofit/>
           </a:bodyPr>
           <a:p>
-            <a:pPr marL="432000" indent="-324000">
+            <a:pPr>
+              <a:lnSpc>
+                <a:spcPct val="100000"/>
+              </a:lnSpc>
               <a:spcBef>
                 <a:spcPts val="1417"/>
               </a:spcBef>
-              <a:buClr>
-                <a:srgbClr val="ffffff"/>
-              </a:buClr>
-              <a:buSzPct val="45000"/>
-              <a:buFont typeface="Wingdings" charset="2"/>
-              <a:buChar char=""/>
             </a:pPr>
-            <a:endParaRPr b="0" lang="hu-HU" sz="3200" spc="-1" strike="noStrike">
-              <a:latin typeface="Arial"/>
-            </a:endParaRPr>
-          </a:p>
-          <a:p>
-            <a:pPr marL="432000" indent="-324000">
+            <a:endParaRPr b="0" lang="hu-HU" sz="1800" spc="-1" strike="noStrike">
+              <a:latin typeface="Arial"/>
+            </a:endParaRPr>
+          </a:p>
+          <a:p>
+            <a:pPr marL="432000" indent="-323640">
+              <a:lnSpc>
+                <a:spcPct val="100000"/>
+              </a:lnSpc>
               <a:spcBef>
                 <a:spcPts val="1417"/>
               </a:spcBef>
@@ -5652,36 +3976,37 @@
               <a:rPr b="0" lang="hu-HU" sz="3200" spc="-1" strike="noStrike">
                 <a:latin typeface="Arial"/>
               </a:rPr>
-              <a:t>A kapcsolatok bárhogyan kialakíthatók</a:t>
+              <a:t>A service és az időpontok közötti kapcsolat</a:t>
             </a:r>
             <a:endParaRPr b="0" lang="hu-HU" sz="3200" spc="-1" strike="noStrike">
               <a:latin typeface="Arial"/>
             </a:endParaRPr>
           </a:p>
-          <a:p>
-            <a:pPr marL="432000" indent="-324000">
-              <a:spcBef>
-                <a:spcPts val="1417"/>
-              </a:spcBef>
-              <a:buClr>
-                <a:srgbClr val="ffffff"/>
-              </a:buClr>
-              <a:buSzPct val="45000"/>
-              <a:buFont typeface="Wingdings" charset="2"/>
-              <a:buChar char=""/>
-            </a:pPr>
-            <a:r>
-              <a:rPr b="0" lang="hu-HU" sz="3200" spc="-1" strike="noStrike">
-                <a:latin typeface="Arial"/>
-              </a:rPr>
-              <a:t>A gráfokat mi alkotjuk</a:t>
-            </a:r>
-            <a:endParaRPr b="0" lang="hu-HU" sz="3200" spc="-1" strike="noStrike">
-              <a:latin typeface="Arial"/>
-            </a:endParaRPr>
-          </a:p>
-        </p:txBody>
-      </p:sp>
+        </p:txBody>
+      </p:sp>
+      <p:pic>
+        <p:nvPicPr>
+          <p:cNvPr id="111" name="" descr=""/>
+          <p:cNvPicPr/>
+          <p:nvPr/>
+        </p:nvPicPr>
+        <p:blipFill>
+          <a:blip r:embed="rId1"/>
+          <a:stretch/>
+        </p:blipFill>
+        <p:spPr>
+          <a:xfrm>
+            <a:off x="720000" y="2597760"/>
+            <a:ext cx="8228160" cy="1434240"/>
+          </a:xfrm>
+          <a:prstGeom prst="rect">
+            <a:avLst/>
+          </a:prstGeom>
+          <a:ln>
+            <a:noFill/>
+          </a:ln>
+        </p:spPr>
+      </p:pic>
     </p:spTree>
   </p:cSld>
   <mc:AlternateContent>
@@ -5714,14 +4039,14 @@
       </p:grpSpPr>
       <p:sp>
         <p:nvSpPr>
-          <p:cNvPr id="155" name="TextShape 1"/>
-          <p:cNvSpPr txBox="1"/>
+          <p:cNvPr id="112" name="CustomShape 1"/>
+          <p:cNvSpPr/>
           <p:nvPr/>
         </p:nvSpPr>
         <p:spPr>
           <a:xfrm>
             <a:off x="144000" y="72000"/>
-            <a:ext cx="9540000" cy="648000"/>
+            <a:ext cx="9539640" cy="647640"/>
           </a:xfrm>
           <a:prstGeom prst="rect">
             <a:avLst/>
@@ -5731,16 +4056,27 @@
             <a:noFill/>
           </a:ln>
         </p:spPr>
+        <p:style>
+          <a:lnRef idx="0"/>
+          <a:fillRef idx="0"/>
+          <a:effectRef idx="0"/>
+          <a:fontRef idx="minor"/>
+        </p:style>
         <p:txBody>
           <a:bodyPr lIns="0" rIns="0" tIns="0" bIns="0" anchor="ctr">
             <a:noAutofit/>
           </a:bodyPr>
           <a:p>
+            <a:pPr>
+              <a:lnSpc>
+                <a:spcPct val="100000"/>
+              </a:lnSpc>
+            </a:pPr>
             <a:r>
               <a:rPr b="0" lang="hu-HU" sz="4400" spc="-1" strike="noStrike">
                 <a:latin typeface="Arial"/>
               </a:rPr>
-              <a:t>Lekérdezés</a:t>
+              <a:t>Kapcsolatok</a:t>
             </a:r>
             <a:endParaRPr b="0" lang="hu-HU" sz="4400" spc="-1" strike="noStrike">
               <a:latin typeface="Arial"/>
@@ -5750,14 +4086,14 @@
       </p:sp>
       <p:sp>
         <p:nvSpPr>
-          <p:cNvPr id="156" name="TextShape 2"/>
-          <p:cNvSpPr txBox="1"/>
+          <p:cNvPr id="113" name="CustomShape 2"/>
+          <p:cNvSpPr/>
           <p:nvPr/>
         </p:nvSpPr>
         <p:spPr>
           <a:xfrm>
             <a:off x="504000" y="1326600"/>
-            <a:ext cx="9071640" cy="3288240"/>
+            <a:ext cx="9071280" cy="3287880"/>
           </a:xfrm>
           <a:prstGeom prst="rect">
             <a:avLst/>
@@ -5767,47 +4103,16 @@
             <a:noFill/>
           </a:ln>
         </p:spPr>
-        <p:txBody>
-          <a:bodyPr lIns="0" rIns="0" tIns="0" bIns="0">
-            <a:normAutofit/>
-          </a:bodyPr>
-          <a:p>
-            <a:pPr marL="432000" indent="-324000">
-              <a:spcBef>
-                <a:spcPts val="1417"/>
-              </a:spcBef>
-              <a:buClr>
-                <a:srgbClr val="ffffff"/>
-              </a:buClr>
-              <a:buSzPct val="45000"/>
-              <a:buFont typeface="Wingdings" charset="2"/>
-              <a:buChar char=""/>
-            </a:pPr>
-            <a:endParaRPr b="0" lang="hu-HU" sz="3200" spc="-1" strike="noStrike">
-              <a:latin typeface="Arial"/>
-            </a:endParaRPr>
-          </a:p>
-          <a:p>
-            <a:pPr marL="432000" indent="-324000">
-              <a:spcBef>
-                <a:spcPts val="1417"/>
-              </a:spcBef>
-              <a:buClr>
-                <a:srgbClr val="ffffff"/>
-              </a:buClr>
-              <a:buSzPct val="45000"/>
-              <a:buFont typeface="Wingdings" charset="2"/>
-              <a:buChar char=""/>
-            </a:pPr>
-            <a:endParaRPr b="0" lang="hu-HU" sz="3200" spc="-1" strike="noStrike">
-              <a:latin typeface="Arial"/>
-            </a:endParaRPr>
-          </a:p>
-        </p:txBody>
+        <p:style>
+          <a:lnRef idx="0"/>
+          <a:fillRef idx="0"/>
+          <a:effectRef idx="0"/>
+          <a:fontRef idx="minor"/>
+        </p:style>
       </p:sp>
       <p:pic>
         <p:nvPicPr>
-          <p:cNvPr id="157" name="" descr=""/>
+          <p:cNvPr id="114" name="" descr=""/>
           <p:cNvPicPr/>
           <p:nvPr/>
         </p:nvPicPr>
@@ -5817,8 +4122,8 @@
         </p:blipFill>
         <p:spPr>
           <a:xfrm>
-            <a:off x="1716840" y="720000"/>
-            <a:ext cx="5627160" cy="4734000"/>
+            <a:off x="1152000" y="792000"/>
+            <a:ext cx="6782400" cy="4790880"/>
           </a:xfrm>
           <a:prstGeom prst="rect">
             <a:avLst/>
@@ -5860,14 +4165,14 @@
       </p:grpSpPr>
       <p:sp>
         <p:nvSpPr>
-          <p:cNvPr id="158" name="TextShape 1"/>
-          <p:cNvSpPr txBox="1"/>
+          <p:cNvPr id="115" name="CustomShape 1"/>
+          <p:cNvSpPr/>
           <p:nvPr/>
         </p:nvSpPr>
         <p:spPr>
           <a:xfrm>
             <a:off x="144000" y="72000"/>
-            <a:ext cx="9540000" cy="648000"/>
+            <a:ext cx="9539640" cy="647640"/>
           </a:xfrm>
           <a:prstGeom prst="rect">
             <a:avLst/>
@@ -5877,11 +4182,28 @@
             <a:noFill/>
           </a:ln>
         </p:spPr>
+        <p:style>
+          <a:lnRef idx="0"/>
+          <a:fillRef idx="0"/>
+          <a:effectRef idx="0"/>
+          <a:fontRef idx="minor"/>
+        </p:style>
         <p:txBody>
           <a:bodyPr lIns="0" rIns="0" tIns="0" bIns="0" anchor="ctr">
             <a:noAutofit/>
           </a:bodyPr>
           <a:p>
+            <a:pPr>
+              <a:lnSpc>
+                <a:spcPct val="100000"/>
+              </a:lnSpc>
+            </a:pPr>
+            <a:r>
+              <a:rPr b="0" lang="hu-HU" sz="4400" spc="-1" strike="noStrike">
+                <a:latin typeface="Arial"/>
+              </a:rPr>
+              <a:t>Kapcsolatok</a:t>
+            </a:r>
             <a:endParaRPr b="0" lang="hu-HU" sz="4400" spc="-1" strike="noStrike">
               <a:latin typeface="Arial"/>
             </a:endParaRPr>
@@ -5890,14 +4212,14 @@
       </p:sp>
       <p:sp>
         <p:nvSpPr>
-          <p:cNvPr id="159" name="TextShape 2"/>
-          <p:cNvSpPr txBox="1"/>
+          <p:cNvPr id="116" name="CustomShape 2"/>
+          <p:cNvSpPr/>
           <p:nvPr/>
         </p:nvSpPr>
         <p:spPr>
           <a:xfrm>
-            <a:off x="2304000" y="2088000"/>
-            <a:ext cx="9071640" cy="3288240"/>
+            <a:off x="504000" y="1326600"/>
+            <a:ext cx="9071280" cy="3287880"/>
           </a:xfrm>
           <a:prstGeom prst="rect">
             <a:avLst/>
@@ -5907,12 +4229,332 @@
             <a:noFill/>
           </a:ln>
         </p:spPr>
+        <p:style>
+          <a:lnRef idx="0"/>
+          <a:fillRef idx="0"/>
+          <a:effectRef idx="0"/>
+          <a:fontRef idx="minor"/>
+        </p:style>
+      </p:sp>
+      <p:sp>
+        <p:nvSpPr>
+          <p:cNvPr id="117" name="TextShape 3"/>
+          <p:cNvSpPr txBox="1"/>
+          <p:nvPr/>
+        </p:nvSpPr>
+        <p:spPr>
+          <a:xfrm>
+            <a:off x="372600" y="1296000"/>
+            <a:ext cx="7907400" cy="546480"/>
+          </a:xfrm>
+          <a:prstGeom prst="rect">
+            <a:avLst/>
+          </a:prstGeom>
+          <a:noFill/>
+          <a:ln>
+            <a:noFill/>
+          </a:ln>
+        </p:spPr>
+        <p:txBody>
+          <a:bodyPr lIns="90000" rIns="90000" tIns="45000" bIns="45000">
+            <a:noAutofit/>
+          </a:bodyPr>
+          <a:p>
+            <a:r>
+              <a:rPr b="0" lang="hu-HU" sz="3200" spc="-1" strike="noStrike">
+                <a:latin typeface="Arial"/>
+              </a:rPr>
+              <a:t>A Trip és a Service táble közötti kapcsolat</a:t>
+            </a:r>
+            <a:endParaRPr b="0" lang="hu-HU" sz="3200" spc="-1" strike="noStrike">
+              <a:latin typeface="Arial"/>
+            </a:endParaRPr>
+          </a:p>
+        </p:txBody>
+      </p:sp>
+      <p:pic>
+        <p:nvPicPr>
+          <p:cNvPr id="118" name="" descr=""/>
+          <p:cNvPicPr/>
+          <p:nvPr/>
+        </p:nvPicPr>
+        <p:blipFill>
+          <a:blip r:embed="rId1"/>
+          <a:stretch/>
+        </p:blipFill>
+        <p:spPr>
+          <a:xfrm>
+            <a:off x="2459880" y="2872440"/>
+            <a:ext cx="4812120" cy="799560"/>
+          </a:xfrm>
+          <a:prstGeom prst="rect">
+            <a:avLst/>
+          </a:prstGeom>
+          <a:ln>
+            <a:noFill/>
+          </a:ln>
+        </p:spPr>
+      </p:pic>
+    </p:spTree>
+  </p:cSld>
+  <mc:AlternateContent>
+    <mc:Choice Requires="p14">
+      <p:transition spd="slow" p14:dur="2000"/>
+    </mc:Choice>
+    <mc:Fallback>
+      <p:transition spd="slow"/>
+    </mc:Fallback>
+  </mc:AlternateContent>
+</p:sld>
+</file>
+
+<file path=ppt/slides/slide15.xml><?xml version="1.0" encoding="utf-8"?>
+<p:sld xmlns:a="http://schemas.openxmlformats.org/drawingml/2006/main" xmlns:p="http://schemas.openxmlformats.org/presentationml/2006/main" xmlns:r="http://schemas.openxmlformats.org/officeDocument/2006/relationships" xmlns:p14="http://schemas.microsoft.com/office/powerpoint/2010/main" xmlns:p15="http://schemas.microsoft.com/office/powerpoint/2012/main" xmlns:mc="http://schemas.openxmlformats.org/markup-compatibility/2006">
+  <p:cSld>
+    <p:spTree>
+      <p:nvGrpSpPr>
+        <p:cNvPr id="1" name=""/>
+        <p:cNvGrpSpPr/>
+        <p:nvPr/>
+      </p:nvGrpSpPr>
+      <p:grpSpPr>
+        <a:xfrm>
+          <a:off x="0" y="0"/>
+          <a:ext cx="0" cy="0"/>
+          <a:chOff x="0" y="0"/>
+          <a:chExt cx="0" cy="0"/>
+        </a:xfrm>
+      </p:grpSpPr>
+      <p:sp>
+        <p:nvSpPr>
+          <p:cNvPr id="119" name="CustomShape 1"/>
+          <p:cNvSpPr/>
+          <p:nvPr/>
+        </p:nvSpPr>
+        <p:spPr>
+          <a:xfrm>
+            <a:off x="144000" y="72000"/>
+            <a:ext cx="9539640" cy="647640"/>
+          </a:xfrm>
+          <a:prstGeom prst="rect">
+            <a:avLst/>
+          </a:prstGeom>
+          <a:noFill/>
+          <a:ln>
+            <a:noFill/>
+          </a:ln>
+        </p:spPr>
+        <p:style>
+          <a:lnRef idx="0"/>
+          <a:fillRef idx="0"/>
+          <a:effectRef idx="0"/>
+          <a:fontRef idx="minor"/>
+        </p:style>
+        <p:txBody>
+          <a:bodyPr lIns="0" rIns="0" tIns="0" bIns="0" anchor="ctr">
+            <a:noAutofit/>
+          </a:bodyPr>
+          <a:p>
+            <a:pPr>
+              <a:lnSpc>
+                <a:spcPct val="100000"/>
+              </a:lnSpc>
+            </a:pPr>
+            <a:r>
+              <a:rPr b="0" lang="hu-HU" sz="4400" spc="-1" strike="noStrike">
+                <a:latin typeface="Arial"/>
+              </a:rPr>
+              <a:t>Lekérdezés</a:t>
+            </a:r>
+            <a:endParaRPr b="0" lang="hu-HU" sz="4400" spc="-1" strike="noStrike">
+              <a:latin typeface="Arial"/>
+            </a:endParaRPr>
+          </a:p>
+        </p:txBody>
+      </p:sp>
+      <p:sp>
+        <p:nvSpPr>
+          <p:cNvPr id="120" name="CustomShape 2"/>
+          <p:cNvSpPr/>
+          <p:nvPr/>
+        </p:nvSpPr>
+        <p:spPr>
+          <a:xfrm>
+            <a:off x="504000" y="1326600"/>
+            <a:ext cx="9071280" cy="3287880"/>
+          </a:xfrm>
+          <a:prstGeom prst="rect">
+            <a:avLst/>
+          </a:prstGeom>
+          <a:noFill/>
+          <a:ln>
+            <a:noFill/>
+          </a:ln>
+        </p:spPr>
+        <p:style>
+          <a:lnRef idx="0"/>
+          <a:fillRef idx="0"/>
+          <a:effectRef idx="0"/>
+          <a:fontRef idx="minor"/>
+        </p:style>
         <p:txBody>
           <a:bodyPr lIns="0" rIns="0" tIns="0" bIns="0">
             <a:normAutofit/>
           </a:bodyPr>
           <a:p>
-            <a:pPr marL="432000" indent="-324000">
+            <a:pPr>
+              <a:lnSpc>
+                <a:spcPct val="100000"/>
+              </a:lnSpc>
+              <a:spcBef>
+                <a:spcPts val="1417"/>
+              </a:spcBef>
+            </a:pPr>
+            <a:endParaRPr b="0" lang="hu-HU" sz="1800" spc="-1" strike="noStrike">
+              <a:latin typeface="Arial"/>
+            </a:endParaRPr>
+          </a:p>
+          <a:p>
+            <a:pPr>
+              <a:lnSpc>
+                <a:spcPct val="100000"/>
+              </a:lnSpc>
+              <a:spcBef>
+                <a:spcPts val="1417"/>
+              </a:spcBef>
+            </a:pPr>
+            <a:endParaRPr b="0" lang="hu-HU" sz="1800" spc="-1" strike="noStrike">
+              <a:latin typeface="Arial"/>
+            </a:endParaRPr>
+          </a:p>
+        </p:txBody>
+      </p:sp>
+      <p:pic>
+        <p:nvPicPr>
+          <p:cNvPr id="121" name="" descr=""/>
+          <p:cNvPicPr/>
+          <p:nvPr/>
+        </p:nvPicPr>
+        <p:blipFill>
+          <a:blip r:embed="rId1"/>
+          <a:stretch/>
+        </p:blipFill>
+        <p:spPr>
+          <a:xfrm>
+            <a:off x="1716840" y="720000"/>
+            <a:ext cx="5626800" cy="4733640"/>
+          </a:xfrm>
+          <a:prstGeom prst="rect">
+            <a:avLst/>
+          </a:prstGeom>
+          <a:ln>
+            <a:noFill/>
+          </a:ln>
+        </p:spPr>
+      </p:pic>
+    </p:spTree>
+  </p:cSld>
+  <mc:AlternateContent>
+    <mc:Choice Requires="p14">
+      <p:transition spd="slow" p14:dur="2000"/>
+    </mc:Choice>
+    <mc:Fallback>
+      <p:transition spd="slow"/>
+    </mc:Fallback>
+  </mc:AlternateContent>
+</p:sld>
+</file>
+
+<file path=ppt/slides/slide16.xml><?xml version="1.0" encoding="utf-8"?>
+<p:sld xmlns:a="http://schemas.openxmlformats.org/drawingml/2006/main" xmlns:p="http://schemas.openxmlformats.org/presentationml/2006/main" xmlns:r="http://schemas.openxmlformats.org/officeDocument/2006/relationships" xmlns:p14="http://schemas.microsoft.com/office/powerpoint/2010/main" xmlns:p15="http://schemas.microsoft.com/office/powerpoint/2012/main" xmlns:mc="http://schemas.openxmlformats.org/markup-compatibility/2006">
+  <p:cSld>
+    <p:spTree>
+      <p:nvGrpSpPr>
+        <p:cNvPr id="1" name=""/>
+        <p:cNvGrpSpPr/>
+        <p:nvPr/>
+      </p:nvGrpSpPr>
+      <p:grpSpPr>
+        <a:xfrm>
+          <a:off x="0" y="0"/>
+          <a:ext cx="0" cy="0"/>
+          <a:chOff x="0" y="0"/>
+          <a:chExt cx="0" cy="0"/>
+        </a:xfrm>
+      </p:grpSpPr>
+      <p:sp>
+        <p:nvSpPr>
+          <p:cNvPr id="122" name="CustomShape 1"/>
+          <p:cNvSpPr/>
+          <p:nvPr/>
+        </p:nvSpPr>
+        <p:spPr>
+          <a:xfrm>
+            <a:off x="144000" y="72000"/>
+            <a:ext cx="9539640" cy="647640"/>
+          </a:xfrm>
+          <a:prstGeom prst="rect">
+            <a:avLst/>
+          </a:prstGeom>
+          <a:noFill/>
+          <a:ln>
+            <a:noFill/>
+          </a:ln>
+        </p:spPr>
+        <p:style>
+          <a:lnRef idx="0"/>
+          <a:fillRef idx="0"/>
+          <a:effectRef idx="0"/>
+          <a:fontRef idx="minor"/>
+        </p:style>
+      </p:sp>
+      <p:sp>
+        <p:nvSpPr>
+          <p:cNvPr id="123" name="CustomShape 2"/>
+          <p:cNvSpPr/>
+          <p:nvPr/>
+        </p:nvSpPr>
+        <p:spPr>
+          <a:xfrm>
+            <a:off x="432720" y="1296000"/>
+            <a:ext cx="9071280" cy="3287880"/>
+          </a:xfrm>
+          <a:prstGeom prst="rect">
+            <a:avLst/>
+          </a:prstGeom>
+          <a:noFill/>
+          <a:ln>
+            <a:noFill/>
+          </a:ln>
+        </p:spPr>
+        <p:style>
+          <a:lnRef idx="0"/>
+          <a:fillRef idx="0"/>
+          <a:effectRef idx="0"/>
+          <a:fontRef idx="minor"/>
+        </p:style>
+        <p:txBody>
+          <a:bodyPr lIns="0" rIns="0" tIns="0" bIns="0">
+            <a:normAutofit/>
+          </a:bodyPr>
+          <a:p>
+            <a:pPr>
+              <a:lnSpc>
+                <a:spcPct val="100000"/>
+              </a:lnSpc>
+              <a:spcBef>
+                <a:spcPts val="1417"/>
+              </a:spcBef>
+            </a:pPr>
+            <a:endParaRPr b="0" lang="hu-HU" sz="1800" spc="-1" strike="noStrike">
+              <a:latin typeface="Arial"/>
+            </a:endParaRPr>
+          </a:p>
+          <a:p>
+            <a:pPr marL="432000" indent="-323640">
+              <a:lnSpc>
+                <a:spcPct val="100000"/>
+              </a:lnSpc>
               <a:spcBef>
                 <a:spcPts val="1417"/>
               </a:spcBef>
@@ -5923,12 +4565,147 @@
               <a:buFont typeface="Wingdings" charset="2"/>
               <a:buChar char=""/>
             </a:pPr>
-            <a:endParaRPr b="0" lang="hu-HU" sz="3200" spc="-1" strike="noStrike">
-              <a:latin typeface="Arial"/>
-            </a:endParaRPr>
-          </a:p>
-          <a:p>
-            <a:pPr marL="432000" indent="-324000">
+            <a:r>
+              <a:rPr b="0" lang="hu-HU" sz="3200" spc="-1" strike="noStrike">
+                <a:latin typeface="Arial"/>
+              </a:rPr>
+              <a:t>Hasznos oldal :</a:t>
+            </a:r>
+            <a:endParaRPr b="0" lang="hu-HU" sz="3200" spc="-1" strike="noStrike">
+              <a:latin typeface="Arial"/>
+            </a:endParaRPr>
+          </a:p>
+          <a:p>
+            <a:pPr>
+              <a:lnSpc>
+                <a:spcPct val="100000"/>
+              </a:lnSpc>
+              <a:spcBef>
+                <a:spcPts val="1417"/>
+              </a:spcBef>
+            </a:pPr>
+            <a:r>
+              <a:rPr b="0" lang="hu-HU" sz="3200" spc="-1" strike="noStrike">
+                <a:latin typeface="Arial"/>
+              </a:rPr>
+              <a:t>	</a:t>
+            </a:r>
+            <a:r>
+              <a:rPr b="0" lang="hu-HU" sz="3200" spc="-1" strike="noStrike">
+                <a:latin typeface="Arial"/>
+                <a:hlinkClick r:id="rId1"/>
+              </a:rPr>
+              <a:t>Egyesült királyság tömegközlekedése</a:t>
+            </a:r>
+            <a:endParaRPr b="0" lang="hu-HU" sz="3200" spc="-1" strike="noStrike">
+              <a:latin typeface="Arial"/>
+            </a:endParaRPr>
+          </a:p>
+        </p:txBody>
+      </p:sp>
+    </p:spTree>
+  </p:cSld>
+  <mc:AlternateContent>
+    <mc:Choice Requires="p14">
+      <p:transition spd="slow" p14:dur="2000"/>
+    </mc:Choice>
+    <mc:Fallback>
+      <p:transition spd="slow"/>
+    </mc:Fallback>
+  </mc:AlternateContent>
+</p:sld>
+</file>
+
+<file path=ppt/slides/slide17.xml><?xml version="1.0" encoding="utf-8"?>
+<p:sld xmlns:a="http://schemas.openxmlformats.org/drawingml/2006/main" xmlns:p="http://schemas.openxmlformats.org/presentationml/2006/main" xmlns:r="http://schemas.openxmlformats.org/officeDocument/2006/relationships" xmlns:p14="http://schemas.microsoft.com/office/powerpoint/2010/main" xmlns:p15="http://schemas.microsoft.com/office/powerpoint/2012/main" xmlns:mc="http://schemas.openxmlformats.org/markup-compatibility/2006">
+  <p:cSld>
+    <p:spTree>
+      <p:nvGrpSpPr>
+        <p:cNvPr id="1" name=""/>
+        <p:cNvGrpSpPr/>
+        <p:nvPr/>
+      </p:nvGrpSpPr>
+      <p:grpSpPr>
+        <a:xfrm>
+          <a:off x="0" y="0"/>
+          <a:ext cx="0" cy="0"/>
+          <a:chOff x="0" y="0"/>
+          <a:chExt cx="0" cy="0"/>
+        </a:xfrm>
+      </p:grpSpPr>
+      <p:sp>
+        <p:nvSpPr>
+          <p:cNvPr id="124" name="CustomShape 1"/>
+          <p:cNvSpPr/>
+          <p:nvPr/>
+        </p:nvSpPr>
+        <p:spPr>
+          <a:xfrm>
+            <a:off x="144000" y="72000"/>
+            <a:ext cx="9539640" cy="647640"/>
+          </a:xfrm>
+          <a:prstGeom prst="rect">
+            <a:avLst/>
+          </a:prstGeom>
+          <a:noFill/>
+          <a:ln>
+            <a:noFill/>
+          </a:ln>
+        </p:spPr>
+        <p:style>
+          <a:lnRef idx="0"/>
+          <a:fillRef idx="0"/>
+          <a:effectRef idx="0"/>
+          <a:fontRef idx="minor"/>
+        </p:style>
+      </p:sp>
+      <p:sp>
+        <p:nvSpPr>
+          <p:cNvPr id="125" name="CustomShape 2"/>
+          <p:cNvSpPr/>
+          <p:nvPr/>
+        </p:nvSpPr>
+        <p:spPr>
+          <a:xfrm>
+            <a:off x="2304000" y="2088000"/>
+            <a:ext cx="9071280" cy="3287880"/>
+          </a:xfrm>
+          <a:prstGeom prst="rect">
+            <a:avLst/>
+          </a:prstGeom>
+          <a:noFill/>
+          <a:ln>
+            <a:noFill/>
+          </a:ln>
+        </p:spPr>
+        <p:style>
+          <a:lnRef idx="0"/>
+          <a:fillRef idx="0"/>
+          <a:effectRef idx="0"/>
+          <a:fontRef idx="minor"/>
+        </p:style>
+        <p:txBody>
+          <a:bodyPr lIns="0" rIns="0" tIns="0" bIns="0">
+            <a:normAutofit/>
+          </a:bodyPr>
+          <a:p>
+            <a:pPr>
+              <a:lnSpc>
+                <a:spcPct val="100000"/>
+              </a:lnSpc>
+              <a:spcBef>
+                <a:spcPts val="1417"/>
+              </a:spcBef>
+            </a:pPr>
+            <a:endParaRPr b="0" lang="hu-HU" sz="1800" spc="-1" strike="noStrike">
+              <a:latin typeface="Arial"/>
+            </a:endParaRPr>
+          </a:p>
+          <a:p>
+            <a:pPr marL="432000" indent="-323640">
+              <a:lnSpc>
+                <a:spcPct val="100000"/>
+              </a:lnSpc>
               <a:spcBef>
                 <a:spcPts val="1417"/>
               </a:spcBef>
@@ -5983,14 +4760,14 @@
       </p:grpSpPr>
       <p:sp>
         <p:nvSpPr>
-          <p:cNvPr id="124" name="TextShape 1"/>
-          <p:cNvSpPr txBox="1"/>
+          <p:cNvPr id="80" name="CustomShape 1"/>
+          <p:cNvSpPr/>
           <p:nvPr/>
         </p:nvSpPr>
         <p:spPr>
           <a:xfrm>
             <a:off x="144000" y="72000"/>
-            <a:ext cx="9540000" cy="648000"/>
+            <a:ext cx="9539640" cy="647640"/>
           </a:xfrm>
           <a:prstGeom prst="rect">
             <a:avLst/>
@@ -6000,11 +4777,22 @@
             <a:noFill/>
           </a:ln>
         </p:spPr>
+        <p:style>
+          <a:lnRef idx="0"/>
+          <a:fillRef idx="0"/>
+          <a:effectRef idx="0"/>
+          <a:fontRef idx="minor"/>
+        </p:style>
         <p:txBody>
           <a:bodyPr lIns="0" rIns="0" tIns="0" bIns="0" anchor="ctr">
             <a:noAutofit/>
           </a:bodyPr>
           <a:p>
+            <a:pPr>
+              <a:lnSpc>
+                <a:spcPct val="100000"/>
+              </a:lnSpc>
+            </a:pPr>
             <a:r>
               <a:rPr b="0" lang="hu-HU" sz="4400" spc="-1" strike="noStrike">
                 <a:latin typeface="Arial"/>
@@ -6019,14 +4807,14 @@
       </p:sp>
       <p:sp>
         <p:nvSpPr>
-          <p:cNvPr id="125" name="TextShape 2"/>
-          <p:cNvSpPr txBox="1"/>
+          <p:cNvPr id="81" name="CustomShape 2"/>
+          <p:cNvSpPr/>
           <p:nvPr/>
         </p:nvSpPr>
         <p:spPr>
           <a:xfrm>
             <a:off x="504000" y="1326600"/>
-            <a:ext cx="9071640" cy="3288240"/>
+            <a:ext cx="9071280" cy="3287880"/>
           </a:xfrm>
           <a:prstGeom prst="rect">
             <a:avLst/>
@@ -6036,12 +4824,21 @@
             <a:noFill/>
           </a:ln>
         </p:spPr>
+        <p:style>
+          <a:lnRef idx="0"/>
+          <a:fillRef idx="0"/>
+          <a:effectRef idx="0"/>
+          <a:fontRef idx="minor"/>
+        </p:style>
         <p:txBody>
           <a:bodyPr lIns="0" rIns="0" tIns="0" bIns="0">
             <a:normAutofit/>
           </a:bodyPr>
           <a:p>
-            <a:pPr marL="432000" indent="-324000">
+            <a:pPr marL="432000" indent="-323640">
+              <a:lnSpc>
+                <a:spcPct val="100000"/>
+              </a:lnSpc>
               <a:spcBef>
                 <a:spcPts val="1417"/>
               </a:spcBef>
@@ -6066,7 +4863,7 @@
       </p:sp>
       <p:pic>
         <p:nvPicPr>
-          <p:cNvPr id="126" name="" descr=""/>
+          <p:cNvPr id="82" name="" descr=""/>
           <p:cNvPicPr/>
           <p:nvPr/>
         </p:nvPicPr>
@@ -6077,7 +4874,7 @@
         <p:spPr>
           <a:xfrm>
             <a:off x="1152000" y="2369880"/>
-            <a:ext cx="7776000" cy="2728440"/>
+            <a:ext cx="7775640" cy="2728080"/>
           </a:xfrm>
           <a:prstGeom prst="rect">
             <a:avLst/>
@@ -6119,14 +4916,14 @@
       </p:grpSpPr>
       <p:sp>
         <p:nvSpPr>
-          <p:cNvPr id="127" name="TextShape 1"/>
-          <p:cNvSpPr txBox="1"/>
+          <p:cNvPr id="83" name="CustomShape 1"/>
+          <p:cNvSpPr/>
           <p:nvPr/>
         </p:nvSpPr>
         <p:spPr>
           <a:xfrm>
             <a:off x="144000" y="72000"/>
-            <a:ext cx="9540000" cy="648000"/>
+            <a:ext cx="9539640" cy="647640"/>
           </a:xfrm>
           <a:prstGeom prst="rect">
             <a:avLst/>
@@ -6136,11 +4933,22 @@
             <a:noFill/>
           </a:ln>
         </p:spPr>
+        <p:style>
+          <a:lnRef idx="0"/>
+          <a:fillRef idx="0"/>
+          <a:effectRef idx="0"/>
+          <a:fontRef idx="minor"/>
+        </p:style>
         <p:txBody>
           <a:bodyPr lIns="0" rIns="0" tIns="0" bIns="0" anchor="ctr">
             <a:noAutofit/>
           </a:bodyPr>
           <a:p>
+            <a:pPr>
+              <a:lnSpc>
+                <a:spcPct val="100000"/>
+              </a:lnSpc>
+            </a:pPr>
             <a:r>
               <a:rPr b="0" lang="hu-HU" sz="4400" spc="-1" strike="noStrike">
                 <a:latin typeface="Arial"/>
@@ -6155,14 +4963,14 @@
       </p:sp>
       <p:sp>
         <p:nvSpPr>
-          <p:cNvPr id="128" name="TextShape 2"/>
-          <p:cNvSpPr txBox="1"/>
+          <p:cNvPr id="84" name="CustomShape 2"/>
+          <p:cNvSpPr/>
           <p:nvPr/>
         </p:nvSpPr>
         <p:spPr>
           <a:xfrm>
             <a:off x="504000" y="1326600"/>
-            <a:ext cx="9071640" cy="3288240"/>
+            <a:ext cx="9071280" cy="3287880"/>
           </a:xfrm>
           <a:prstGeom prst="rect">
             <a:avLst/>
@@ -6172,12 +4980,21 @@
             <a:noFill/>
           </a:ln>
         </p:spPr>
+        <p:style>
+          <a:lnRef idx="0"/>
+          <a:fillRef idx="0"/>
+          <a:effectRef idx="0"/>
+          <a:fontRef idx="minor"/>
+        </p:style>
         <p:txBody>
           <a:bodyPr lIns="0" rIns="0" tIns="0" bIns="0">
             <a:normAutofit/>
           </a:bodyPr>
           <a:p>
-            <a:pPr marL="432000" indent="-324000">
+            <a:pPr marL="432000" indent="-323640">
+              <a:lnSpc>
+                <a:spcPct val="100000"/>
+              </a:lnSpc>
               <a:spcBef>
                 <a:spcPts val="1417"/>
               </a:spcBef>
@@ -6202,7 +5019,7 @@
       </p:sp>
       <p:pic>
         <p:nvPicPr>
-          <p:cNvPr id="129" name="" descr=""/>
+          <p:cNvPr id="85" name="" descr=""/>
           <p:cNvPicPr/>
           <p:nvPr/>
         </p:nvPicPr>
@@ -6213,7 +5030,7 @@
         <p:spPr>
           <a:xfrm>
             <a:off x="572040" y="2318400"/>
-            <a:ext cx="8281800" cy="2073600"/>
+            <a:ext cx="8281440" cy="2073240"/>
           </a:xfrm>
           <a:prstGeom prst="rect">
             <a:avLst/>
@@ -6255,14 +5072,14 @@
       </p:grpSpPr>
       <p:sp>
         <p:nvSpPr>
-          <p:cNvPr id="130" name="TextShape 1"/>
-          <p:cNvSpPr txBox="1"/>
+          <p:cNvPr id="86" name="CustomShape 1"/>
+          <p:cNvSpPr/>
           <p:nvPr/>
         </p:nvSpPr>
         <p:spPr>
           <a:xfrm>
             <a:off x="144000" y="72000"/>
-            <a:ext cx="9540000" cy="648000"/>
+            <a:ext cx="9539640" cy="647640"/>
           </a:xfrm>
           <a:prstGeom prst="rect">
             <a:avLst/>
@@ -6272,11 +5089,22 @@
             <a:noFill/>
           </a:ln>
         </p:spPr>
+        <p:style>
+          <a:lnRef idx="0"/>
+          <a:fillRef idx="0"/>
+          <a:effectRef idx="0"/>
+          <a:fontRef idx="minor"/>
+        </p:style>
         <p:txBody>
           <a:bodyPr lIns="0" rIns="0" tIns="0" bIns="0" anchor="ctr">
             <a:noAutofit/>
           </a:bodyPr>
           <a:p>
+            <a:pPr>
+              <a:lnSpc>
+                <a:spcPct val="100000"/>
+              </a:lnSpc>
+            </a:pPr>
             <a:r>
               <a:rPr b="0" lang="hu-HU" sz="4400" spc="-1" strike="noStrike">
                 <a:latin typeface="Arial"/>
@@ -6291,14 +5119,14 @@
       </p:sp>
       <p:sp>
         <p:nvSpPr>
-          <p:cNvPr id="131" name="TextShape 2"/>
-          <p:cNvSpPr txBox="1"/>
+          <p:cNvPr id="87" name="CustomShape 2"/>
+          <p:cNvSpPr/>
           <p:nvPr/>
         </p:nvSpPr>
         <p:spPr>
           <a:xfrm>
             <a:off x="360360" y="887760"/>
-            <a:ext cx="9071640" cy="3288240"/>
+            <a:ext cx="9071280" cy="3287880"/>
           </a:xfrm>
           <a:prstGeom prst="rect">
             <a:avLst/>
@@ -6308,12 +5136,21 @@
             <a:noFill/>
           </a:ln>
         </p:spPr>
+        <p:style>
+          <a:lnRef idx="0"/>
+          <a:fillRef idx="0"/>
+          <a:effectRef idx="0"/>
+          <a:fontRef idx="minor"/>
+        </p:style>
         <p:txBody>
           <a:bodyPr lIns="0" rIns="0" tIns="0" bIns="0">
             <a:normAutofit/>
           </a:bodyPr>
           <a:p>
-            <a:pPr marL="432000" indent="-324000">
+            <a:pPr marL="432000" indent="-323640">
+              <a:lnSpc>
+                <a:spcPct val="100000"/>
+              </a:lnSpc>
               <a:spcBef>
                 <a:spcPts val="1417"/>
               </a:spcBef>
@@ -6338,7 +5175,7 @@
       </p:sp>
       <p:pic>
         <p:nvPicPr>
-          <p:cNvPr id="132" name="" descr=""/>
+          <p:cNvPr id="88" name="" descr=""/>
           <p:cNvPicPr/>
           <p:nvPr/>
         </p:nvPicPr>
@@ -6349,7 +5186,7 @@
         <p:spPr>
           <a:xfrm>
             <a:off x="936000" y="1440000"/>
-            <a:ext cx="7287120" cy="3801600"/>
+            <a:ext cx="7286760" cy="3801240"/>
           </a:xfrm>
           <a:prstGeom prst="rect">
             <a:avLst/>
@@ -6391,14 +5228,14 @@
       </p:grpSpPr>
       <p:sp>
         <p:nvSpPr>
-          <p:cNvPr id="133" name="TextShape 1"/>
-          <p:cNvSpPr txBox="1"/>
+          <p:cNvPr id="89" name="CustomShape 1"/>
+          <p:cNvSpPr/>
           <p:nvPr/>
         </p:nvSpPr>
         <p:spPr>
           <a:xfrm>
             <a:off x="144000" y="72000"/>
-            <a:ext cx="9540000" cy="648000"/>
+            <a:ext cx="9539640" cy="647640"/>
           </a:xfrm>
           <a:prstGeom prst="rect">
             <a:avLst/>
@@ -6408,11 +5245,22 @@
             <a:noFill/>
           </a:ln>
         </p:spPr>
+        <p:style>
+          <a:lnRef idx="0"/>
+          <a:fillRef idx="0"/>
+          <a:effectRef idx="0"/>
+          <a:fontRef idx="minor"/>
+        </p:style>
         <p:txBody>
           <a:bodyPr lIns="0" rIns="0" tIns="0" bIns="0" anchor="ctr">
             <a:noAutofit/>
           </a:bodyPr>
           <a:p>
+            <a:pPr>
+              <a:lnSpc>
+                <a:spcPct val="100000"/>
+              </a:lnSpc>
+            </a:pPr>
             <a:r>
               <a:rPr b="0" lang="hu-HU" sz="4400" spc="-1" strike="noStrike">
                 <a:latin typeface="Arial"/>
@@ -6427,14 +5275,14 @@
       </p:sp>
       <p:sp>
         <p:nvSpPr>
-          <p:cNvPr id="134" name="TextShape 2"/>
-          <p:cNvSpPr txBox="1"/>
+          <p:cNvPr id="90" name="CustomShape 2"/>
+          <p:cNvSpPr/>
           <p:nvPr/>
         </p:nvSpPr>
         <p:spPr>
           <a:xfrm>
             <a:off x="504000" y="1326600"/>
-            <a:ext cx="9071640" cy="3288240"/>
+            <a:ext cx="9071280" cy="3287880"/>
           </a:xfrm>
           <a:prstGeom prst="rect">
             <a:avLst/>
@@ -6444,12 +5292,21 @@
             <a:noFill/>
           </a:ln>
         </p:spPr>
+        <p:style>
+          <a:lnRef idx="0"/>
+          <a:fillRef idx="0"/>
+          <a:effectRef idx="0"/>
+          <a:fontRef idx="minor"/>
+        </p:style>
         <p:txBody>
           <a:bodyPr lIns="0" rIns="0" tIns="0" bIns="0">
             <a:normAutofit/>
           </a:bodyPr>
           <a:p>
-            <a:pPr marL="432000" indent="-324000">
+            <a:pPr marL="432000" indent="-323640">
+              <a:lnSpc>
+                <a:spcPct val="100000"/>
+              </a:lnSpc>
               <a:spcBef>
                 <a:spcPts val="1417"/>
               </a:spcBef>
@@ -6474,7 +5331,7 @@
       </p:sp>
       <p:pic>
         <p:nvPicPr>
-          <p:cNvPr id="135" name="" descr=""/>
+          <p:cNvPr id="91" name="" descr=""/>
           <p:cNvPicPr/>
           <p:nvPr/>
         </p:nvPicPr>
@@ -6485,7 +5342,7 @@
         <p:spPr>
           <a:xfrm>
             <a:off x="180360" y="2341800"/>
-            <a:ext cx="9287640" cy="2130480"/>
+            <a:ext cx="9287280" cy="2130120"/>
           </a:xfrm>
           <a:prstGeom prst="rect">
             <a:avLst/>
@@ -6527,14 +5384,14 @@
       </p:grpSpPr>
       <p:sp>
         <p:nvSpPr>
-          <p:cNvPr id="136" name="TextShape 1"/>
-          <p:cNvSpPr txBox="1"/>
+          <p:cNvPr id="92" name="CustomShape 1"/>
+          <p:cNvSpPr/>
           <p:nvPr/>
         </p:nvSpPr>
         <p:spPr>
           <a:xfrm>
             <a:off x="144000" y="72000"/>
-            <a:ext cx="9540000" cy="648000"/>
+            <a:ext cx="9539640" cy="647640"/>
           </a:xfrm>
           <a:prstGeom prst="rect">
             <a:avLst/>
@@ -6544,11 +5401,22 @@
             <a:noFill/>
           </a:ln>
         </p:spPr>
+        <p:style>
+          <a:lnRef idx="0"/>
+          <a:fillRef idx="0"/>
+          <a:effectRef idx="0"/>
+          <a:fontRef idx="minor"/>
+        </p:style>
         <p:txBody>
           <a:bodyPr lIns="0" rIns="0" tIns="0" bIns="0" anchor="ctr">
             <a:noAutofit/>
           </a:bodyPr>
           <a:p>
+            <a:pPr>
+              <a:lnSpc>
+                <a:spcPct val="100000"/>
+              </a:lnSpc>
+            </a:pPr>
             <a:r>
               <a:rPr b="0" lang="hu-HU" sz="4400" spc="-1" strike="noStrike">
                 <a:latin typeface="Arial"/>
@@ -6563,14 +5431,14 @@
       </p:sp>
       <p:sp>
         <p:nvSpPr>
-          <p:cNvPr id="137" name="TextShape 2"/>
-          <p:cNvSpPr txBox="1"/>
+          <p:cNvPr id="93" name="CustomShape 2"/>
+          <p:cNvSpPr/>
           <p:nvPr/>
         </p:nvSpPr>
         <p:spPr>
           <a:xfrm>
             <a:off x="504000" y="1326600"/>
-            <a:ext cx="9071640" cy="3288240"/>
+            <a:ext cx="9071280" cy="3287880"/>
           </a:xfrm>
           <a:prstGeom prst="rect">
             <a:avLst/>
@@ -6580,12 +5448,21 @@
             <a:noFill/>
           </a:ln>
         </p:spPr>
+        <p:style>
+          <a:lnRef idx="0"/>
+          <a:fillRef idx="0"/>
+          <a:effectRef idx="0"/>
+          <a:fontRef idx="minor"/>
+        </p:style>
         <p:txBody>
           <a:bodyPr lIns="0" rIns="0" tIns="0" bIns="0">
             <a:normAutofit/>
           </a:bodyPr>
           <a:p>
-            <a:pPr marL="432000" indent="-324000">
+            <a:pPr marL="432000" indent="-323640">
+              <a:lnSpc>
+                <a:spcPct val="100000"/>
+              </a:lnSpc>
               <a:spcBef>
                 <a:spcPts val="1417"/>
               </a:spcBef>
@@ -6610,7 +5487,7 @@
       </p:sp>
       <p:pic>
         <p:nvPicPr>
-          <p:cNvPr id="138" name="" descr=""/>
+          <p:cNvPr id="94" name="" descr=""/>
           <p:cNvPicPr/>
           <p:nvPr/>
         </p:nvPicPr>
@@ -6621,7 +5498,7 @@
         <p:spPr>
           <a:xfrm>
             <a:off x="277560" y="2609280"/>
-            <a:ext cx="9298080" cy="702720"/>
+            <a:ext cx="9297720" cy="702360"/>
           </a:xfrm>
           <a:prstGeom prst="rect">
             <a:avLst/>
@@ -6663,14 +5540,14 @@
       </p:grpSpPr>
       <p:sp>
         <p:nvSpPr>
-          <p:cNvPr id="139" name="TextShape 1"/>
-          <p:cNvSpPr txBox="1"/>
+          <p:cNvPr id="95" name="CustomShape 1"/>
+          <p:cNvSpPr/>
           <p:nvPr/>
         </p:nvSpPr>
         <p:spPr>
           <a:xfrm>
             <a:off x="144000" y="72000"/>
-            <a:ext cx="9540000" cy="648000"/>
+            <a:ext cx="9539640" cy="647640"/>
           </a:xfrm>
           <a:prstGeom prst="rect">
             <a:avLst/>
@@ -6680,11 +5557,22 @@
             <a:noFill/>
           </a:ln>
         </p:spPr>
+        <p:style>
+          <a:lnRef idx="0"/>
+          <a:fillRef idx="0"/>
+          <a:effectRef idx="0"/>
+          <a:fontRef idx="minor"/>
+        </p:style>
         <p:txBody>
           <a:bodyPr lIns="0" rIns="0" tIns="0" bIns="0" anchor="ctr">
             <a:noAutofit/>
           </a:bodyPr>
           <a:p>
+            <a:pPr>
+              <a:lnSpc>
+                <a:spcPct val="100000"/>
+              </a:lnSpc>
+            </a:pPr>
             <a:r>
               <a:rPr b="0" lang="hu-HU" sz="4400" spc="-1" strike="noStrike">
                 <a:latin typeface="Arial"/>
@@ -6699,14 +5587,14 @@
       </p:sp>
       <p:sp>
         <p:nvSpPr>
-          <p:cNvPr id="140" name="TextShape 2"/>
-          <p:cNvSpPr txBox="1"/>
+          <p:cNvPr id="96" name="CustomShape 2"/>
+          <p:cNvSpPr/>
           <p:nvPr/>
         </p:nvSpPr>
         <p:spPr>
           <a:xfrm>
             <a:off x="504000" y="1326600"/>
-            <a:ext cx="9071640" cy="3288240"/>
+            <a:ext cx="9071280" cy="3287880"/>
           </a:xfrm>
           <a:prstGeom prst="rect">
             <a:avLst/>
@@ -6716,12 +5604,21 @@
             <a:noFill/>
           </a:ln>
         </p:spPr>
+        <p:style>
+          <a:lnRef idx="0"/>
+          <a:fillRef idx="0"/>
+          <a:effectRef idx="0"/>
+          <a:fontRef idx="minor"/>
+        </p:style>
         <p:txBody>
           <a:bodyPr lIns="0" rIns="0" tIns="0" bIns="0">
             <a:normAutofit/>
           </a:bodyPr>
           <a:p>
-            <a:pPr marL="432000" indent="-324000">
+            <a:pPr marL="432000" indent="-323640">
+              <a:lnSpc>
+                <a:spcPct val="100000"/>
+              </a:lnSpc>
               <a:spcBef>
                 <a:spcPts val="1417"/>
               </a:spcBef>
@@ -6743,16 +5640,13 @@
             </a:endParaRPr>
           </a:p>
           <a:p>
-            <a:pPr marL="432000" indent="-324000">
+            <a:pPr>
+              <a:lnSpc>
+                <a:spcPct val="100000"/>
+              </a:lnSpc>
               <a:spcBef>
                 <a:spcPts val="1417"/>
               </a:spcBef>
-              <a:buClr>
-                <a:srgbClr val="ffffff"/>
-              </a:buClr>
-              <a:buSzPct val="45000"/>
-              <a:buFont typeface="Wingdings" charset="2"/>
-              <a:buChar char=""/>
             </a:pPr>
             <a:endParaRPr b="0" lang="hu-HU" sz="3200" spc="-1" strike="noStrike">
               <a:latin typeface="Arial"/>
@@ -6762,7 +5656,7 @@
       </p:sp>
       <p:pic>
         <p:nvPicPr>
-          <p:cNvPr id="141" name="" descr=""/>
+          <p:cNvPr id="97" name="" descr=""/>
           <p:cNvPicPr/>
           <p:nvPr/>
         </p:nvPicPr>
@@ -6773,7 +5667,7 @@
         <p:spPr>
           <a:xfrm>
             <a:off x="288000" y="2376000"/>
-            <a:ext cx="8786880" cy="1840680"/>
+            <a:ext cx="8786520" cy="1840320"/>
           </a:xfrm>
           <a:prstGeom prst="rect">
             <a:avLst/>
@@ -6815,14 +5709,14 @@
       </p:grpSpPr>
       <p:sp>
         <p:nvSpPr>
-          <p:cNvPr id="142" name="TextShape 1"/>
-          <p:cNvSpPr txBox="1"/>
+          <p:cNvPr id="98" name="CustomShape 1"/>
+          <p:cNvSpPr/>
           <p:nvPr/>
         </p:nvSpPr>
         <p:spPr>
           <a:xfrm>
             <a:off x="144000" y="72000"/>
-            <a:ext cx="9540000" cy="648000"/>
+            <a:ext cx="9539640" cy="647640"/>
           </a:xfrm>
           <a:prstGeom prst="rect">
             <a:avLst/>
@@ -6832,11 +5726,22 @@
             <a:noFill/>
           </a:ln>
         </p:spPr>
+        <p:style>
+          <a:lnRef idx="0"/>
+          <a:fillRef idx="0"/>
+          <a:effectRef idx="0"/>
+          <a:fontRef idx="minor"/>
+        </p:style>
         <p:txBody>
           <a:bodyPr lIns="0" rIns="0" tIns="0" bIns="0" anchor="ctr">
             <a:noAutofit/>
           </a:bodyPr>
           <a:p>
+            <a:pPr>
+              <a:lnSpc>
+                <a:spcPct val="100000"/>
+              </a:lnSpc>
+            </a:pPr>
             <a:r>
               <a:rPr b="0" lang="hu-HU" sz="4400" spc="-1" strike="noStrike">
                 <a:latin typeface="Arial"/>
@@ -6851,14 +5756,14 @@
       </p:sp>
       <p:sp>
         <p:nvSpPr>
-          <p:cNvPr id="143" name="TextShape 2"/>
-          <p:cNvSpPr txBox="1"/>
+          <p:cNvPr id="99" name="CustomShape 2"/>
+          <p:cNvSpPr/>
           <p:nvPr/>
         </p:nvSpPr>
         <p:spPr>
           <a:xfrm>
             <a:off x="288360" y="959760"/>
-            <a:ext cx="9071640" cy="3288240"/>
+            <a:ext cx="9071280" cy="3287880"/>
           </a:xfrm>
           <a:prstGeom prst="rect">
             <a:avLst/>
@@ -6868,12 +5773,21 @@
             <a:noFill/>
           </a:ln>
         </p:spPr>
+        <p:style>
+          <a:lnRef idx="0"/>
+          <a:fillRef idx="0"/>
+          <a:effectRef idx="0"/>
+          <a:fontRef idx="minor"/>
+        </p:style>
         <p:txBody>
           <a:bodyPr lIns="0" rIns="0" tIns="0" bIns="0">
             <a:normAutofit/>
           </a:bodyPr>
           <a:p>
-            <a:pPr marL="432000" indent="-324000">
+            <a:pPr marL="432000" indent="-323640">
+              <a:lnSpc>
+                <a:spcPct val="100000"/>
+              </a:lnSpc>
               <a:spcBef>
                 <a:spcPts val="1417"/>
               </a:spcBef>
@@ -6895,7 +5809,10 @@
             </a:endParaRPr>
           </a:p>
           <a:p>
-            <a:pPr marL="432000" indent="-324000">
+            <a:pPr marL="432000" indent="-323640">
+              <a:lnSpc>
+                <a:spcPct val="100000"/>
+              </a:lnSpc>
               <a:spcBef>
                 <a:spcPts val="1417"/>
               </a:spcBef>
@@ -6917,7 +5834,10 @@
             </a:endParaRPr>
           </a:p>
           <a:p>
-            <a:pPr marL="432000" indent="-324000">
+            <a:pPr marL="432000" indent="-323640">
+              <a:lnSpc>
+                <a:spcPct val="100000"/>
+              </a:lnSpc>
               <a:spcBef>
                 <a:spcPts val="1417"/>
               </a:spcBef>
@@ -6942,7 +5862,7 @@
       </p:sp>
       <p:pic>
         <p:nvPicPr>
-          <p:cNvPr id="144" name="" descr=""/>
+          <p:cNvPr id="100" name="" descr=""/>
           <p:cNvPicPr/>
           <p:nvPr/>
         </p:nvPicPr>
@@ -6953,7 +5873,7 @@
         <p:spPr>
           <a:xfrm>
             <a:off x="216000" y="3297960"/>
-            <a:ext cx="9575640" cy="1886040"/>
+            <a:ext cx="9575280" cy="1885680"/>
           </a:xfrm>
           <a:prstGeom prst="rect">
             <a:avLst/>
@@ -6995,14 +5915,14 @@
       </p:grpSpPr>
       <p:sp>
         <p:nvSpPr>
-          <p:cNvPr id="145" name="TextShape 1"/>
-          <p:cNvSpPr txBox="1"/>
+          <p:cNvPr id="101" name="CustomShape 1"/>
+          <p:cNvSpPr/>
           <p:nvPr/>
         </p:nvSpPr>
         <p:spPr>
           <a:xfrm>
             <a:off x="144000" y="72000"/>
-            <a:ext cx="9540000" cy="648000"/>
+            <a:ext cx="9539640" cy="647640"/>
           </a:xfrm>
           <a:prstGeom prst="rect">
             <a:avLst/>
@@ -7012,11 +5932,22 @@
             <a:noFill/>
           </a:ln>
         </p:spPr>
+        <p:style>
+          <a:lnRef idx="0"/>
+          <a:fillRef idx="0"/>
+          <a:effectRef idx="0"/>
+          <a:fontRef idx="minor"/>
+        </p:style>
         <p:txBody>
           <a:bodyPr lIns="0" rIns="0" tIns="0" bIns="0" anchor="ctr">
             <a:noAutofit/>
           </a:bodyPr>
           <a:p>
+            <a:pPr>
+              <a:lnSpc>
+                <a:spcPct val="100000"/>
+              </a:lnSpc>
+            </a:pPr>
             <a:r>
               <a:rPr b="0" lang="hu-HU" sz="4400" spc="-1" strike="noStrike">
                 <a:latin typeface="Arial"/>
@@ -7031,7 +5962,7 @@
       </p:sp>
       <p:pic>
         <p:nvPicPr>
-          <p:cNvPr id="146" name="" descr=""/>
+          <p:cNvPr id="102" name="" descr=""/>
           <p:cNvPicPr/>
           <p:nvPr/>
         </p:nvPicPr>
@@ -7042,7 +5973,7 @@
         <p:spPr>
           <a:xfrm>
             <a:off x="1296000" y="936000"/>
-            <a:ext cx="6846840" cy="4198320"/>
+            <a:ext cx="6846480" cy="4197960"/>
           </a:xfrm>
           <a:prstGeom prst="rect">
             <a:avLst/>
@@ -7515,230 +6446,4 @@
     </a:fmtScheme>
   </a:themeElements>
 </a:theme>
-</file>
-
-<file path=ppt/theme/theme3.xml><?xml version="1.0" encoding="utf-8"?>
-<a:theme xmlns:a="http://schemas.openxmlformats.org/drawingml/2006/main" name="Office Theme">
-  <a:themeElements>
-    <a:clrScheme name="Office">
-      <a:dk1>
-        <a:sysClr val="windowText" lastClr="000000"/>
-      </a:dk1>
-      <a:lt1>
-        <a:sysClr val="window" lastClr="FFFFFF"/>
-      </a:lt1>
-      <a:dk2>
-        <a:srgbClr val="1f497d"/>
-      </a:dk2>
-      <a:lt2>
-        <a:srgbClr val="eeece1"/>
-      </a:lt2>
-      <a:accent1>
-        <a:srgbClr val="4f81bd"/>
-      </a:accent1>
-      <a:accent2>
-        <a:srgbClr val="c0504d"/>
-      </a:accent2>
-      <a:accent3>
-        <a:srgbClr val="9bbb59"/>
-      </a:accent3>
-      <a:accent4>
-        <a:srgbClr val="8064a2"/>
-      </a:accent4>
-      <a:accent5>
-        <a:srgbClr val="4bacc6"/>
-      </a:accent5>
-      <a:accent6>
-        <a:srgbClr val="f79646"/>
-      </a:accent6>
-      <a:hlink>
-        <a:srgbClr val="0000ff"/>
-      </a:hlink>
-      <a:folHlink>
-        <a:srgbClr val="800080"/>
-      </a:folHlink>
-    </a:clrScheme>
-    <a:fontScheme name="Office">
-      <a:majorFont>
-        <a:latin typeface="Arial"/>
-        <a:ea typeface="DejaVu Sans"/>
-        <a:cs typeface="DejaVu Sans"/>
-      </a:majorFont>
-      <a:minorFont>
-        <a:latin typeface="Arial"/>
-        <a:ea typeface="DejaVu Sans"/>
-        <a:cs typeface="DejaVu Sans"/>
-      </a:minorFont>
-    </a:fontScheme>
-    <a:fmtScheme name="Office">
-      <a:fillStyleLst>
-        <a:solidFill>
-          <a:schemeClr val="phClr"/>
-        </a:solidFill>
-        <a:gradFill rotWithShape="1">
-          <a:gsLst>
-            <a:gs pos="0">
-              <a:schemeClr val="phClr">
-                <a:tint val="50000"/>
-                <a:satMod val="300000"/>
-              </a:schemeClr>
-            </a:gs>
-            <a:gs pos="35000">
-              <a:schemeClr val="phClr">
-                <a:tint val="37000"/>
-                <a:satMod val="300000"/>
-              </a:schemeClr>
-            </a:gs>
-            <a:gs pos="100000">
-              <a:schemeClr val="phClr">
-                <a:tint val="15000"/>
-                <a:satMod val="350000"/>
-              </a:schemeClr>
-            </a:gs>
-          </a:gsLst>
-          <a:lin ang="16200000" scaled="1"/>
-        </a:gradFill>
-        <a:gradFill rotWithShape="1">
-          <a:gsLst>
-            <a:gs pos="0">
-              <a:schemeClr val="phClr">
-                <a:shade val="51000"/>
-                <a:satMod val="130000"/>
-              </a:schemeClr>
-            </a:gs>
-            <a:gs pos="80000">
-              <a:schemeClr val="phClr">
-                <a:shade val="93000"/>
-                <a:satMod val="130000"/>
-              </a:schemeClr>
-            </a:gs>
-            <a:gs pos="100000">
-              <a:schemeClr val="phClr">
-                <a:shade val="94000"/>
-                <a:satMod val="135000"/>
-              </a:schemeClr>
-            </a:gs>
-          </a:gsLst>
-          <a:lin ang="16200000" scaled="0"/>
-        </a:gradFill>
-      </a:fillStyleLst>
-      <a:lnStyleLst>
-        <a:ln w="9525" cap="flat" cmpd="sng" algn="ctr">
-          <a:solidFill>
-            <a:schemeClr val="phClr">
-              <a:shade val="95000"/>
-              <a:satMod val="105000"/>
-            </a:schemeClr>
-          </a:solidFill>
-          <a:prstDash val="solid"/>
-          <a:miter/>
-        </a:ln>
-        <a:ln w="25400" cap="flat" cmpd="sng" algn="ctr">
-          <a:solidFill>
-            <a:schemeClr val="phClr"/>
-          </a:solidFill>
-          <a:prstDash val="solid"/>
-          <a:miter/>
-        </a:ln>
-        <a:ln w="38100" cap="flat" cmpd="sng" algn="ctr">
-          <a:solidFill>
-            <a:schemeClr val="phClr"/>
-          </a:solidFill>
-          <a:prstDash val="solid"/>
-          <a:miter/>
-        </a:ln>
-      </a:lnStyleLst>
-      <a:effectStyleLst>
-        <a:effectStyle>
-          <a:effectLst>
-            <a:outerShdw blurRad="40000" dist="20000" dir="5400000" rotWithShape="0">
-              <a:srgbClr val="000000">
-                <a:alpha val="38000"/>
-              </a:srgbClr>
-            </a:outerShdw>
-          </a:effectLst>
-        </a:effectStyle>
-        <a:effectStyle>
-          <a:effectLst>
-            <a:outerShdw blurRad="40000" dist="23000" dir="5400000" rotWithShape="0">
-              <a:srgbClr val="000000">
-                <a:alpha val="35000"/>
-              </a:srgbClr>
-            </a:outerShdw>
-          </a:effectLst>
-        </a:effectStyle>
-        <a:effectStyle>
-          <a:effectLst>
-            <a:outerShdw blurRad="40000" dist="23000" dir="5400000" rotWithShape="0">
-              <a:srgbClr val="000000">
-                <a:alpha val="35000"/>
-              </a:srgbClr>
-            </a:outerShdw>
-          </a:effectLst>
-          <a:scene3d>
-            <a:camera prst="orthographicFront">
-              <a:rot lat="0" lon="0" rev="0"/>
-            </a:camera>
-            <a:lightRig rig="threePt" dir="t">
-              <a:rot lat="0" lon="0" rev="1200000"/>
-            </a:lightRig>
-          </a:scene3d>
-          <a:sp3d>
-            <a:bevelT w="63500" h="25400"/>
-          </a:sp3d>
-        </a:effectStyle>
-      </a:effectStyleLst>
-      <a:bgFillStyleLst>
-        <a:solidFill>
-          <a:schemeClr val="phClr"/>
-        </a:solidFill>
-        <a:gradFill rotWithShape="1">
-          <a:gsLst>
-            <a:gs pos="0">
-              <a:schemeClr val="phClr">
-                <a:tint val="40000"/>
-                <a:satMod val="350000"/>
-              </a:schemeClr>
-            </a:gs>
-            <a:gs pos="40000">
-              <a:schemeClr val="phClr">
-                <a:tint val="45000"/>
-                <a:shade val="99000"/>
-                <a:satMod val="350000"/>
-              </a:schemeClr>
-            </a:gs>
-            <a:gs pos="100000">
-              <a:schemeClr val="phClr">
-                <a:shade val="20000"/>
-                <a:satMod val="255000"/>
-              </a:schemeClr>
-            </a:gs>
-          </a:gsLst>
-          <a:path path="circle">
-            <a:fillToRect l="50000" t="-80000" r="50000" b="180000"/>
-          </a:path>
-        </a:gradFill>
-        <a:gradFill rotWithShape="1">
-          <a:gsLst>
-            <a:gs pos="0">
-              <a:schemeClr val="phClr">
-                <a:tint val="80000"/>
-                <a:satMod val="300000"/>
-              </a:schemeClr>
-            </a:gs>
-            <a:gs pos="100000">
-              <a:schemeClr val="phClr">
-                <a:shade val="30000"/>
-                <a:satMod val="200000"/>
-              </a:schemeClr>
-            </a:gs>
-          </a:gsLst>
-          <a:path path="circle">
-            <a:fillToRect l="50000" t="50000" r="50000" b="50000"/>
-          </a:path>
-        </a:gradFill>
-      </a:bgFillStyleLst>
-    </a:fmtScheme>
-  </a:themeElements>
-</a:theme>
 </file>